--- a/Diseño/Bosquejo de bloques - definitivo (1).pptx
+++ b/Diseño/Bosquejo de bloques - definitivo (1).pptx
@@ -246,7 +246,7 @@
           <a:p>
             <a:fld id="{B4CC69C0-BFA3-4444-830A-602BF620F75C}" type="datetimeFigureOut">
               <a:rPr lang="es-ES" smtClean="0"/>
-              <a:t>09/08/2016</a:t>
+              <a:t>11/08/2016</a:t>
             </a:fld>
             <a:endParaRPr lang="es-ES"/>
           </a:p>
@@ -288,7 +288,7 @@
           <a:p>
             <a:fld id="{ABC2E85B-4C18-414A-9CE4-9A50FD4F3D89}" type="slidenum">
               <a:rPr lang="es-ES" smtClean="0"/>
-              <a:t>‹Nº›</a:t>
+              <a:t>‹#›</a:t>
             </a:fld>
             <a:endParaRPr lang="es-ES"/>
           </a:p>
@@ -414,7 +414,7 @@
           <a:p>
             <a:fld id="{B4CC69C0-BFA3-4444-830A-602BF620F75C}" type="datetimeFigureOut">
               <a:rPr lang="es-ES" smtClean="0"/>
-              <a:t>09/08/2016</a:t>
+              <a:t>11/08/2016</a:t>
             </a:fld>
             <a:endParaRPr lang="es-ES"/>
           </a:p>
@@ -456,7 +456,7 @@
           <a:p>
             <a:fld id="{ABC2E85B-4C18-414A-9CE4-9A50FD4F3D89}" type="slidenum">
               <a:rPr lang="es-ES" smtClean="0"/>
-              <a:t>‹Nº›</a:t>
+              <a:t>‹#›</a:t>
             </a:fld>
             <a:endParaRPr lang="es-ES"/>
           </a:p>
@@ -592,7 +592,7 @@
           <a:p>
             <a:fld id="{B4CC69C0-BFA3-4444-830A-602BF620F75C}" type="datetimeFigureOut">
               <a:rPr lang="es-ES" smtClean="0"/>
-              <a:t>09/08/2016</a:t>
+              <a:t>11/08/2016</a:t>
             </a:fld>
             <a:endParaRPr lang="es-ES"/>
           </a:p>
@@ -634,7 +634,7 @@
           <a:p>
             <a:fld id="{ABC2E85B-4C18-414A-9CE4-9A50FD4F3D89}" type="slidenum">
               <a:rPr lang="es-ES" smtClean="0"/>
-              <a:t>‹Nº›</a:t>
+              <a:t>‹#›</a:t>
             </a:fld>
             <a:endParaRPr lang="es-ES"/>
           </a:p>
@@ -760,7 +760,7 @@
           <a:p>
             <a:fld id="{B4CC69C0-BFA3-4444-830A-602BF620F75C}" type="datetimeFigureOut">
               <a:rPr lang="es-ES" smtClean="0"/>
-              <a:t>09/08/2016</a:t>
+              <a:t>11/08/2016</a:t>
             </a:fld>
             <a:endParaRPr lang="es-ES"/>
           </a:p>
@@ -802,7 +802,7 @@
           <a:p>
             <a:fld id="{ABC2E85B-4C18-414A-9CE4-9A50FD4F3D89}" type="slidenum">
               <a:rPr lang="es-ES" smtClean="0"/>
-              <a:t>‹Nº›</a:t>
+              <a:t>‹#›</a:t>
             </a:fld>
             <a:endParaRPr lang="es-ES"/>
           </a:p>
@@ -1005,7 +1005,7 @@
           <a:p>
             <a:fld id="{B4CC69C0-BFA3-4444-830A-602BF620F75C}" type="datetimeFigureOut">
               <a:rPr lang="es-ES" smtClean="0"/>
-              <a:t>09/08/2016</a:t>
+              <a:t>11/08/2016</a:t>
             </a:fld>
             <a:endParaRPr lang="es-ES"/>
           </a:p>
@@ -1047,7 +1047,7 @@
           <a:p>
             <a:fld id="{ABC2E85B-4C18-414A-9CE4-9A50FD4F3D89}" type="slidenum">
               <a:rPr lang="es-ES" smtClean="0"/>
-              <a:t>‹Nº›</a:t>
+              <a:t>‹#›</a:t>
             </a:fld>
             <a:endParaRPr lang="es-ES"/>
           </a:p>
@@ -1234,7 +1234,7 @@
           <a:p>
             <a:fld id="{B4CC69C0-BFA3-4444-830A-602BF620F75C}" type="datetimeFigureOut">
               <a:rPr lang="es-ES" smtClean="0"/>
-              <a:t>09/08/2016</a:t>
+              <a:t>11/08/2016</a:t>
             </a:fld>
             <a:endParaRPr lang="es-ES"/>
           </a:p>
@@ -1276,7 +1276,7 @@
           <a:p>
             <a:fld id="{ABC2E85B-4C18-414A-9CE4-9A50FD4F3D89}" type="slidenum">
               <a:rPr lang="es-ES" smtClean="0"/>
-              <a:t>‹Nº›</a:t>
+              <a:t>‹#›</a:t>
             </a:fld>
             <a:endParaRPr lang="es-ES"/>
           </a:p>
@@ -1598,7 +1598,7 @@
           <a:p>
             <a:fld id="{B4CC69C0-BFA3-4444-830A-602BF620F75C}" type="datetimeFigureOut">
               <a:rPr lang="es-ES" smtClean="0"/>
-              <a:t>09/08/2016</a:t>
+              <a:t>11/08/2016</a:t>
             </a:fld>
             <a:endParaRPr lang="es-ES"/>
           </a:p>
@@ -1640,7 +1640,7 @@
           <a:p>
             <a:fld id="{ABC2E85B-4C18-414A-9CE4-9A50FD4F3D89}" type="slidenum">
               <a:rPr lang="es-ES" smtClean="0"/>
-              <a:t>‹Nº›</a:t>
+              <a:t>‹#›</a:t>
             </a:fld>
             <a:endParaRPr lang="es-ES"/>
           </a:p>
@@ -1715,7 +1715,7 @@
           <a:p>
             <a:fld id="{B4CC69C0-BFA3-4444-830A-602BF620F75C}" type="datetimeFigureOut">
               <a:rPr lang="es-ES" smtClean="0"/>
-              <a:t>09/08/2016</a:t>
+              <a:t>11/08/2016</a:t>
             </a:fld>
             <a:endParaRPr lang="es-ES"/>
           </a:p>
@@ -1757,7 +1757,7 @@
           <a:p>
             <a:fld id="{ABC2E85B-4C18-414A-9CE4-9A50FD4F3D89}" type="slidenum">
               <a:rPr lang="es-ES" smtClean="0"/>
-              <a:t>‹Nº›</a:t>
+              <a:t>‹#›</a:t>
             </a:fld>
             <a:endParaRPr lang="es-ES"/>
           </a:p>
@@ -1810,7 +1810,7 @@
           <a:p>
             <a:fld id="{B4CC69C0-BFA3-4444-830A-602BF620F75C}" type="datetimeFigureOut">
               <a:rPr lang="es-ES" smtClean="0"/>
-              <a:t>09/08/2016</a:t>
+              <a:t>11/08/2016</a:t>
             </a:fld>
             <a:endParaRPr lang="es-ES"/>
           </a:p>
@@ -1852,7 +1852,7 @@
           <a:p>
             <a:fld id="{ABC2E85B-4C18-414A-9CE4-9A50FD4F3D89}" type="slidenum">
               <a:rPr lang="es-ES" smtClean="0"/>
-              <a:t>‹Nº›</a:t>
+              <a:t>‹#›</a:t>
             </a:fld>
             <a:endParaRPr lang="es-ES"/>
           </a:p>
@@ -2085,7 +2085,7 @@
           <a:p>
             <a:fld id="{B4CC69C0-BFA3-4444-830A-602BF620F75C}" type="datetimeFigureOut">
               <a:rPr lang="es-ES" smtClean="0"/>
-              <a:t>09/08/2016</a:t>
+              <a:t>11/08/2016</a:t>
             </a:fld>
             <a:endParaRPr lang="es-ES"/>
           </a:p>
@@ -2127,7 +2127,7 @@
           <a:p>
             <a:fld id="{ABC2E85B-4C18-414A-9CE4-9A50FD4F3D89}" type="slidenum">
               <a:rPr lang="es-ES" smtClean="0"/>
-              <a:t>‹Nº›</a:t>
+              <a:t>‹#›</a:t>
             </a:fld>
             <a:endParaRPr lang="es-ES"/>
           </a:p>
@@ -2337,7 +2337,7 @@
           <a:p>
             <a:fld id="{B4CC69C0-BFA3-4444-830A-602BF620F75C}" type="datetimeFigureOut">
               <a:rPr lang="es-ES" smtClean="0"/>
-              <a:t>09/08/2016</a:t>
+              <a:t>11/08/2016</a:t>
             </a:fld>
             <a:endParaRPr lang="es-ES"/>
           </a:p>
@@ -2379,7 +2379,7 @@
           <a:p>
             <a:fld id="{ABC2E85B-4C18-414A-9CE4-9A50FD4F3D89}" type="slidenum">
               <a:rPr lang="es-ES" smtClean="0"/>
-              <a:t>‹Nº›</a:t>
+              <a:t>‹#›</a:t>
             </a:fld>
             <a:endParaRPr lang="es-ES"/>
           </a:p>
@@ -2548,7 +2548,7 @@
           <a:p>
             <a:fld id="{B4CC69C0-BFA3-4444-830A-602BF620F75C}" type="datetimeFigureOut">
               <a:rPr lang="es-ES" smtClean="0"/>
-              <a:t>09/08/2016</a:t>
+              <a:t>11/08/2016</a:t>
             </a:fld>
             <a:endParaRPr lang="es-ES"/>
           </a:p>
@@ -2626,7 +2626,7 @@
           <a:p>
             <a:fld id="{ABC2E85B-4C18-414A-9CE4-9A50FD4F3D89}" type="slidenum">
               <a:rPr lang="es-ES" smtClean="0"/>
-              <a:t>‹Nº›</a:t>
+              <a:t>‹#›</a:t>
             </a:fld>
             <a:endParaRPr lang="es-ES"/>
           </a:p>
@@ -3141,7 +3141,7 @@
         <p:spPr/>
         <p:txBody>
           <a:bodyPr>
-            <a:normAutofit lnSpcReduction="10000"/>
+            <a:normAutofit/>
           </a:bodyPr>
           <a:lstStyle/>
           <a:p>
@@ -3175,18 +3175,17 @@
             </a:r>
             <a:r>
               <a:rPr lang="es-MX" sz="1800" dirty="0"/>
-              <a:t>): interruptor que permite alterar el tono</a:t>
-            </a:r>
-          </a:p>
-          <a:p>
-            <a:r>
-              <a:rPr lang="es-MX" sz="1800" dirty="0"/>
-              <a:t>Cambio de color (Color): interruptor que permite alterar el color de las letras o la pantalla</a:t>
-            </a:r>
-          </a:p>
-          <a:p>
-            <a:r>
-              <a:rPr lang="es-MX" sz="1800" dirty="0" err="1"/>
+              <a:t>): interruptor que permite alterar el </a:t>
+            </a:r>
+            <a:r>
+              <a:rPr lang="es-MX" sz="1800" dirty="0" smtClean="0"/>
+              <a:t>tono de los colores</a:t>
+            </a:r>
+            <a:endParaRPr lang="es-MX" sz="1800" dirty="0"/>
+          </a:p>
+          <a:p>
+            <a:r>
+              <a:rPr lang="es-MX" sz="1800" dirty="0" err="1" smtClean="0"/>
               <a:t>Lp</a:t>
             </a:r>
             <a:r>
@@ -3360,16 +3359,16 @@
       </p:sp>
       <p:grpSp>
         <p:nvGrpSpPr>
-          <p:cNvPr id="7" name="Grupo 6"/>
+          <p:cNvPr id="6" name="Group 5"/>
           <p:cNvGrpSpPr/>
           <p:nvPr/>
         </p:nvGrpSpPr>
         <p:grpSpPr>
           <a:xfrm>
             <a:off x="205965" y="1690688"/>
-            <a:ext cx="11440835" cy="4808657"/>
-            <a:chOff x="119522" y="1049188"/>
-            <a:chExt cx="11440835" cy="4808657"/>
+            <a:ext cx="11149423" cy="4808657"/>
+            <a:chOff x="205965" y="1690688"/>
+            <a:chExt cx="11149423" cy="4808657"/>
           </a:xfrm>
         </p:grpSpPr>
         <p:sp>
@@ -3380,7 +3379,7 @@
           </p:nvSpPr>
           <p:spPr>
             <a:xfrm>
-              <a:off x="7725837" y="2217578"/>
+              <a:off x="7812280" y="2859078"/>
               <a:ext cx="122528" cy="122528"/>
             </a:xfrm>
             <a:prstGeom prst="rect">
@@ -3420,7 +3419,7 @@
           </p:nvSpPr>
           <p:spPr>
             <a:xfrm>
-              <a:off x="4549808" y="2093097"/>
+              <a:off x="4636251" y="2734597"/>
               <a:ext cx="122528" cy="122528"/>
             </a:xfrm>
             <a:prstGeom prst="rect">
@@ -3460,7 +3459,7 @@
           </p:nvSpPr>
           <p:spPr>
             <a:xfrm>
-              <a:off x="4515792" y="4378434"/>
+              <a:off x="4602235" y="5019934"/>
               <a:ext cx="122528" cy="122528"/>
             </a:xfrm>
             <a:prstGeom prst="rect">
@@ -3500,7 +3499,7 @@
           </p:nvSpPr>
           <p:spPr>
             <a:xfrm>
-              <a:off x="7714217" y="4348873"/>
+              <a:off x="7800660" y="4990373"/>
               <a:ext cx="122528" cy="122528"/>
             </a:xfrm>
             <a:prstGeom prst="rect">
@@ -3540,7 +3539,7 @@
           </p:nvSpPr>
           <p:spPr>
             <a:xfrm>
-              <a:off x="4522126" y="3517897"/>
+              <a:off x="4608569" y="4159397"/>
               <a:ext cx="133004" cy="133004"/>
             </a:xfrm>
             <a:prstGeom prst="rect">
@@ -3580,7 +3579,7 @@
           </p:nvSpPr>
           <p:spPr>
             <a:xfrm>
-              <a:off x="4522126" y="3932312"/>
+              <a:off x="4608569" y="4573812"/>
               <a:ext cx="133004" cy="133004"/>
             </a:xfrm>
             <a:prstGeom prst="rect">
@@ -3620,7 +3619,7 @@
           </p:nvSpPr>
           <p:spPr>
             <a:xfrm>
-              <a:off x="7716650" y="1122218"/>
+              <a:off x="7803093" y="1763718"/>
               <a:ext cx="1951052" cy="1346662"/>
             </a:xfrm>
             <a:prstGeom prst="rect">
@@ -3662,7 +3661,7 @@
           </p:nvCxnSpPr>
           <p:spPr>
             <a:xfrm>
-              <a:off x="9679293" y="1542759"/>
+              <a:off x="9765736" y="2184259"/>
               <a:ext cx="1224794" cy="0"/>
             </a:xfrm>
             <a:prstGeom prst="straightConnector1">
@@ -3695,7 +3694,7 @@
           </p:nvSpPr>
           <p:spPr>
             <a:xfrm>
-              <a:off x="10442693" y="1155470"/>
+              <a:off x="10529136" y="1796970"/>
               <a:ext cx="826252" cy="369332"/>
             </a:xfrm>
             <a:prstGeom prst="rect">
@@ -3729,7 +3728,7 @@
           </p:nvCxnSpPr>
           <p:spPr>
             <a:xfrm>
-              <a:off x="9679293" y="2104594"/>
+              <a:off x="9765736" y="2746094"/>
               <a:ext cx="1224794" cy="0"/>
             </a:xfrm>
             <a:prstGeom prst="straightConnector1">
@@ -3762,7 +3761,7 @@
           </p:nvSpPr>
           <p:spPr>
             <a:xfrm>
-              <a:off x="10442693" y="1717305"/>
+              <a:off x="10529136" y="2358805"/>
               <a:ext cx="826252" cy="369332"/>
             </a:xfrm>
             <a:prstGeom prst="rect">
@@ -3796,7 +3795,7 @@
           </p:nvSpPr>
           <p:spPr>
             <a:xfrm>
-              <a:off x="9852147" y="1233244"/>
+              <a:off x="9938590" y="1874744"/>
               <a:ext cx="579005" cy="276999"/>
             </a:xfrm>
             <a:prstGeom prst="rect">
@@ -3825,7 +3824,7 @@
           </p:nvSpPr>
           <p:spPr>
             <a:xfrm>
-              <a:off x="9852147" y="1838897"/>
+              <a:off x="9938590" y="2480397"/>
               <a:ext cx="498855" cy="276999"/>
             </a:xfrm>
             <a:prstGeom prst="rect">
@@ -3854,7 +3853,7 @@
           </p:nvSpPr>
           <p:spPr>
             <a:xfrm>
-              <a:off x="4538752" y="1122218"/>
+              <a:off x="4625195" y="1763718"/>
               <a:ext cx="1953490" cy="1346662"/>
             </a:xfrm>
             <a:prstGeom prst="rect">
@@ -3896,7 +3895,7 @@
           </p:nvCxnSpPr>
           <p:spPr>
             <a:xfrm>
-              <a:off x="6489420" y="1288051"/>
+              <a:off x="6575863" y="1929551"/>
               <a:ext cx="1224794" cy="0"/>
             </a:xfrm>
             <a:prstGeom prst="straightConnector1">
@@ -3929,7 +3928,7 @@
           </p:nvCxnSpPr>
           <p:spPr>
             <a:xfrm>
-              <a:off x="6489420" y="1849886"/>
+              <a:off x="6575863" y="2491386"/>
               <a:ext cx="1224794" cy="0"/>
             </a:xfrm>
             <a:prstGeom prst="straightConnector1">
@@ -3962,7 +3961,7 @@
           </p:nvCxnSpPr>
           <p:spPr>
             <a:xfrm flipH="1">
-              <a:off x="6595368" y="1192454"/>
+              <a:off x="6681811" y="1833954"/>
               <a:ext cx="191193" cy="191193"/>
             </a:xfrm>
             <a:prstGeom prst="line">
@@ -3992,7 +3991,7 @@
           </p:nvCxnSpPr>
           <p:spPr>
             <a:xfrm flipH="1">
-              <a:off x="6572336" y="1754289"/>
+              <a:off x="6658779" y="2395789"/>
               <a:ext cx="191193" cy="191193"/>
             </a:xfrm>
             <a:prstGeom prst="line">
@@ -4022,7 +4021,7 @@
           </p:nvSpPr>
           <p:spPr>
             <a:xfrm>
-              <a:off x="6455945" y="1049188"/>
+              <a:off x="6542388" y="1690688"/>
               <a:ext cx="341760" cy="276999"/>
             </a:xfrm>
             <a:prstGeom prst="rect">
@@ -4052,7 +4051,7 @@
           </p:nvSpPr>
           <p:spPr>
             <a:xfrm>
-              <a:off x="6444801" y="1615789"/>
+              <a:off x="6531244" y="2257289"/>
               <a:ext cx="341760" cy="276999"/>
             </a:xfrm>
             <a:prstGeom prst="rect">
@@ -4067,46 +4066,13 @@
             <a:lstStyle/>
             <a:p>
               <a:r>
-                <a:rPr lang="es-MX" sz="1200" dirty="0"/>
+                <a:rPr lang="es-MX" sz="1200" dirty="0" smtClean="0"/>
                 <a:t>10</a:t>
               </a:r>
               <a:endParaRPr lang="es-ES" sz="1200" dirty="0"/>
             </a:p>
           </p:txBody>
         </p:sp>
-        <p:cxnSp>
-          <p:nvCxnSpPr>
-            <p:cNvPr id="28" name="Conector recto de flecha 27"/>
-            <p:cNvCxnSpPr/>
-            <p:nvPr/>
-          </p:nvCxnSpPr>
-          <p:spPr>
-            <a:xfrm>
-              <a:off x="745321" y="1467086"/>
-              <a:ext cx="1224794" cy="0"/>
-            </a:xfrm>
-            <a:prstGeom prst="straightConnector1">
-              <a:avLst/>
-            </a:prstGeom>
-            <a:ln>
-              <a:tailEnd type="triangle"/>
-            </a:ln>
-          </p:spPr>
-          <p:style>
-            <a:lnRef idx="3">
-              <a:schemeClr val="dk1"/>
-            </a:lnRef>
-            <a:fillRef idx="0">
-              <a:schemeClr val="dk1"/>
-            </a:fillRef>
-            <a:effectRef idx="2">
-              <a:schemeClr val="dk1"/>
-            </a:effectRef>
-            <a:fontRef idx="minor">
-              <a:schemeClr val="tx1"/>
-            </a:fontRef>
-          </p:style>
-        </p:cxnSp>
         <p:sp>
           <p:nvSpPr>
             <p:cNvPr id="29" name="CuadroTexto 28"/>
@@ -4115,7 +4081,7 @@
           </p:nvSpPr>
           <p:spPr>
             <a:xfrm>
-              <a:off x="674947" y="1188886"/>
+              <a:off x="761390" y="1830386"/>
               <a:ext cx="665567" cy="276999"/>
             </a:xfrm>
             <a:prstGeom prst="rect">
@@ -4145,7 +4111,7 @@
           </p:nvSpPr>
           <p:spPr>
             <a:xfrm>
-              <a:off x="119522" y="1266214"/>
+              <a:off x="205965" y="1907714"/>
               <a:ext cx="684803" cy="369332"/>
             </a:xfrm>
             <a:prstGeom prst="rect">
@@ -4167,48 +4133,6 @@
             </a:p>
           </p:txBody>
         </p:sp>
-        <p:sp>
-          <p:nvSpPr>
-            <p:cNvPr id="31" name="Rectángulo 30"/>
-            <p:cNvSpPr/>
-            <p:nvPr/>
-          </p:nvSpPr>
-          <p:spPr>
-            <a:xfrm>
-              <a:off x="1970115" y="1122218"/>
-              <a:ext cx="1558429" cy="1346662"/>
-            </a:xfrm>
-            <a:prstGeom prst="rect">
-              <a:avLst/>
-            </a:prstGeom>
-          </p:spPr>
-          <p:style>
-            <a:lnRef idx="2">
-              <a:schemeClr val="dk1"/>
-            </a:lnRef>
-            <a:fillRef idx="1">
-              <a:schemeClr val="lt1"/>
-            </a:fillRef>
-            <a:effectRef idx="0">
-              <a:schemeClr val="dk1"/>
-            </a:effectRef>
-            <a:fontRef idx="minor">
-              <a:schemeClr val="dk1"/>
-            </a:fontRef>
-          </p:style>
-          <p:txBody>
-            <a:bodyPr rtlCol="0" anchor="ctr"/>
-            <a:lstStyle/>
-            <a:p>
-              <a:pPr algn="ctr"/>
-              <a:r>
-                <a:rPr lang="es-MX" dirty="0"/>
-                <a:t>Generador de tiempo de pixel</a:t>
-              </a:r>
-              <a:endParaRPr lang="es-ES" dirty="0"/>
-            </a:p>
-          </p:txBody>
-        </p:sp>
         <p:cxnSp>
           <p:nvCxnSpPr>
             <p:cNvPr id="32" name="Conector recto de flecha 31"/>
@@ -4217,8 +4141,8 @@
           </p:nvCxnSpPr>
           <p:spPr>
             <a:xfrm>
-              <a:off x="3528544" y="1592197"/>
-              <a:ext cx="1010208" cy="0"/>
+              <a:off x="907952" y="2233697"/>
+              <a:ext cx="3717243" cy="0"/>
             </a:xfrm>
             <a:prstGeom prst="straightConnector1">
               <a:avLst/>
@@ -4244,43 +4168,13 @@
         </p:cxnSp>
         <p:sp>
           <p:nvSpPr>
-            <p:cNvPr id="33" name="CuadroTexto 32"/>
-            <p:cNvSpPr txBox="1"/>
-            <p:nvPr/>
-          </p:nvSpPr>
-          <p:spPr>
-            <a:xfrm>
-              <a:off x="3635529" y="1340136"/>
-              <a:ext cx="665567" cy="276999"/>
-            </a:xfrm>
-            <a:prstGeom prst="rect">
-              <a:avLst/>
-            </a:prstGeom>
-            <a:noFill/>
-          </p:spPr>
-          <p:txBody>
-            <a:bodyPr wrap="none" rtlCol="0">
-              <a:spAutoFit/>
-            </a:bodyPr>
-            <a:lstStyle/>
-            <a:p>
-              <a:r>
-                <a:rPr lang="es-MX" sz="1200" dirty="0"/>
-                <a:t>25 MHz</a:t>
-              </a:r>
-              <a:endParaRPr lang="es-ES" sz="1200" dirty="0"/>
-            </a:p>
-          </p:txBody>
-        </p:sp>
-        <p:sp>
-          <p:nvSpPr>
             <p:cNvPr id="34" name="Rectángulo 33"/>
             <p:cNvSpPr/>
             <p:nvPr/>
           </p:nvSpPr>
           <p:spPr>
             <a:xfrm>
-              <a:off x="7714214" y="3250277"/>
+              <a:off x="7800657" y="3891777"/>
               <a:ext cx="1965079" cy="1421476"/>
             </a:xfrm>
             <a:prstGeom prst="rect">
@@ -4322,7 +4216,7 @@
           </p:nvSpPr>
           <p:spPr>
             <a:xfrm>
-              <a:off x="4515792" y="3250277"/>
+              <a:off x="4602235" y="3891777"/>
               <a:ext cx="1965079" cy="1421476"/>
             </a:xfrm>
             <a:prstGeom prst="rect">
@@ -4364,7 +4258,7 @@
           </p:nvCxnSpPr>
           <p:spPr>
             <a:xfrm flipV="1">
-              <a:off x="8697246" y="4671753"/>
+              <a:off x="8783689" y="5313253"/>
               <a:ext cx="1" cy="958620"/>
             </a:xfrm>
             <a:prstGeom prst="straightConnector1">
@@ -4397,7 +4291,7 @@
           </p:nvCxnSpPr>
           <p:spPr>
             <a:xfrm flipH="1">
-              <a:off x="8613973" y="5121334"/>
+              <a:off x="8700416" y="5762834"/>
               <a:ext cx="180360" cy="180360"/>
             </a:xfrm>
             <a:prstGeom prst="line">
@@ -4427,7 +4321,7 @@
           </p:nvSpPr>
           <p:spPr>
             <a:xfrm>
-              <a:off x="8438577" y="5006402"/>
+              <a:off x="8525020" y="5647902"/>
               <a:ext cx="276038" cy="307777"/>
             </a:xfrm>
             <a:prstGeom prst="rect">
@@ -4456,8 +4350,8 @@
           </p:nvSpPr>
           <p:spPr>
             <a:xfrm>
-              <a:off x="8890011" y="5211514"/>
-              <a:ext cx="2670346" cy="646331"/>
+              <a:off x="8976454" y="5853014"/>
+              <a:ext cx="2006703" cy="646331"/>
             </a:xfrm>
             <a:prstGeom prst="rect">
               <a:avLst/>
@@ -4477,21 +4371,14 @@
             </a:p>
             <a:p>
               <a:r>
-                <a:rPr lang="x-none" dirty="0" err="1"/>
-                <a:t>Lp</a:t>
+                <a:rPr lang="x-none" dirty="0"/>
+                <a:t>Lp, Up, Down, </a:t>
               </a:r>
               <a:r>
-                <a:rPr lang="x-none" dirty="0"/>
-                <a:t>, Up, Down, </a:t>
-              </a:r>
-              <a:r>
-                <a:rPr lang="x-none" dirty="0" err="1"/>
+                <a:rPr lang="x-none" dirty="0" smtClean="0"/>
                 <a:t>Tone</a:t>
               </a:r>
-              <a:r>
-                <a:rPr lang="x-none" dirty="0"/>
-                <a:t>, Color </a:t>
-              </a:r>
+              <a:endParaRPr lang="x-none" dirty="0"/>
             </a:p>
           </p:txBody>
         </p:sp>
@@ -4503,7 +4390,7 @@
           </p:nvCxnSpPr>
           <p:spPr>
             <a:xfrm>
-              <a:off x="9679293" y="3637566"/>
+              <a:off x="9765736" y="4279066"/>
               <a:ext cx="1224794" cy="0"/>
             </a:xfrm>
             <a:prstGeom prst="straightConnector1">
@@ -4536,7 +4423,7 @@
           </p:nvSpPr>
           <p:spPr>
             <a:xfrm>
-              <a:off x="10700969" y="3309798"/>
+              <a:off x="10787412" y="3951298"/>
               <a:ext cx="309700" cy="369332"/>
             </a:xfrm>
             <a:prstGeom prst="rect">
@@ -4565,7 +4452,7 @@
           </p:nvCxnSpPr>
           <p:spPr>
             <a:xfrm>
-              <a:off x="9679293" y="3991585"/>
+              <a:off x="9765736" y="4633085"/>
               <a:ext cx="1224794" cy="0"/>
             </a:xfrm>
             <a:prstGeom prst="straightConnector1">
@@ -4598,7 +4485,7 @@
           </p:nvCxnSpPr>
           <p:spPr>
             <a:xfrm>
-              <a:off x="9679293" y="4373971"/>
+              <a:off x="9765736" y="5015471"/>
               <a:ext cx="1224794" cy="0"/>
             </a:xfrm>
             <a:prstGeom prst="straightConnector1">
@@ -4631,7 +4518,7 @@
           </p:nvSpPr>
           <p:spPr>
             <a:xfrm>
-              <a:off x="10700969" y="3671473"/>
+              <a:off x="10787412" y="4312973"/>
               <a:ext cx="330540" cy="369332"/>
             </a:xfrm>
             <a:prstGeom prst="rect">
@@ -4660,7 +4547,7 @@
           </p:nvSpPr>
           <p:spPr>
             <a:xfrm>
-              <a:off x="10700969" y="4040805"/>
+              <a:off x="10787412" y="4682305"/>
               <a:ext cx="309700" cy="369332"/>
             </a:xfrm>
             <a:prstGeom prst="rect">
@@ -4689,7 +4576,7 @@
           </p:nvCxnSpPr>
           <p:spPr>
             <a:xfrm flipH="1">
-              <a:off x="10063682" y="3555305"/>
+              <a:off x="10150125" y="4196805"/>
               <a:ext cx="191193" cy="191193"/>
             </a:xfrm>
             <a:prstGeom prst="line">
@@ -4719,7 +4606,7 @@
           </p:nvSpPr>
           <p:spPr>
             <a:xfrm>
-              <a:off x="9936147" y="3416805"/>
+              <a:off x="10022590" y="4058305"/>
               <a:ext cx="263214" cy="276999"/>
             </a:xfrm>
             <a:prstGeom prst="rect">
@@ -4749,7 +4636,7 @@
           </p:nvCxnSpPr>
           <p:spPr>
             <a:xfrm flipH="1">
-              <a:off x="10072020" y="3886357"/>
+              <a:off x="10158463" y="4527857"/>
               <a:ext cx="191193" cy="191193"/>
             </a:xfrm>
             <a:prstGeom prst="line">
@@ -4779,7 +4666,7 @@
           </p:nvSpPr>
           <p:spPr>
             <a:xfrm>
-              <a:off x="9944485" y="3747857"/>
+              <a:off x="10030928" y="4389357"/>
               <a:ext cx="263214" cy="276999"/>
             </a:xfrm>
             <a:prstGeom prst="rect">
@@ -4809,7 +4696,7 @@
           </p:nvCxnSpPr>
           <p:spPr>
             <a:xfrm flipH="1">
-              <a:off x="10067923" y="4271638"/>
+              <a:off x="10154366" y="4913138"/>
               <a:ext cx="191193" cy="191193"/>
             </a:xfrm>
             <a:prstGeom prst="line">
@@ -4839,7 +4726,7 @@
           </p:nvSpPr>
           <p:spPr>
             <a:xfrm>
-              <a:off x="9940388" y="4133138"/>
+              <a:off x="10026831" y="4774638"/>
               <a:ext cx="263214" cy="276999"/>
             </a:xfrm>
             <a:prstGeom prst="rect">
@@ -4869,7 +4756,7 @@
           </p:nvCxnSpPr>
           <p:spPr>
             <a:xfrm>
-              <a:off x="6489420" y="3582026"/>
+              <a:off x="6575863" y="4223526"/>
               <a:ext cx="1224794" cy="0"/>
             </a:xfrm>
             <a:prstGeom prst="straightConnector1">
@@ -4902,7 +4789,7 @@
           </p:nvSpPr>
           <p:spPr>
             <a:xfrm>
-              <a:off x="7249573" y="1234017"/>
+              <a:off x="7336016" y="1875517"/>
               <a:ext cx="124692" cy="124692"/>
             </a:xfrm>
             <a:prstGeom prst="ellipse">
@@ -4942,7 +4829,7 @@
           </p:nvSpPr>
           <p:spPr>
             <a:xfrm>
-              <a:off x="6876065" y="1787539"/>
+              <a:off x="6962508" y="2429039"/>
               <a:ext cx="124692" cy="124692"/>
             </a:xfrm>
             <a:prstGeom prst="ellipse">
@@ -4985,7 +4872,7 @@
           </p:nvCxnSpPr>
           <p:spPr>
             <a:xfrm rot="5400000">
-              <a:off x="4894185" y="1540173"/>
+              <a:off x="4980628" y="2181673"/>
               <a:ext cx="1672168" cy="2416285"/>
             </a:xfrm>
             <a:prstGeom prst="bentConnector4">
@@ -5024,7 +4911,7 @@
           </p:nvCxnSpPr>
           <p:spPr>
             <a:xfrm rot="5400000">
-              <a:off x="4596971" y="1283865"/>
+              <a:off x="4683414" y="1925365"/>
               <a:ext cx="2640105" cy="2789793"/>
             </a:xfrm>
             <a:prstGeom prst="bentConnector4">
@@ -5060,7 +4947,7 @@
           </p:nvSpPr>
           <p:spPr>
             <a:xfrm>
-              <a:off x="119522" y="1919928"/>
+              <a:off x="205965" y="2561428"/>
               <a:ext cx="701987" cy="369332"/>
             </a:xfrm>
             <a:prstGeom prst="rect">
@@ -5090,8 +4977,8 @@
           </p:nvCxnSpPr>
           <p:spPr>
             <a:xfrm>
-              <a:off x="745321" y="2128254"/>
-              <a:ext cx="1224794" cy="0"/>
+              <a:off x="831764" y="2769754"/>
+              <a:ext cx="3793431" cy="0"/>
             </a:xfrm>
             <a:prstGeom prst="straightConnector1">
               <a:avLst/>
@@ -5123,86 +5010,7 @@
           </p:nvSpPr>
           <p:spPr>
             <a:xfrm>
-              <a:off x="1488540" y="2073837"/>
-              <a:ext cx="108067" cy="108067"/>
-            </a:xfrm>
-            <a:prstGeom prst="ellipse">
-              <a:avLst/>
-            </a:prstGeom>
-          </p:spPr>
-          <p:style>
-            <a:lnRef idx="2">
-              <a:schemeClr val="dk1">
-                <a:shade val="50000"/>
-              </a:schemeClr>
-            </a:lnRef>
-            <a:fillRef idx="1">
-              <a:schemeClr val="dk1"/>
-            </a:fillRef>
-            <a:effectRef idx="0">
-              <a:schemeClr val="dk1"/>
-            </a:effectRef>
-            <a:fontRef idx="minor">
-              <a:schemeClr val="lt1"/>
-            </a:fontRef>
-          </p:style>
-          <p:txBody>
-            <a:bodyPr rtlCol="0" anchor="ctr"/>
-            <a:lstStyle/>
-            <a:p>
-              <a:pPr algn="ctr"/>
-              <a:endParaRPr lang="es-ES"/>
-            </a:p>
-          </p:txBody>
-        </p:sp>
-        <p:cxnSp>
-          <p:nvCxnSpPr>
-            <p:cNvPr id="60" name="Conector angular 65"/>
-            <p:cNvCxnSpPr>
-              <a:stCxn id="59" idx="4"/>
-              <a:endCxn id="9" idx="1"/>
-            </p:cNvCxnSpPr>
-            <p:nvPr/>
-          </p:nvCxnSpPr>
-          <p:spPr>
-            <a:xfrm rot="5400000" flipH="1" flipV="1">
-              <a:off x="3032419" y="664516"/>
-              <a:ext cx="27543" cy="3007234"/>
-            </a:xfrm>
-            <a:prstGeom prst="bentConnector4">
-              <a:avLst>
-                <a:gd name="adj1" fmla="val -1856134"/>
-                <a:gd name="adj2" fmla="val 77435"/>
-              </a:avLst>
-            </a:prstGeom>
-            <a:ln>
-              <a:tailEnd type="triangle"/>
-            </a:ln>
-          </p:spPr>
-          <p:style>
-            <a:lnRef idx="3">
-              <a:schemeClr val="dk1"/>
-            </a:lnRef>
-            <a:fillRef idx="0">
-              <a:schemeClr val="dk1"/>
-            </a:fillRef>
-            <a:effectRef idx="2">
-              <a:schemeClr val="dk1"/>
-            </a:effectRef>
-            <a:fontRef idx="minor">
-              <a:schemeClr val="tx1"/>
-            </a:fontRef>
-          </p:style>
-        </p:cxnSp>
-        <p:sp>
-          <p:nvSpPr>
-            <p:cNvPr id="61" name="Elipse 60"/>
-            <p:cNvSpPr/>
-            <p:nvPr/>
-          </p:nvSpPr>
-          <p:spPr>
-            <a:xfrm>
-              <a:off x="3826993" y="2637869"/>
+              <a:off x="3913435" y="2728137"/>
               <a:ext cx="108067" cy="108067"/>
             </a:xfrm>
             <a:prstGeom prst="ellipse">
@@ -5238,15 +5046,15 @@
           <p:nvCxnSpPr>
             <p:cNvPr id="63" name="Conector angular 85"/>
             <p:cNvCxnSpPr>
-              <a:stCxn id="61" idx="4"/>
+              <a:stCxn id="59" idx="4"/>
               <a:endCxn id="10" idx="1"/>
             </p:cNvCxnSpPr>
             <p:nvPr/>
           </p:nvCxnSpPr>
           <p:spPr>
             <a:xfrm rot="16200000" flipH="1">
-              <a:off x="3351528" y="3275434"/>
-              <a:ext cx="1693762" cy="634765"/>
+              <a:off x="3162355" y="3641318"/>
+              <a:ext cx="2244994" cy="634766"/>
             </a:xfrm>
             <a:prstGeom prst="bentConnector2">
               <a:avLst/>
@@ -5278,7 +5086,7 @@
           </p:nvSpPr>
           <p:spPr>
             <a:xfrm>
-              <a:off x="3830729" y="4385663"/>
+              <a:off x="3917172" y="5027163"/>
               <a:ext cx="108067" cy="108067"/>
             </a:xfrm>
             <a:prstGeom prst="ellipse">
@@ -5321,7 +5129,7 @@
           </p:nvCxnSpPr>
           <p:spPr>
             <a:xfrm rot="5400000" flipH="1" flipV="1">
-              <a:off x="5757693" y="2537207"/>
+              <a:off x="5844136" y="3178707"/>
               <a:ext cx="83593" cy="3829454"/>
             </a:xfrm>
             <a:prstGeom prst="bentConnector4">
@@ -5422,23 +5230,17 @@
         </p:spPr>
         <p:txBody>
           <a:bodyPr>
-            <a:normAutofit lnSpcReduction="10000"/>
+            <a:normAutofit/>
           </a:bodyPr>
           <a:lstStyle/>
           <a:p>
             <a:r>
+              <a:rPr lang="x-none" b="1" dirty="0" smtClean="0"/>
+              <a:t>Contadores</a:t>
+            </a:r>
+            <a:r>
               <a:rPr lang="x-none" b="1" dirty="0"/>
-              <a:t>Generador de tiempo de Pixel: </a:t>
-            </a:r>
-            <a:r>
-              <a:rPr lang="x-none" dirty="0"/>
-              <a:t>Permite generar la frecuencia base de aparición de cada pixel en toda la pantalla. Según lo leído, debe ser 25MHz</a:t>
-            </a:r>
-          </a:p>
-          <a:p>
-            <a:r>
-              <a:rPr lang="x-none" b="1" dirty="0"/>
-              <a:t>Contadores: </a:t>
+              <a:t>: </a:t>
             </a:r>
             <a:r>
               <a:rPr lang="x-none" dirty="0"/>
@@ -5580,54 +5382,18 @@
       </p:sp>
       <p:grpSp>
         <p:nvGrpSpPr>
-          <p:cNvPr id="148" name="Grupo 147"/>
+          <p:cNvPr id="128" name="Group 127"/>
           <p:cNvGrpSpPr/>
           <p:nvPr/>
         </p:nvGrpSpPr>
         <p:grpSpPr>
           <a:xfrm>
-            <a:off x="2465687" y="1538035"/>
-            <a:ext cx="6884925" cy="5198980"/>
-            <a:chOff x="2465687" y="1538035"/>
-            <a:chExt cx="6884925" cy="5198980"/>
+            <a:off x="2472782" y="1538035"/>
+            <a:ext cx="6877830" cy="5131610"/>
+            <a:chOff x="2472782" y="1538035"/>
+            <a:chExt cx="6877830" cy="5131610"/>
           </a:xfrm>
         </p:grpSpPr>
-        <p:cxnSp>
-          <p:nvCxnSpPr>
-            <p:cNvPr id="6" name="Conector recto de flecha 5"/>
-            <p:cNvCxnSpPr>
-              <a:stCxn id="85" idx="3"/>
-              <a:endCxn id="84" idx="1"/>
-            </p:cNvCxnSpPr>
-            <p:nvPr/>
-          </p:nvCxnSpPr>
-          <p:spPr>
-            <a:xfrm flipV="1">
-              <a:off x="4424007" y="2266634"/>
-              <a:ext cx="722149" cy="1"/>
-            </a:xfrm>
-            <a:prstGeom prst="straightConnector1">
-              <a:avLst/>
-            </a:prstGeom>
-            <a:ln>
-              <a:tailEnd type="triangle"/>
-            </a:ln>
-          </p:spPr>
-          <p:style>
-            <a:lnRef idx="3">
-              <a:schemeClr val="dk1"/>
-            </a:lnRef>
-            <a:fillRef idx="0">
-              <a:schemeClr val="dk1"/>
-            </a:fillRef>
-            <a:effectRef idx="2">
-              <a:schemeClr val="dk1"/>
-            </a:effectRef>
-            <a:fontRef idx="minor">
-              <a:schemeClr val="tx1"/>
-            </a:fontRef>
-          </p:style>
-        </p:cxnSp>
         <p:cxnSp>
           <p:nvCxnSpPr>
             <p:cNvPr id="8" name="Conector recto de flecha 7"/>
@@ -5868,7 +5634,7 @@
           </p:nvSpPr>
           <p:spPr>
             <a:xfrm>
-              <a:off x="3344010" y="2053858"/>
+              <a:off x="5146155" y="2066749"/>
               <a:ext cx="109612" cy="109612"/>
             </a:xfrm>
             <a:prstGeom prst="rect">
@@ -5942,79 +5708,6 @@
             </a:p>
           </p:txBody>
         </p:sp>
-        <p:sp>
-          <p:nvSpPr>
-            <p:cNvPr id="17" name="Rectángulo 16"/>
-            <p:cNvSpPr/>
-            <p:nvPr/>
-          </p:nvSpPr>
-          <p:spPr>
-            <a:xfrm>
-              <a:off x="3344009" y="2382693"/>
-              <a:ext cx="109612" cy="109612"/>
-            </a:xfrm>
-            <a:prstGeom prst="rect">
-              <a:avLst/>
-            </a:prstGeom>
-          </p:spPr>
-          <p:style>
-            <a:lnRef idx="2">
-              <a:schemeClr val="accent1">
-                <a:shade val="50000"/>
-              </a:schemeClr>
-            </a:lnRef>
-            <a:fillRef idx="1">
-              <a:schemeClr val="accent1"/>
-            </a:fillRef>
-            <a:effectRef idx="0">
-              <a:schemeClr val="accent1"/>
-            </a:effectRef>
-            <a:fontRef idx="minor">
-              <a:schemeClr val="lt1"/>
-            </a:fontRef>
-          </p:style>
-          <p:txBody>
-            <a:bodyPr rtlCol="0" anchor="ctr"/>
-            <a:lstStyle/>
-            <a:p>
-              <a:pPr algn="ctr"/>
-              <a:endParaRPr lang="es-CR"/>
-            </a:p>
-          </p:txBody>
-        </p:sp>
-        <p:cxnSp>
-          <p:nvCxnSpPr>
-            <p:cNvPr id="18" name="Conector recto de flecha 17"/>
-            <p:cNvCxnSpPr/>
-            <p:nvPr/>
-          </p:nvCxnSpPr>
-          <p:spPr>
-            <a:xfrm>
-              <a:off x="2912010" y="2108664"/>
-              <a:ext cx="431999" cy="0"/>
-            </a:xfrm>
-            <a:prstGeom prst="straightConnector1">
-              <a:avLst/>
-            </a:prstGeom>
-            <a:ln>
-              <a:tailEnd type="triangle"/>
-            </a:ln>
-          </p:spPr>
-          <p:style>
-            <a:lnRef idx="3">
-              <a:schemeClr val="dk1"/>
-            </a:lnRef>
-            <a:fillRef idx="0">
-              <a:schemeClr val="dk1"/>
-            </a:fillRef>
-            <a:effectRef idx="2">
-              <a:schemeClr val="dk1"/>
-            </a:effectRef>
-            <a:fontRef idx="minor">
-              <a:schemeClr val="tx1"/>
-            </a:fontRef>
-          </p:style>
-        </p:cxnSp>
         <p:cxnSp>
           <p:nvCxnSpPr>
             <p:cNvPr id="19" name="Conector recto de flecha 18"/>
@@ -6024,7 +5717,7 @@
           <p:spPr>
             <a:xfrm>
               <a:off x="2912009" y="2437498"/>
-              <a:ext cx="431999" cy="0"/>
+              <a:ext cx="2234144" cy="0"/>
             </a:xfrm>
             <a:prstGeom prst="straightConnector1">
               <a:avLst/>
@@ -6056,7 +5749,7 @@
           </p:nvSpPr>
           <p:spPr>
             <a:xfrm>
-              <a:off x="2465687" y="2001467"/>
+              <a:off x="2621581" y="2001467"/>
               <a:ext cx="406764" cy="216807"/>
             </a:xfrm>
             <a:prstGeom prst="rect">
@@ -6343,102 +6036,24 @@
             </a:fontRef>
           </p:style>
         </p:cxnSp>
-        <p:sp>
-          <p:nvSpPr>
-            <p:cNvPr id="28" name="Elipse 27"/>
-            <p:cNvSpPr/>
-            <p:nvPr/>
-          </p:nvSpPr>
-          <p:spPr>
-            <a:xfrm>
-              <a:off x="3034519" y="2868693"/>
-              <a:ext cx="96717" cy="96717"/>
-            </a:xfrm>
-            <a:prstGeom prst="ellipse">
-              <a:avLst/>
-            </a:prstGeom>
-          </p:spPr>
-          <p:style>
-            <a:lnRef idx="2">
-              <a:schemeClr val="dk1">
-                <a:shade val="50000"/>
-              </a:schemeClr>
-            </a:lnRef>
-            <a:fillRef idx="1">
-              <a:schemeClr val="dk1"/>
-            </a:fillRef>
-            <a:effectRef idx="0">
-              <a:schemeClr val="dk1"/>
-            </a:effectRef>
-            <a:fontRef idx="minor">
-              <a:schemeClr val="lt1"/>
-            </a:fontRef>
-          </p:style>
-          <p:txBody>
-            <a:bodyPr rtlCol="0" anchor="ctr"/>
-            <a:lstStyle/>
-            <a:p>
-              <a:pPr algn="ctr"/>
-              <a:endParaRPr lang="es-CR"/>
-            </a:p>
-          </p:txBody>
-        </p:sp>
-        <p:cxnSp>
-          <p:nvCxnSpPr>
-            <p:cNvPr id="29" name="Conector angular 28"/>
-            <p:cNvCxnSpPr>
-              <a:stCxn id="28" idx="6"/>
-              <a:endCxn id="22" idx="1"/>
-            </p:cNvCxnSpPr>
-            <p:nvPr/>
-          </p:nvCxnSpPr>
-          <p:spPr>
-            <a:xfrm flipV="1">
-              <a:off x="3131235" y="2437499"/>
-              <a:ext cx="2014921" cy="479552"/>
-            </a:xfrm>
-            <a:prstGeom prst="bentConnector3">
-              <a:avLst>
-                <a:gd name="adj1" fmla="val 79440"/>
-              </a:avLst>
-            </a:prstGeom>
-            <a:ln>
-              <a:tailEnd type="triangle"/>
-            </a:ln>
-          </p:spPr>
-          <p:style>
-            <a:lnRef idx="3">
-              <a:schemeClr val="dk1"/>
-            </a:lnRef>
-            <a:fillRef idx="0">
-              <a:schemeClr val="dk1"/>
-            </a:fillRef>
-            <a:effectRef idx="2">
-              <a:schemeClr val="dk1"/>
-            </a:effectRef>
-            <a:fontRef idx="minor">
-              <a:schemeClr val="tx1"/>
-            </a:fontRef>
-          </p:style>
-        </p:cxnSp>
         <p:cxnSp>
           <p:nvCxnSpPr>
             <p:cNvPr id="32" name="Conector angular 31"/>
             <p:cNvCxnSpPr>
               <a:stCxn id="11" idx="4"/>
-              <a:endCxn id="13" idx="1"/>
+              <a:endCxn id="89" idx="1"/>
             </p:cNvCxnSpPr>
             <p:nvPr/>
           </p:nvCxnSpPr>
           <p:spPr>
             <a:xfrm rot="5400000">
-              <a:off x="4517499" y="2943649"/>
-              <a:ext cx="2546863" cy="1289547"/>
+              <a:off x="3826238" y="2251579"/>
+              <a:ext cx="2546054" cy="2672879"/>
             </a:xfrm>
             <a:prstGeom prst="bentConnector4">
               <a:avLst>
-                <a:gd name="adj1" fmla="val 78545"/>
-                <a:gd name="adj2" fmla="val 113875"/>
+                <a:gd name="adj1" fmla="val 67328"/>
+                <a:gd name="adj2" fmla="val 108553"/>
               </a:avLst>
             </a:prstGeom>
             <a:ln>
@@ -6465,19 +6080,19 @@
             <p:cNvPr id="33" name="Conector angular 32"/>
             <p:cNvCxnSpPr>
               <a:stCxn id="12" idx="4"/>
-              <a:endCxn id="14" idx="1"/>
+              <a:endCxn id="88" idx="1"/>
             </p:cNvCxnSpPr>
             <p:nvPr/>
           </p:nvCxnSpPr>
           <p:spPr>
             <a:xfrm rot="5400000">
-              <a:off x="5004307" y="3688362"/>
-              <a:ext cx="1837609" cy="1553910"/>
+              <a:off x="4314977" y="2994360"/>
+              <a:ext cx="1832938" cy="2937242"/>
             </a:xfrm>
             <a:prstGeom prst="bentConnector4">
               <a:avLst>
-                <a:gd name="adj1" fmla="val 48509"/>
-                <a:gd name="adj2" fmla="val 122303"/>
+                <a:gd name="adj1" fmla="val 43856"/>
+                <a:gd name="adj2" fmla="val 114799"/>
               </a:avLst>
             </a:prstGeom>
             <a:ln>
@@ -6655,7 +6270,7 @@
           </p:nvSpPr>
           <p:spPr>
             <a:xfrm>
-              <a:off x="8324896" y="2221094"/>
+              <a:off x="4449127" y="2092596"/>
               <a:ext cx="96717" cy="96717"/>
             </a:xfrm>
             <a:prstGeom prst="ellipse">
@@ -6691,21 +6306,17 @@
           <p:nvCxnSpPr>
             <p:cNvPr id="40" name="Conector angular 39"/>
             <p:cNvCxnSpPr>
-              <a:stCxn id="39" idx="4"/>
               <a:endCxn id="36" idx="1"/>
             </p:cNvCxnSpPr>
             <p:nvPr/>
           </p:nvCxnSpPr>
           <p:spPr>
-            <a:xfrm rot="5400000">
-              <a:off x="6249324" y="1214641"/>
-              <a:ext cx="1020762" cy="3227099"/>
-            </a:xfrm>
-            <a:prstGeom prst="bentConnector4">
-              <a:avLst>
-                <a:gd name="adj1" fmla="val 72581"/>
-                <a:gd name="adj2" fmla="val 105544"/>
-              </a:avLst>
+            <a:xfrm rot="16200000" flipH="1">
+              <a:off x="4229358" y="2421775"/>
+              <a:ext cx="1177890" cy="655704"/>
+            </a:xfrm>
+            <a:prstGeom prst="bentConnector2">
+              <a:avLst/>
             </a:prstGeom>
             <a:ln>
               <a:tailEnd type="triangle"/>
@@ -6726,36 +6337,6 @@
             </a:fontRef>
           </p:style>
         </p:cxnSp>
-        <p:sp>
-          <p:nvSpPr>
-            <p:cNvPr id="41" name="CuadroTexto 40"/>
-            <p:cNvSpPr txBox="1"/>
-            <p:nvPr/>
-          </p:nvSpPr>
-          <p:spPr>
-            <a:xfrm>
-              <a:off x="4555630" y="2053858"/>
-              <a:ext cx="493336" cy="216807"/>
-            </a:xfrm>
-            <a:prstGeom prst="rect">
-              <a:avLst/>
-            </a:prstGeom>
-            <a:noFill/>
-          </p:spPr>
-          <p:txBody>
-            <a:bodyPr wrap="none" rtlCol="0">
-              <a:spAutoFit/>
-            </a:bodyPr>
-            <a:lstStyle/>
-            <a:p>
-              <a:r>
-                <a:rPr lang="es-CR" sz="1200" dirty="0" smtClean="0"/>
-                <a:t>25MHz</a:t>
-              </a:r>
-              <a:endParaRPr lang="es-CR" sz="1200" dirty="0"/>
-            </a:p>
-          </p:txBody>
-        </p:sp>
         <p:sp>
           <p:nvSpPr>
             <p:cNvPr id="42" name="CuadroTexto 41"/>
@@ -6854,7 +6435,7 @@
           </p:nvSpPr>
           <p:spPr>
             <a:xfrm>
-              <a:off x="4004204" y="4742772"/>
+              <a:off x="6220793" y="4488955"/>
               <a:ext cx="565204" cy="289076"/>
             </a:xfrm>
             <a:prstGeom prst="rect">
@@ -7551,7 +7132,7 @@
           </p:nvSpPr>
           <p:spPr>
             <a:xfrm>
-              <a:off x="5146155" y="5810076"/>
+              <a:off x="5146155" y="5887350"/>
               <a:ext cx="109612" cy="109612"/>
             </a:xfrm>
             <a:prstGeom prst="rect">
@@ -7591,7 +7172,7 @@
           </p:nvSpPr>
           <p:spPr>
             <a:xfrm>
-              <a:off x="5146155" y="5991621"/>
+              <a:off x="5146155" y="6068895"/>
               <a:ext cx="109612" cy="109612"/>
             </a:xfrm>
             <a:prstGeom prst="rect">
@@ -7631,7 +7212,7 @@
           </p:nvSpPr>
           <p:spPr>
             <a:xfrm>
-              <a:off x="5146155" y="6173166"/>
+              <a:off x="5146155" y="6250440"/>
               <a:ext cx="109612" cy="109612"/>
             </a:xfrm>
             <a:prstGeom prst="rect">
@@ -7671,47 +7252,7 @@
           </p:nvSpPr>
           <p:spPr>
             <a:xfrm>
-              <a:off x="5146155" y="6354309"/>
-              <a:ext cx="109612" cy="109612"/>
-            </a:xfrm>
-            <a:prstGeom prst="rect">
-              <a:avLst/>
-            </a:prstGeom>
-          </p:spPr>
-          <p:style>
-            <a:lnRef idx="2">
-              <a:schemeClr val="accent1">
-                <a:shade val="50000"/>
-              </a:schemeClr>
-            </a:lnRef>
-            <a:fillRef idx="1">
-              <a:schemeClr val="accent1"/>
-            </a:fillRef>
-            <a:effectRef idx="0">
-              <a:schemeClr val="accent1"/>
-            </a:effectRef>
-            <a:fontRef idx="minor">
-              <a:schemeClr val="lt1"/>
-            </a:fontRef>
-          </p:style>
-          <p:txBody>
-            <a:bodyPr rtlCol="0" anchor="ctr"/>
-            <a:lstStyle/>
-            <a:p>
-              <a:pPr algn="ctr"/>
-              <a:endParaRPr lang="es-CR"/>
-            </a:p>
-          </p:txBody>
-        </p:sp>
-        <p:sp>
-          <p:nvSpPr>
-            <p:cNvPr id="70" name="Rectángulo 69"/>
-            <p:cNvSpPr/>
-            <p:nvPr/>
-          </p:nvSpPr>
-          <p:spPr>
-            <a:xfrm>
-              <a:off x="5146155" y="6535451"/>
+              <a:off x="5146155" y="6431583"/>
               <a:ext cx="109612" cy="109612"/>
             </a:xfrm>
             <a:prstGeom prst="rect">
@@ -7751,7 +7292,7 @@
           </p:nvCxnSpPr>
           <p:spPr>
             <a:xfrm>
-              <a:off x="4714155" y="5864882"/>
+              <a:off x="4714155" y="5942156"/>
               <a:ext cx="431999" cy="0"/>
             </a:xfrm>
             <a:prstGeom prst="straightConnector1">
@@ -7784,7 +7325,7 @@
           </p:nvCxnSpPr>
           <p:spPr>
             <a:xfrm>
-              <a:off x="4714155" y="6052875"/>
+              <a:off x="4714155" y="6130149"/>
               <a:ext cx="431999" cy="0"/>
             </a:xfrm>
             <a:prstGeom prst="straightConnector1">
@@ -7817,7 +7358,7 @@
           </p:nvCxnSpPr>
           <p:spPr>
             <a:xfrm>
-              <a:off x="4714155" y="6234419"/>
+              <a:off x="4714155" y="6311693"/>
               <a:ext cx="431999" cy="0"/>
             </a:xfrm>
             <a:prstGeom prst="straightConnector1">
@@ -7850,40 +7391,7 @@
           </p:nvCxnSpPr>
           <p:spPr>
             <a:xfrm>
-              <a:off x="4714155" y="6409114"/>
-              <a:ext cx="431999" cy="0"/>
-            </a:xfrm>
-            <a:prstGeom prst="straightConnector1">
-              <a:avLst/>
-            </a:prstGeom>
-            <a:ln>
-              <a:tailEnd type="triangle"/>
-            </a:ln>
-          </p:spPr>
-          <p:style>
-            <a:lnRef idx="3">
-              <a:schemeClr val="dk1"/>
-            </a:lnRef>
-            <a:fillRef idx="0">
-              <a:schemeClr val="dk1"/>
-            </a:fillRef>
-            <a:effectRef idx="2">
-              <a:schemeClr val="dk1"/>
-            </a:effectRef>
-            <a:fontRef idx="minor">
-              <a:schemeClr val="tx1"/>
-            </a:fontRef>
-          </p:style>
-        </p:cxnSp>
-        <p:cxnSp>
-          <p:nvCxnSpPr>
-            <p:cNvPr id="75" name="Conector recto de flecha 74"/>
-            <p:cNvCxnSpPr/>
-            <p:nvPr/>
-          </p:nvCxnSpPr>
-          <p:spPr>
-            <a:xfrm>
-              <a:off x="4714154" y="6590256"/>
+              <a:off x="4714155" y="6486388"/>
               <a:ext cx="431999" cy="0"/>
             </a:xfrm>
             <a:prstGeom prst="straightConnector1">
@@ -7916,7 +7424,7 @@
           </p:nvSpPr>
           <p:spPr>
             <a:xfrm>
-              <a:off x="4459238" y="5757288"/>
+              <a:off x="4459238" y="5834562"/>
               <a:ext cx="348172" cy="261610"/>
             </a:xfrm>
             <a:prstGeom prst="rect">
@@ -7946,7 +7454,7 @@
           </p:nvSpPr>
           <p:spPr>
             <a:xfrm>
-              <a:off x="4230604" y="5932381"/>
+              <a:off x="4230604" y="6009655"/>
               <a:ext cx="519694" cy="261610"/>
             </a:xfrm>
             <a:prstGeom prst="rect">
@@ -7977,7 +7485,7 @@
           </p:nvSpPr>
           <p:spPr>
             <a:xfrm>
-              <a:off x="4434187" y="6106471"/>
+              <a:off x="4434187" y="6183745"/>
               <a:ext cx="316112" cy="261610"/>
             </a:xfrm>
             <a:prstGeom prst="rect">
@@ -8008,7 +7516,7 @@
           </p:nvSpPr>
           <p:spPr>
             <a:xfrm>
-              <a:off x="4278693" y="6286303"/>
+              <a:off x="4278693" y="6363577"/>
               <a:ext cx="471604" cy="261610"/>
             </a:xfrm>
             <a:prstGeom prst="rect">
@@ -8026,37 +7534,6 @@
               <a:r>
                 <a:rPr lang="es-CR" sz="1100" dirty="0" err="1" smtClean="0"/>
                 <a:t>Tone</a:t>
-              </a:r>
-              <a:endParaRPr lang="es-CR" sz="1100" dirty="0"/>
-            </a:p>
-          </p:txBody>
-        </p:sp>
-        <p:sp>
-          <p:nvSpPr>
-            <p:cNvPr id="80" name="CuadroTexto 79"/>
-            <p:cNvSpPr txBox="1"/>
-            <p:nvPr/>
-          </p:nvSpPr>
-          <p:spPr>
-            <a:xfrm>
-              <a:off x="4261061" y="6475405"/>
-              <a:ext cx="489236" cy="261610"/>
-            </a:xfrm>
-            <a:prstGeom prst="rect">
-              <a:avLst/>
-            </a:prstGeom>
-            <a:noFill/>
-          </p:spPr>
-          <p:txBody>
-            <a:bodyPr wrap="none" rtlCol="0">
-              <a:spAutoFit/>
-            </a:bodyPr>
-            <a:lstStyle/>
-            <a:p>
-              <a:pPr algn="r"/>
-              <a:r>
-                <a:rPr lang="es-CR" sz="1100" dirty="0" smtClean="0"/>
-                <a:t>Color</a:t>
               </a:r>
               <a:endParaRPr lang="es-CR" sz="1100" dirty="0"/>
             </a:p>
@@ -8225,48 +7702,6 @@
               <a:r>
                 <a:rPr lang="es-CR" sz="1400" dirty="0" smtClean="0"/>
                 <a:t>Contador Horizontal</a:t>
-              </a:r>
-              <a:endParaRPr lang="es-CR" sz="1400" dirty="0"/>
-            </a:p>
-          </p:txBody>
-        </p:sp>
-        <p:sp>
-          <p:nvSpPr>
-            <p:cNvPr id="85" name="Rectángulo 84"/>
-            <p:cNvSpPr/>
-            <p:nvPr/>
-          </p:nvSpPr>
-          <p:spPr>
-            <a:xfrm>
-              <a:off x="3347233" y="1970037"/>
-              <a:ext cx="1076774" cy="593193"/>
-            </a:xfrm>
-            <a:prstGeom prst="rect">
-              <a:avLst/>
-            </a:prstGeom>
-          </p:spPr>
-          <p:style>
-            <a:lnRef idx="2">
-              <a:schemeClr val="dk1"/>
-            </a:lnRef>
-            <a:fillRef idx="1">
-              <a:schemeClr val="lt1"/>
-            </a:fillRef>
-            <a:effectRef idx="0">
-              <a:schemeClr val="dk1"/>
-            </a:effectRef>
-            <a:fontRef idx="minor">
-              <a:schemeClr val="dk1"/>
-            </a:fontRef>
-          </p:style>
-          <p:txBody>
-            <a:bodyPr rtlCol="0" anchor="ctr"/>
-            <a:lstStyle/>
-            <a:p>
-              <a:pPr algn="ctr"/>
-              <a:r>
-                <a:rPr lang="es-CR" sz="1400" dirty="0" smtClean="0"/>
-                <a:t>Divisor de frecuencia</a:t>
               </a:r>
               <a:endParaRPr lang="es-CR" sz="1400" dirty="0"/>
             </a:p>
@@ -8345,6 +7780,195 @@
               <a:schemeClr val="dk1"/>
             </a:fillRef>
             <a:effectRef idx="2">
+              <a:schemeClr val="dk1"/>
+            </a:effectRef>
+            <a:fontRef idx="minor">
+              <a:schemeClr val="tx1"/>
+            </a:fontRef>
+          </p:style>
+        </p:cxnSp>
+        <p:cxnSp>
+          <p:nvCxnSpPr>
+            <p:cNvPr id="5" name="Straight Arrow Connector 4"/>
+            <p:cNvCxnSpPr/>
+            <p:nvPr/>
+          </p:nvCxnSpPr>
+          <p:spPr>
+            <a:xfrm>
+              <a:off x="3128006" y="2135628"/>
+              <a:ext cx="2018147" cy="0"/>
+            </a:xfrm>
+            <a:prstGeom prst="straightConnector1">
+              <a:avLst/>
+            </a:prstGeom>
+            <a:ln>
+              <a:tailEnd type="triangle"/>
+            </a:ln>
+          </p:spPr>
+          <p:style>
+            <a:lnRef idx="1">
+              <a:schemeClr val="dk1"/>
+            </a:lnRef>
+            <a:fillRef idx="0">
+              <a:schemeClr val="dk1"/>
+            </a:fillRef>
+            <a:effectRef idx="0">
+              <a:schemeClr val="dk1"/>
+            </a:effectRef>
+            <a:fontRef idx="minor">
+              <a:schemeClr val="tx1"/>
+            </a:fontRef>
+          </p:style>
+        </p:cxnSp>
+        <p:sp>
+          <p:nvSpPr>
+            <p:cNvPr id="88" name="Rectángulo 85"/>
+            <p:cNvSpPr/>
+            <p:nvPr/>
+          </p:nvSpPr>
+          <p:spPr>
+            <a:xfrm>
+              <a:off x="3762825" y="5154235"/>
+              <a:ext cx="876580" cy="450430"/>
+            </a:xfrm>
+            <a:prstGeom prst="rect">
+              <a:avLst/>
+            </a:prstGeom>
+          </p:spPr>
+          <p:style>
+            <a:lnRef idx="2">
+              <a:schemeClr val="dk1"/>
+            </a:lnRef>
+            <a:fillRef idx="1">
+              <a:schemeClr val="lt1"/>
+            </a:fillRef>
+            <a:effectRef idx="0">
+              <a:schemeClr val="dk1"/>
+            </a:effectRef>
+            <a:fontRef idx="minor">
+              <a:schemeClr val="dk1"/>
+            </a:fontRef>
+          </p:style>
+          <p:txBody>
+            <a:bodyPr rtlCol="0" anchor="ctr"/>
+            <a:lstStyle/>
+            <a:p>
+              <a:pPr algn="ctr"/>
+              <a:r>
+                <a:rPr lang="es-CR" sz="1100" dirty="0" smtClean="0"/>
+                <a:t>Divisor de conteo</a:t>
+              </a:r>
+              <a:endParaRPr lang="es-CR" sz="1100" dirty="0"/>
+            </a:p>
+          </p:txBody>
+        </p:sp>
+        <p:sp>
+          <p:nvSpPr>
+            <p:cNvPr id="89" name="Rectángulo 85"/>
+            <p:cNvSpPr/>
+            <p:nvPr/>
+          </p:nvSpPr>
+          <p:spPr>
+            <a:xfrm>
+              <a:off x="3762825" y="4635830"/>
+              <a:ext cx="876580" cy="450430"/>
+            </a:xfrm>
+            <a:prstGeom prst="rect">
+              <a:avLst/>
+            </a:prstGeom>
+          </p:spPr>
+          <p:style>
+            <a:lnRef idx="2">
+              <a:schemeClr val="dk1"/>
+            </a:lnRef>
+            <a:fillRef idx="1">
+              <a:schemeClr val="lt1"/>
+            </a:fillRef>
+            <a:effectRef idx="0">
+              <a:schemeClr val="dk1"/>
+            </a:effectRef>
+            <a:fontRef idx="minor">
+              <a:schemeClr val="dk1"/>
+            </a:fontRef>
+          </p:style>
+          <p:txBody>
+            <a:bodyPr rtlCol="0" anchor="ctr"/>
+            <a:lstStyle/>
+            <a:p>
+              <a:pPr algn="ctr"/>
+              <a:r>
+                <a:rPr lang="es-CR" sz="1100" dirty="0" smtClean="0"/>
+                <a:t>Divisor de conteo</a:t>
+              </a:r>
+              <a:endParaRPr lang="es-CR" sz="1100" dirty="0"/>
+            </a:p>
+          </p:txBody>
+        </p:sp>
+        <p:cxnSp>
+          <p:nvCxnSpPr>
+            <p:cNvPr id="93" name="Straight Arrow Connector 92"/>
+            <p:cNvCxnSpPr>
+              <a:stCxn id="89" idx="3"/>
+              <a:endCxn id="13" idx="1"/>
+            </p:cNvCxnSpPr>
+            <p:nvPr/>
+          </p:nvCxnSpPr>
+          <p:spPr>
+            <a:xfrm>
+              <a:off x="4639405" y="4861045"/>
+              <a:ext cx="506751" cy="809"/>
+            </a:xfrm>
+            <a:prstGeom prst="straightConnector1">
+              <a:avLst/>
+            </a:prstGeom>
+            <a:ln>
+              <a:tailEnd type="triangle"/>
+            </a:ln>
+          </p:spPr>
+          <p:style>
+            <a:lnRef idx="1">
+              <a:schemeClr val="dk1"/>
+            </a:lnRef>
+            <a:fillRef idx="0">
+              <a:schemeClr val="dk1"/>
+            </a:fillRef>
+            <a:effectRef idx="0">
+              <a:schemeClr val="dk1"/>
+            </a:effectRef>
+            <a:fontRef idx="minor">
+              <a:schemeClr val="tx1"/>
+            </a:fontRef>
+          </p:style>
+        </p:cxnSp>
+        <p:cxnSp>
+          <p:nvCxnSpPr>
+            <p:cNvPr id="95" name="Straight Arrow Connector 94"/>
+            <p:cNvCxnSpPr>
+              <a:stCxn id="88" idx="3"/>
+              <a:endCxn id="14" idx="1"/>
+            </p:cNvCxnSpPr>
+            <p:nvPr/>
+          </p:nvCxnSpPr>
+          <p:spPr>
+            <a:xfrm>
+              <a:off x="4639405" y="5379450"/>
+              <a:ext cx="506751" cy="4671"/>
+            </a:xfrm>
+            <a:prstGeom prst="straightConnector1">
+              <a:avLst/>
+            </a:prstGeom>
+            <a:ln>
+              <a:tailEnd type="triangle"/>
+            </a:ln>
+          </p:spPr>
+          <p:style>
+            <a:lnRef idx="1">
+              <a:schemeClr val="dk1"/>
+            </a:lnRef>
+            <a:fillRef idx="0">
+              <a:schemeClr val="dk1"/>
+            </a:fillRef>
+            <a:effectRef idx="0">
               <a:schemeClr val="dk1"/>
             </a:effectRef>
             <a:fontRef idx="minor">

--- a/Diseño/Bosquejo de bloques - definitivo (1).pptx
+++ b/Diseño/Bosquejo de bloques - definitivo (1).pptx
@@ -246,7 +246,7 @@
           <a:p>
             <a:fld id="{B4CC69C0-BFA3-4444-830A-602BF620F75C}" type="datetimeFigureOut">
               <a:rPr lang="es-ES" smtClean="0"/>
-              <a:t>11/08/2016</a:t>
+              <a:t>23/08/2016</a:t>
             </a:fld>
             <a:endParaRPr lang="es-ES"/>
           </a:p>
@@ -288,7 +288,7 @@
           <a:p>
             <a:fld id="{ABC2E85B-4C18-414A-9CE4-9A50FD4F3D89}" type="slidenum">
               <a:rPr lang="es-ES" smtClean="0"/>
-              <a:t>‹#›</a:t>
+              <a:t>‹Nº›</a:t>
             </a:fld>
             <a:endParaRPr lang="es-ES"/>
           </a:p>
@@ -414,7 +414,7 @@
           <a:p>
             <a:fld id="{B4CC69C0-BFA3-4444-830A-602BF620F75C}" type="datetimeFigureOut">
               <a:rPr lang="es-ES" smtClean="0"/>
-              <a:t>11/08/2016</a:t>
+              <a:t>23/08/2016</a:t>
             </a:fld>
             <a:endParaRPr lang="es-ES"/>
           </a:p>
@@ -456,7 +456,7 @@
           <a:p>
             <a:fld id="{ABC2E85B-4C18-414A-9CE4-9A50FD4F3D89}" type="slidenum">
               <a:rPr lang="es-ES" smtClean="0"/>
-              <a:t>‹#›</a:t>
+              <a:t>‹Nº›</a:t>
             </a:fld>
             <a:endParaRPr lang="es-ES"/>
           </a:p>
@@ -592,7 +592,7 @@
           <a:p>
             <a:fld id="{B4CC69C0-BFA3-4444-830A-602BF620F75C}" type="datetimeFigureOut">
               <a:rPr lang="es-ES" smtClean="0"/>
-              <a:t>11/08/2016</a:t>
+              <a:t>23/08/2016</a:t>
             </a:fld>
             <a:endParaRPr lang="es-ES"/>
           </a:p>
@@ -634,7 +634,7 @@
           <a:p>
             <a:fld id="{ABC2E85B-4C18-414A-9CE4-9A50FD4F3D89}" type="slidenum">
               <a:rPr lang="es-ES" smtClean="0"/>
-              <a:t>‹#›</a:t>
+              <a:t>‹Nº›</a:t>
             </a:fld>
             <a:endParaRPr lang="es-ES"/>
           </a:p>
@@ -760,7 +760,7 @@
           <a:p>
             <a:fld id="{B4CC69C0-BFA3-4444-830A-602BF620F75C}" type="datetimeFigureOut">
               <a:rPr lang="es-ES" smtClean="0"/>
-              <a:t>11/08/2016</a:t>
+              <a:t>23/08/2016</a:t>
             </a:fld>
             <a:endParaRPr lang="es-ES"/>
           </a:p>
@@ -802,7 +802,7 @@
           <a:p>
             <a:fld id="{ABC2E85B-4C18-414A-9CE4-9A50FD4F3D89}" type="slidenum">
               <a:rPr lang="es-ES" smtClean="0"/>
-              <a:t>‹#›</a:t>
+              <a:t>‹Nº›</a:t>
             </a:fld>
             <a:endParaRPr lang="es-ES"/>
           </a:p>
@@ -1005,7 +1005,7 @@
           <a:p>
             <a:fld id="{B4CC69C0-BFA3-4444-830A-602BF620F75C}" type="datetimeFigureOut">
               <a:rPr lang="es-ES" smtClean="0"/>
-              <a:t>11/08/2016</a:t>
+              <a:t>23/08/2016</a:t>
             </a:fld>
             <a:endParaRPr lang="es-ES"/>
           </a:p>
@@ -1047,7 +1047,7 @@
           <a:p>
             <a:fld id="{ABC2E85B-4C18-414A-9CE4-9A50FD4F3D89}" type="slidenum">
               <a:rPr lang="es-ES" smtClean="0"/>
-              <a:t>‹#›</a:t>
+              <a:t>‹Nº›</a:t>
             </a:fld>
             <a:endParaRPr lang="es-ES"/>
           </a:p>
@@ -1234,7 +1234,7 @@
           <a:p>
             <a:fld id="{B4CC69C0-BFA3-4444-830A-602BF620F75C}" type="datetimeFigureOut">
               <a:rPr lang="es-ES" smtClean="0"/>
-              <a:t>11/08/2016</a:t>
+              <a:t>23/08/2016</a:t>
             </a:fld>
             <a:endParaRPr lang="es-ES"/>
           </a:p>
@@ -1276,7 +1276,7 @@
           <a:p>
             <a:fld id="{ABC2E85B-4C18-414A-9CE4-9A50FD4F3D89}" type="slidenum">
               <a:rPr lang="es-ES" smtClean="0"/>
-              <a:t>‹#›</a:t>
+              <a:t>‹Nº›</a:t>
             </a:fld>
             <a:endParaRPr lang="es-ES"/>
           </a:p>
@@ -1598,7 +1598,7 @@
           <a:p>
             <a:fld id="{B4CC69C0-BFA3-4444-830A-602BF620F75C}" type="datetimeFigureOut">
               <a:rPr lang="es-ES" smtClean="0"/>
-              <a:t>11/08/2016</a:t>
+              <a:t>23/08/2016</a:t>
             </a:fld>
             <a:endParaRPr lang="es-ES"/>
           </a:p>
@@ -1640,7 +1640,7 @@
           <a:p>
             <a:fld id="{ABC2E85B-4C18-414A-9CE4-9A50FD4F3D89}" type="slidenum">
               <a:rPr lang="es-ES" smtClean="0"/>
-              <a:t>‹#›</a:t>
+              <a:t>‹Nº›</a:t>
             </a:fld>
             <a:endParaRPr lang="es-ES"/>
           </a:p>
@@ -1715,7 +1715,7 @@
           <a:p>
             <a:fld id="{B4CC69C0-BFA3-4444-830A-602BF620F75C}" type="datetimeFigureOut">
               <a:rPr lang="es-ES" smtClean="0"/>
-              <a:t>11/08/2016</a:t>
+              <a:t>23/08/2016</a:t>
             </a:fld>
             <a:endParaRPr lang="es-ES"/>
           </a:p>
@@ -1757,7 +1757,7 @@
           <a:p>
             <a:fld id="{ABC2E85B-4C18-414A-9CE4-9A50FD4F3D89}" type="slidenum">
               <a:rPr lang="es-ES" smtClean="0"/>
-              <a:t>‹#›</a:t>
+              <a:t>‹Nº›</a:t>
             </a:fld>
             <a:endParaRPr lang="es-ES"/>
           </a:p>
@@ -1810,7 +1810,7 @@
           <a:p>
             <a:fld id="{B4CC69C0-BFA3-4444-830A-602BF620F75C}" type="datetimeFigureOut">
               <a:rPr lang="es-ES" smtClean="0"/>
-              <a:t>11/08/2016</a:t>
+              <a:t>23/08/2016</a:t>
             </a:fld>
             <a:endParaRPr lang="es-ES"/>
           </a:p>
@@ -1852,7 +1852,7 @@
           <a:p>
             <a:fld id="{ABC2E85B-4C18-414A-9CE4-9A50FD4F3D89}" type="slidenum">
               <a:rPr lang="es-ES" smtClean="0"/>
-              <a:t>‹#›</a:t>
+              <a:t>‹Nº›</a:t>
             </a:fld>
             <a:endParaRPr lang="es-ES"/>
           </a:p>
@@ -2085,7 +2085,7 @@
           <a:p>
             <a:fld id="{B4CC69C0-BFA3-4444-830A-602BF620F75C}" type="datetimeFigureOut">
               <a:rPr lang="es-ES" smtClean="0"/>
-              <a:t>11/08/2016</a:t>
+              <a:t>23/08/2016</a:t>
             </a:fld>
             <a:endParaRPr lang="es-ES"/>
           </a:p>
@@ -2127,7 +2127,7 @@
           <a:p>
             <a:fld id="{ABC2E85B-4C18-414A-9CE4-9A50FD4F3D89}" type="slidenum">
               <a:rPr lang="es-ES" smtClean="0"/>
-              <a:t>‹#›</a:t>
+              <a:t>‹Nº›</a:t>
             </a:fld>
             <a:endParaRPr lang="es-ES"/>
           </a:p>
@@ -2337,7 +2337,7 @@
           <a:p>
             <a:fld id="{B4CC69C0-BFA3-4444-830A-602BF620F75C}" type="datetimeFigureOut">
               <a:rPr lang="es-ES" smtClean="0"/>
-              <a:t>11/08/2016</a:t>
+              <a:t>23/08/2016</a:t>
             </a:fld>
             <a:endParaRPr lang="es-ES"/>
           </a:p>
@@ -2379,7 +2379,7 @@
           <a:p>
             <a:fld id="{ABC2E85B-4C18-414A-9CE4-9A50FD4F3D89}" type="slidenum">
               <a:rPr lang="es-ES" smtClean="0"/>
-              <a:t>‹#›</a:t>
+              <a:t>‹Nº›</a:t>
             </a:fld>
             <a:endParaRPr lang="es-ES"/>
           </a:p>
@@ -2548,7 +2548,7 @@
           <a:p>
             <a:fld id="{B4CC69C0-BFA3-4444-830A-602BF620F75C}" type="datetimeFigureOut">
               <a:rPr lang="es-ES" smtClean="0"/>
-              <a:t>11/08/2016</a:t>
+              <a:t>23/08/2016</a:t>
             </a:fld>
             <a:endParaRPr lang="es-ES"/>
           </a:p>
@@ -2626,7 +2626,7 @@
           <a:p>
             <a:fld id="{ABC2E85B-4C18-414A-9CE4-9A50FD4F3D89}" type="slidenum">
               <a:rPr lang="es-ES" smtClean="0"/>
-              <a:t>‹#›</a:t>
+              <a:t>‹Nº›</a:t>
             </a:fld>
             <a:endParaRPr lang="es-ES"/>
           </a:p>
@@ -3175,17 +3175,12 @@
             </a:r>
             <a:r>
               <a:rPr lang="es-MX" sz="1800" dirty="0"/>
-              <a:t>): interruptor que permite alterar el </a:t>
-            </a:r>
-            <a:r>
-              <a:rPr lang="es-MX" sz="1800" dirty="0" smtClean="0"/>
-              <a:t>tono de los colores</a:t>
-            </a:r>
-            <a:endParaRPr lang="es-MX" sz="1800" dirty="0"/>
-          </a:p>
-          <a:p>
-            <a:r>
-              <a:rPr lang="es-MX" sz="1800" dirty="0" err="1" smtClean="0"/>
+              <a:t>): interruptor que permite alterar el tono de los colores</a:t>
+            </a:r>
+          </a:p>
+          <a:p>
+            <a:r>
+              <a:rPr lang="es-MX" sz="1800" dirty="0" err="1"/>
               <a:t>Lp</a:t>
             </a:r>
             <a:r>
@@ -4066,7 +4061,7 @@
             <a:lstStyle/>
             <a:p>
               <a:r>
-                <a:rPr lang="es-MX" sz="1200" dirty="0" smtClean="0"/>
+                <a:rPr lang="es-MX" sz="1200" dirty="0"/>
                 <a:t>10</a:t>
               </a:r>
               <a:endParaRPr lang="es-ES" sz="1200" dirty="0"/>
@@ -4372,13 +4367,8 @@
             <a:p>
               <a:r>
                 <a:rPr lang="x-none" dirty="0"/>
-                <a:t>Lp, Up, Down, </a:t>
+                <a:t>Lp, Up, Down, Tone</a:t>
               </a:r>
-              <a:r>
-                <a:rPr lang="x-none" dirty="0" smtClean="0"/>
-                <a:t>Tone</a:t>
-              </a:r>
-              <a:endParaRPr lang="x-none" dirty="0"/>
             </a:p>
           </p:txBody>
         </p:sp>
@@ -5044,85 +5034,8 @@
         </p:sp>
         <p:cxnSp>
           <p:nvCxnSpPr>
-            <p:cNvPr id="63" name="Conector angular 85"/>
-            <p:cNvCxnSpPr>
-              <a:stCxn id="59" idx="4"/>
-              <a:endCxn id="10" idx="1"/>
-            </p:cNvCxnSpPr>
-            <p:nvPr/>
-          </p:nvCxnSpPr>
-          <p:spPr>
-            <a:xfrm rot="16200000" flipH="1">
-              <a:off x="3162355" y="3641318"/>
-              <a:ext cx="2244994" cy="634766"/>
-            </a:xfrm>
-            <a:prstGeom prst="bentConnector2">
-              <a:avLst/>
-            </a:prstGeom>
-            <a:ln>
-              <a:tailEnd type="triangle"/>
-            </a:ln>
-          </p:spPr>
-          <p:style>
-            <a:lnRef idx="3">
-              <a:schemeClr val="dk1"/>
-            </a:lnRef>
-            <a:fillRef idx="0">
-              <a:schemeClr val="dk1"/>
-            </a:fillRef>
-            <a:effectRef idx="2">
-              <a:schemeClr val="dk1"/>
-            </a:effectRef>
-            <a:fontRef idx="minor">
-              <a:schemeClr val="tx1"/>
-            </a:fontRef>
-          </p:style>
-        </p:cxnSp>
-        <p:sp>
-          <p:nvSpPr>
-            <p:cNvPr id="64" name="Elipse 63"/>
-            <p:cNvSpPr/>
-            <p:nvPr/>
-          </p:nvSpPr>
-          <p:spPr>
-            <a:xfrm>
-              <a:off x="3917172" y="5027163"/>
-              <a:ext cx="108067" cy="108067"/>
-            </a:xfrm>
-            <a:prstGeom prst="ellipse">
-              <a:avLst/>
-            </a:prstGeom>
-          </p:spPr>
-          <p:style>
-            <a:lnRef idx="2">
-              <a:schemeClr val="dk1">
-                <a:shade val="50000"/>
-              </a:schemeClr>
-            </a:lnRef>
-            <a:fillRef idx="1">
-              <a:schemeClr val="dk1"/>
-            </a:fillRef>
-            <a:effectRef idx="0">
-              <a:schemeClr val="dk1"/>
-            </a:effectRef>
-            <a:fontRef idx="minor">
-              <a:schemeClr val="lt1"/>
-            </a:fontRef>
-          </p:style>
-          <p:txBody>
-            <a:bodyPr rtlCol="0" anchor="ctr"/>
-            <a:lstStyle/>
-            <a:p>
-              <a:pPr algn="ctr"/>
-              <a:endParaRPr lang="es-ES"/>
-            </a:p>
-          </p:txBody>
-        </p:sp>
-        <p:cxnSp>
-          <p:nvCxnSpPr>
             <p:cNvPr id="65" name="Conector angular 90"/>
             <p:cNvCxnSpPr>
-              <a:stCxn id="64" idx="4"/>
               <a:endCxn id="11" idx="1"/>
             </p:cNvCxnSpPr>
             <p:nvPr/>
@@ -5158,6 +5071,38 @@
           </p:style>
         </p:cxnSp>
       </p:grpSp>
+      <p:cxnSp>
+        <p:nvCxnSpPr>
+          <p:cNvPr id="31" name="Conector recto 30"/>
+          <p:cNvCxnSpPr>
+            <a:stCxn id="59" idx="4"/>
+          </p:cNvCxnSpPr>
+          <p:nvPr/>
+        </p:nvCxnSpPr>
+        <p:spPr>
+          <a:xfrm flipH="1">
+            <a:off x="3967468" y="2836204"/>
+            <a:ext cx="1" cy="2314895"/>
+          </a:xfrm>
+          <a:prstGeom prst="line">
+            <a:avLst/>
+          </a:prstGeom>
+        </p:spPr>
+        <p:style>
+          <a:lnRef idx="3">
+            <a:schemeClr val="dk1"/>
+          </a:lnRef>
+          <a:fillRef idx="0">
+            <a:schemeClr val="dk1"/>
+          </a:fillRef>
+          <a:effectRef idx="2">
+            <a:schemeClr val="dk1"/>
+          </a:effectRef>
+          <a:fontRef idx="minor">
+            <a:schemeClr val="tx1"/>
+          </a:fontRef>
+        </p:style>
+      </p:cxnSp>
     </p:spTree>
     <p:extLst>
       <p:ext uri="{BB962C8B-B14F-4D97-AF65-F5344CB8AC3E}">
@@ -5235,12 +5180,8 @@
           <a:lstStyle/>
           <a:p>
             <a:r>
-              <a:rPr lang="x-none" b="1" dirty="0" smtClean="0"/>
-              <a:t>Contadores</a:t>
-            </a:r>
-            <a:r>
               <a:rPr lang="x-none" b="1" dirty="0"/>
-              <a:t>: </a:t>
+              <a:t>Contadores: </a:t>
             </a:r>
             <a:r>
               <a:rPr lang="x-none" dirty="0"/>
@@ -5373,27 +5314,66 @@
           <a:lstStyle/>
           <a:p>
             <a:r>
-              <a:rPr lang="es-CR" dirty="0" smtClean="0"/>
+              <a:rPr lang="es-CR" dirty="0"/>
               <a:t>Nivel 3</a:t>
             </a:r>
-            <a:endParaRPr lang="es-CR" dirty="0"/>
           </a:p>
         </p:txBody>
       </p:sp>
       <p:grpSp>
         <p:nvGrpSpPr>
-          <p:cNvPr id="128" name="Group 127"/>
+          <p:cNvPr id="94" name="Grupo 93"/>
           <p:cNvGrpSpPr/>
           <p:nvPr/>
         </p:nvGrpSpPr>
         <p:grpSpPr>
           <a:xfrm>
-            <a:off x="2472782" y="1538035"/>
-            <a:ext cx="6877830" cy="5131610"/>
+            <a:off x="2313391" y="1227643"/>
+            <a:ext cx="7784977" cy="5131610"/>
             <a:chOff x="2472782" y="1538035"/>
-            <a:chExt cx="6877830" cy="5131610"/>
+            <a:chExt cx="7784977" cy="5131610"/>
           </a:xfrm>
         </p:grpSpPr>
+        <p:sp>
+          <p:nvSpPr>
+            <p:cNvPr id="35" name="Rectángulo 34"/>
+            <p:cNvSpPr/>
+            <p:nvPr/>
+          </p:nvSpPr>
+          <p:spPr>
+            <a:xfrm>
+              <a:off x="5139003" y="3308589"/>
+              <a:ext cx="96219" cy="96219"/>
+            </a:xfrm>
+            <a:prstGeom prst="rect">
+              <a:avLst/>
+            </a:prstGeom>
+          </p:spPr>
+          <p:style>
+            <a:lnRef idx="2">
+              <a:schemeClr val="accent1">
+                <a:shade val="50000"/>
+              </a:schemeClr>
+            </a:lnRef>
+            <a:fillRef idx="1">
+              <a:schemeClr val="accent1"/>
+            </a:fillRef>
+            <a:effectRef idx="0">
+              <a:schemeClr val="accent1"/>
+            </a:effectRef>
+            <a:fontRef idx="minor">
+              <a:schemeClr val="lt1"/>
+            </a:fontRef>
+          </p:style>
+          <p:txBody>
+            <a:bodyPr rtlCol="0" anchor="ctr"/>
+            <a:lstStyle/>
+            <a:p>
+              <a:pPr algn="ctr"/>
+              <a:endParaRPr lang="es-419"/>
+            </a:p>
+          </p:txBody>
+        </p:sp>
         <p:cxnSp>
           <p:nvCxnSpPr>
             <p:cNvPr id="8" name="Conector recto de flecha 7"/>
@@ -5474,7 +5454,7 @@
           </p:nvSpPr>
           <p:spPr>
             <a:xfrm>
-              <a:off x="6387345" y="2218274"/>
+              <a:off x="6353789" y="2218274"/>
               <a:ext cx="96717" cy="96717"/>
             </a:xfrm>
             <a:prstGeom prst="ellipse">
@@ -5666,48 +5646,6 @@
             </a:p>
           </p:txBody>
         </p:sp>
-        <p:sp>
-          <p:nvSpPr>
-            <p:cNvPr id="16" name="Rectángulo 15"/>
-            <p:cNvSpPr/>
-            <p:nvPr/>
-          </p:nvSpPr>
-          <p:spPr>
-            <a:xfrm>
-              <a:off x="5146156" y="4668421"/>
-              <a:ext cx="1076774" cy="899462"/>
-            </a:xfrm>
-            <a:prstGeom prst="rect">
-              <a:avLst/>
-            </a:prstGeom>
-          </p:spPr>
-          <p:style>
-            <a:lnRef idx="2">
-              <a:schemeClr val="dk1"/>
-            </a:lnRef>
-            <a:fillRef idx="1">
-              <a:schemeClr val="lt1"/>
-            </a:fillRef>
-            <a:effectRef idx="0">
-              <a:schemeClr val="dk1"/>
-            </a:effectRef>
-            <a:fontRef idx="minor">
-              <a:schemeClr val="dk1"/>
-            </a:fontRef>
-          </p:style>
-          <p:txBody>
-            <a:bodyPr rtlCol="0" anchor="ctr"/>
-            <a:lstStyle/>
-            <a:p>
-              <a:pPr algn="ctr"/>
-              <a:r>
-                <a:rPr lang="es-CR" dirty="0" smtClean="0"/>
-                <a:t>Memoria</a:t>
-              </a:r>
-              <a:endParaRPr lang="es-CR" dirty="0"/>
-            </a:p>
-          </p:txBody>
-        </p:sp>
         <p:cxnSp>
           <p:nvCxnSpPr>
             <p:cNvPr id="19" name="Conector recto de flecha 18"/>
@@ -5764,7 +5702,7 @@
             <a:lstStyle/>
             <a:p>
               <a:r>
-                <a:rPr lang="es-CR" sz="1200" dirty="0" err="1" smtClean="0"/>
+                <a:rPr lang="es-CR" sz="1200" dirty="0" err="1"/>
                 <a:t>Clock</a:t>
               </a:r>
               <a:endParaRPr lang="es-CR" sz="1200" dirty="0"/>
@@ -5794,7 +5732,7 @@
             <a:lstStyle/>
             <a:p>
               <a:r>
-                <a:rPr lang="es-CR" sz="1200" dirty="0" err="1" smtClean="0"/>
+                <a:rPr lang="es-CR" sz="1200" dirty="0" err="1"/>
                 <a:t>Reset</a:t>
               </a:r>
               <a:endParaRPr lang="es-CR" sz="1200" dirty="0"/>
@@ -6041,19 +5979,19 @@
             <p:cNvPr id="32" name="Conector angular 31"/>
             <p:cNvCxnSpPr>
               <a:stCxn id="11" idx="4"/>
-              <a:endCxn id="89" idx="1"/>
+              <a:endCxn id="13" idx="1"/>
             </p:cNvCxnSpPr>
             <p:nvPr/>
           </p:nvCxnSpPr>
           <p:spPr>
             <a:xfrm rot="5400000">
-              <a:off x="3826238" y="2251579"/>
-              <a:ext cx="2546054" cy="2672879"/>
+              <a:off x="4500721" y="2960426"/>
+              <a:ext cx="2546863" cy="1255992"/>
             </a:xfrm>
             <a:prstGeom prst="bentConnector4">
               <a:avLst>
-                <a:gd name="adj1" fmla="val 67328"/>
-                <a:gd name="adj2" fmla="val 108553"/>
+                <a:gd name="adj1" fmla="val 77251"/>
+                <a:gd name="adj2" fmla="val 118201"/>
               </a:avLst>
             </a:prstGeom>
             <a:ln>
@@ -6062,13 +6000,13 @@
           </p:spPr>
           <p:style>
             <a:lnRef idx="3">
-              <a:schemeClr val="dk1"/>
+              <a:schemeClr val="accent5"/>
             </a:lnRef>
             <a:fillRef idx="0">
-              <a:schemeClr val="dk1"/>
+              <a:schemeClr val="accent5"/>
             </a:fillRef>
             <a:effectRef idx="2">
-              <a:schemeClr val="dk1"/>
+              <a:schemeClr val="accent5"/>
             </a:effectRef>
             <a:fontRef idx="minor">
               <a:schemeClr val="tx1"/>
@@ -6080,19 +6018,19 @@
             <p:cNvPr id="33" name="Conector angular 32"/>
             <p:cNvCxnSpPr>
               <a:stCxn id="12" idx="4"/>
-              <a:endCxn id="88" idx="1"/>
+              <a:endCxn id="14" idx="1"/>
             </p:cNvCxnSpPr>
             <p:nvPr/>
           </p:nvCxnSpPr>
           <p:spPr>
             <a:xfrm rot="5400000">
-              <a:off x="4314977" y="2994360"/>
-              <a:ext cx="1832938" cy="2937242"/>
+              <a:off x="5004308" y="3688361"/>
+              <a:ext cx="1837609" cy="1553911"/>
             </a:xfrm>
             <a:prstGeom prst="bentConnector4">
               <a:avLst>
-                <a:gd name="adj1" fmla="val 43856"/>
-                <a:gd name="adj2" fmla="val 114799"/>
+                <a:gd name="adj1" fmla="val 48509"/>
+                <a:gd name="adj2" fmla="val 132527"/>
               </a:avLst>
             </a:prstGeom>
             <a:ln>
@@ -6101,13 +6039,13 @@
           </p:spPr>
           <p:style>
             <a:lnRef idx="3">
-              <a:schemeClr val="dk1"/>
+              <a:schemeClr val="accent5"/>
             </a:lnRef>
             <a:fillRef idx="0">
-              <a:schemeClr val="dk1"/>
+              <a:schemeClr val="accent5"/>
             </a:fillRef>
             <a:effectRef idx="2">
-              <a:schemeClr val="dk1"/>
+              <a:schemeClr val="accent5"/>
             </a:effectRef>
             <a:fontRef idx="minor">
               <a:schemeClr val="tx1"/>
@@ -6306,14 +6244,14 @@
           <p:nvCxnSpPr>
             <p:cNvPr id="40" name="Conector angular 39"/>
             <p:cNvCxnSpPr>
-              <a:endCxn id="36" idx="1"/>
+              <a:endCxn id="86" idx="1"/>
             </p:cNvCxnSpPr>
             <p:nvPr/>
           </p:nvCxnSpPr>
           <p:spPr>
             <a:xfrm rot="16200000" flipH="1">
-              <a:off x="4229358" y="2421775"/>
-              <a:ext cx="1177890" cy="655704"/>
+              <a:off x="4149567" y="2501565"/>
+              <a:ext cx="1337472" cy="655705"/>
             </a:xfrm>
             <a:prstGeom prst="bentConnector2">
               <a:avLst/>
@@ -6360,7 +6298,7 @@
             <a:lstStyle/>
             <a:p>
               <a:r>
-                <a:rPr lang="es-CR" sz="1200" dirty="0" err="1" smtClean="0"/>
+                <a:rPr lang="es-CR" sz="1200" dirty="0" err="1"/>
                 <a:t>H_Sync</a:t>
               </a:r>
               <a:endParaRPr lang="es-CR" sz="1200" dirty="0"/>
@@ -6390,7 +6328,7 @@
             <a:lstStyle/>
             <a:p>
               <a:r>
-                <a:rPr lang="es-CR" sz="1200" dirty="0" err="1" smtClean="0"/>
+                <a:rPr lang="es-CR" sz="1200" dirty="0" err="1"/>
                 <a:t>V_Sync</a:t>
               </a:r>
               <a:endParaRPr lang="es-CR" sz="1200" dirty="0"/>
@@ -6420,10 +6358,9 @@
             <a:lstStyle/>
             <a:p>
               <a:r>
-                <a:rPr lang="es-CR" dirty="0" smtClean="0"/>
+                <a:rPr lang="es-CR" dirty="0"/>
                 <a:t>Control y sincronía</a:t>
               </a:r>
-              <a:endParaRPr lang="es-CR" dirty="0"/>
             </a:p>
           </p:txBody>
         </p:sp>
@@ -6435,7 +6372,7 @@
           </p:nvSpPr>
           <p:spPr>
             <a:xfrm>
-              <a:off x="6220793" y="4488955"/>
+              <a:off x="7401842" y="4010517"/>
               <a:ext cx="565204" cy="289076"/>
             </a:xfrm>
             <a:prstGeom prst="rect">
@@ -6450,10 +6387,9 @@
             <a:lstStyle/>
             <a:p>
               <a:r>
-                <a:rPr lang="es-CR" dirty="0" smtClean="0"/>
+                <a:rPr lang="es-CR" dirty="0"/>
                 <a:t>Datos</a:t>
               </a:r>
-              <a:endParaRPr lang="es-CR" dirty="0"/>
             </a:p>
           </p:txBody>
         </p:sp>
@@ -6461,7 +6397,6 @@
           <p:nvCxnSpPr>
             <p:cNvPr id="46" name="Conector recto de flecha 45"/>
             <p:cNvCxnSpPr>
-              <a:stCxn id="16" idx="3"/>
               <a:endCxn id="50" idx="1"/>
             </p:cNvCxnSpPr>
             <p:nvPr/>
@@ -6480,13 +6415,13 @@
           </p:spPr>
           <p:style>
             <a:lnRef idx="3">
-              <a:schemeClr val="dk1"/>
+              <a:schemeClr val="accent2"/>
             </a:lnRef>
             <a:fillRef idx="0">
-              <a:schemeClr val="dk1"/>
+              <a:schemeClr val="accent2"/>
             </a:fillRef>
             <a:effectRef idx="2">
-              <a:schemeClr val="dk1"/>
+              <a:schemeClr val="accent2"/>
             </a:effectRef>
             <a:fontRef idx="minor">
               <a:schemeClr val="tx1"/>
@@ -6648,10 +6583,9 @@
             <a:p>
               <a:pPr algn="ctr"/>
               <a:r>
-                <a:rPr lang="es-CR" sz="1400" dirty="0" smtClean="0"/>
+                <a:rPr lang="es-CR" sz="1400" dirty="0"/>
                 <a:t>Control de salida</a:t>
               </a:r>
-              <a:endParaRPr lang="es-CR" sz="1400" dirty="0"/>
             </a:p>
           </p:txBody>
         </p:sp>
@@ -6675,13 +6609,13 @@
           </p:spPr>
           <p:style>
             <a:lnRef idx="3">
-              <a:schemeClr val="dk1"/>
+              <a:schemeClr val="accent2"/>
             </a:lnRef>
             <a:fillRef idx="0">
-              <a:schemeClr val="dk1"/>
+              <a:schemeClr val="accent2"/>
             </a:fillRef>
             <a:effectRef idx="2">
-              <a:schemeClr val="dk1"/>
+              <a:schemeClr val="accent2"/>
             </a:effectRef>
             <a:fontRef idx="minor">
               <a:schemeClr val="tx1"/>
@@ -6708,13 +6642,13 @@
           </p:spPr>
           <p:style>
             <a:lnRef idx="3">
-              <a:schemeClr val="dk1"/>
+              <a:schemeClr val="accent2"/>
             </a:lnRef>
             <a:fillRef idx="0">
-              <a:schemeClr val="dk1"/>
+              <a:schemeClr val="accent2"/>
             </a:fillRef>
             <a:effectRef idx="2">
-              <a:schemeClr val="dk1"/>
+              <a:schemeClr val="accent2"/>
             </a:effectRef>
             <a:fontRef idx="minor">
               <a:schemeClr val="tx1"/>
@@ -6741,13 +6675,13 @@
           </p:spPr>
           <p:style>
             <a:lnRef idx="3">
-              <a:schemeClr val="dk1"/>
+              <a:schemeClr val="accent2"/>
             </a:lnRef>
             <a:fillRef idx="0">
-              <a:schemeClr val="dk1"/>
+              <a:schemeClr val="accent2"/>
             </a:fillRef>
             <a:effectRef idx="2">
-              <a:schemeClr val="dk1"/>
+              <a:schemeClr val="accent2"/>
             </a:effectRef>
             <a:fontRef idx="minor">
               <a:schemeClr val="tx1"/>
@@ -6777,10 +6711,9 @@
             <a:lstStyle/>
             <a:p>
               <a:r>
-                <a:rPr lang="es-CR" sz="1200" dirty="0" smtClean="0"/>
+                <a:rPr lang="es-CR" sz="1200" dirty="0"/>
                 <a:t>R</a:t>
               </a:r>
-              <a:endParaRPr lang="es-CR" sz="1200" dirty="0"/>
             </a:p>
           </p:txBody>
         </p:sp>
@@ -6807,10 +6740,9 @@
             <a:lstStyle/>
             <a:p>
               <a:r>
-                <a:rPr lang="es-CR" sz="1200" dirty="0" smtClean="0"/>
+                <a:rPr lang="es-CR" sz="1200" dirty="0"/>
                 <a:t>G</a:t>
               </a:r>
-              <a:endParaRPr lang="es-CR" sz="1200" dirty="0"/>
             </a:p>
           </p:txBody>
         </p:sp>
@@ -6837,10 +6769,9 @@
             <a:lstStyle/>
             <a:p>
               <a:r>
-                <a:rPr lang="es-CR" sz="1200" dirty="0" smtClean="0"/>
+                <a:rPr lang="es-CR" sz="1200" dirty="0"/>
                 <a:t>B</a:t>
               </a:r>
-              <a:endParaRPr lang="es-CR" sz="1200" dirty="0"/>
             </a:p>
           </p:txBody>
         </p:sp>
@@ -6957,10 +6888,9 @@
             <a:lstStyle/>
             <a:p>
               <a:r>
-                <a:rPr lang="es-CR" sz="1200" dirty="0" smtClean="0"/>
+                <a:rPr lang="es-CR" sz="1200" dirty="0"/>
                 <a:t>3</a:t>
               </a:r>
-              <a:endParaRPr lang="es-CR" sz="1200" dirty="0"/>
             </a:p>
           </p:txBody>
         </p:sp>
@@ -6987,10 +6917,9 @@
             <a:lstStyle/>
             <a:p>
               <a:r>
-                <a:rPr lang="es-CR" sz="1200" dirty="0" smtClean="0"/>
+                <a:rPr lang="es-CR" sz="1200" dirty="0"/>
                 <a:t>3</a:t>
               </a:r>
-              <a:endParaRPr lang="es-CR" sz="1200" dirty="0"/>
             </a:p>
           </p:txBody>
         </p:sp>
@@ -7017,10 +6946,9 @@
             <a:lstStyle/>
             <a:p>
               <a:r>
-                <a:rPr lang="es-CR" sz="1200" dirty="0" smtClean="0"/>
+                <a:rPr lang="es-CR" sz="1200" dirty="0"/>
                 <a:t>2</a:t>
               </a:r>
-              <a:endParaRPr lang="es-CR" sz="1200" dirty="0"/>
             </a:p>
           </p:txBody>
         </p:sp>
@@ -7047,14 +6975,13 @@
             <a:lstStyle/>
             <a:p>
               <a:r>
-                <a:rPr lang="es-CR" sz="1000" dirty="0" err="1" smtClean="0"/>
+                <a:rPr lang="es-CR" sz="1000" dirty="0" err="1"/>
                 <a:t>Blank</a:t>
               </a:r>
               <a:r>
-                <a:rPr lang="es-CR" sz="1000" dirty="0" smtClean="0"/>
+                <a:rPr lang="es-CR" sz="1000" dirty="0"/>
                 <a:t>, Letra</a:t>
               </a:r>
-              <a:endParaRPr lang="es-CR" sz="1000" dirty="0"/>
             </a:p>
           </p:txBody>
         </p:sp>
@@ -7081,13 +7008,13 @@
           </p:spPr>
           <p:style>
             <a:lnRef idx="3">
-              <a:schemeClr val="dk1"/>
+              <a:schemeClr val="accent5"/>
             </a:lnRef>
             <a:fillRef idx="0">
-              <a:schemeClr val="dk1"/>
+              <a:schemeClr val="accent5"/>
             </a:fillRef>
             <a:effectRef idx="2">
-              <a:schemeClr val="dk1"/>
+              <a:schemeClr val="accent5"/>
             </a:effectRef>
             <a:fontRef idx="minor">
               <a:schemeClr val="tx1"/>
@@ -7117,10 +7044,9 @@
             <a:lstStyle/>
             <a:p>
               <a:r>
-                <a:rPr lang="es-CR" sz="1200" dirty="0" smtClean="0"/>
+                <a:rPr lang="es-CR" sz="1200" dirty="0"/>
                 <a:t>Tono, Color de letra, Color de pantalla</a:t>
               </a:r>
-              <a:endParaRPr lang="es-CR" sz="1200" dirty="0"/>
             </a:p>
           </p:txBody>
         </p:sp>
@@ -7424,7 +7350,7 @@
           </p:nvSpPr>
           <p:spPr>
             <a:xfrm>
-              <a:off x="4459238" y="5834562"/>
+              <a:off x="4408904" y="5792617"/>
               <a:ext cx="348172" cy="261610"/>
             </a:xfrm>
             <a:prstGeom prst="rect">
@@ -7439,10 +7365,9 @@
             <a:lstStyle/>
             <a:p>
               <a:r>
-                <a:rPr lang="es-CR" sz="1100" dirty="0" smtClean="0"/>
+                <a:rPr lang="es-CR" sz="1100" dirty="0"/>
                 <a:t>Up</a:t>
               </a:r>
-              <a:endParaRPr lang="es-CR" sz="1100" dirty="0"/>
             </a:p>
           </p:txBody>
         </p:sp>
@@ -7470,10 +7395,9 @@
             <a:p>
               <a:pPr algn="r"/>
               <a:r>
-                <a:rPr lang="es-CR" sz="1100" dirty="0" smtClean="0"/>
+                <a:rPr lang="es-CR" sz="1100" dirty="0"/>
                 <a:t>Down</a:t>
               </a:r>
-              <a:endParaRPr lang="es-CR" sz="1100" dirty="0"/>
             </a:p>
           </p:txBody>
         </p:sp>
@@ -7501,10 +7425,9 @@
             <a:p>
               <a:pPr algn="r"/>
               <a:r>
-                <a:rPr lang="es-CR" sz="1100" dirty="0" smtClean="0"/>
+                <a:rPr lang="es-CR" sz="1100" dirty="0"/>
                 <a:t>LP</a:t>
               </a:r>
-              <a:endParaRPr lang="es-CR" sz="1100" dirty="0"/>
             </a:p>
           </p:txBody>
         </p:sp>
@@ -7516,8 +7439,8 @@
           </p:nvSpPr>
           <p:spPr>
             <a:xfrm>
-              <a:off x="4278693" y="6363577"/>
-              <a:ext cx="471604" cy="261610"/>
+              <a:off x="4421361" y="6363577"/>
+              <a:ext cx="328936" cy="261610"/>
             </a:xfrm>
             <a:prstGeom prst="rect">
               <a:avLst/>
@@ -7532,10 +7455,9 @@
             <a:p>
               <a:pPr algn="r"/>
               <a:r>
-                <a:rPr lang="es-CR" sz="1100" dirty="0" err="1" smtClean="0"/>
-                <a:t>Tone</a:t>
+                <a:rPr lang="es-CR" sz="1100" dirty="0"/>
+                <a:t>TC</a:t>
               </a:r>
-              <a:endParaRPr lang="es-CR" sz="1100" dirty="0"/>
             </a:p>
           </p:txBody>
         </p:sp>
@@ -7574,10 +7496,9 @@
             <a:p>
               <a:pPr algn="ctr"/>
               <a:r>
-                <a:rPr lang="es-CR" sz="1600" dirty="0" smtClean="0"/>
+                <a:rPr lang="es-CR" sz="1200" dirty="0"/>
                 <a:t>Control de croma</a:t>
               </a:r>
-              <a:endParaRPr lang="es-CR" sz="1600" dirty="0"/>
             </a:p>
           </p:txBody>
         </p:sp>
@@ -7616,10 +7537,9 @@
             <a:p>
               <a:pPr algn="ctr"/>
               <a:r>
-                <a:rPr lang="es-CR" sz="1400" dirty="0" smtClean="0"/>
+                <a:rPr lang="es-CR" sz="1100" dirty="0"/>
                 <a:t>Generador de sincronía vertical</a:t>
               </a:r>
-              <a:endParaRPr lang="es-CR" sz="1400" dirty="0"/>
             </a:p>
           </p:txBody>
         </p:sp>
@@ -7658,10 +7578,9 @@
             <a:p>
               <a:pPr algn="ctr"/>
               <a:r>
-                <a:rPr lang="es-CR" sz="1400" dirty="0" smtClean="0"/>
+                <a:rPr lang="es-CR" sz="1100" dirty="0"/>
                 <a:t>Generador de sincronía horizontal</a:t>
               </a:r>
-              <a:endParaRPr lang="es-CR" sz="1400" dirty="0"/>
             </a:p>
           </p:txBody>
         </p:sp>
@@ -7700,10 +7619,9 @@
             <a:p>
               <a:pPr algn="ctr"/>
               <a:r>
-                <a:rPr lang="es-CR" sz="1400" dirty="0" smtClean="0"/>
+                <a:rPr lang="es-CR" sz="1400" dirty="0"/>
                 <a:t>Contador Horizontal</a:t>
               </a:r>
-              <a:endParaRPr lang="es-CR" sz="1400" dirty="0"/>
             </a:p>
           </p:txBody>
         </p:sp>
@@ -7742,10 +7660,9 @@
             <a:p>
               <a:pPr algn="ctr"/>
               <a:r>
-                <a:rPr lang="es-CR" dirty="0" smtClean="0"/>
+                <a:rPr lang="es-CR" sz="1400" dirty="0"/>
                 <a:t>Contador vertical</a:t>
               </a:r>
-              <a:endParaRPr lang="es-CR" dirty="0"/>
             </a:p>
           </p:txBody>
         </p:sp>
@@ -7806,13 +7723,13 @@
             </a:ln>
           </p:spPr>
           <p:style>
-            <a:lnRef idx="1">
+            <a:lnRef idx="3">
               <a:schemeClr val="dk1"/>
             </a:lnRef>
             <a:fillRef idx="0">
               <a:schemeClr val="dk1"/>
             </a:fillRef>
-            <a:effectRef idx="0">
+            <a:effectRef idx="2">
               <a:schemeClr val="dk1"/>
             </a:effectRef>
             <a:fontRef idx="minor">
@@ -7822,14 +7739,93 @@
         </p:cxnSp>
         <p:sp>
           <p:nvSpPr>
-            <p:cNvPr id="88" name="Rectángulo 85"/>
+            <p:cNvPr id="80" name="Elipse 79"/>
             <p:cNvSpPr/>
             <p:nvPr/>
           </p:nvSpPr>
           <p:spPr>
             <a:xfrm>
-              <a:off x="3762825" y="5154235"/>
-              <a:ext cx="876580" cy="450430"/>
+              <a:off x="6625255" y="2218274"/>
+              <a:ext cx="96717" cy="96717"/>
+            </a:xfrm>
+            <a:prstGeom prst="ellipse">
+              <a:avLst/>
+            </a:prstGeom>
+          </p:spPr>
+          <p:style>
+            <a:lnRef idx="2">
+              <a:schemeClr val="dk1">
+                <a:shade val="50000"/>
+              </a:schemeClr>
+            </a:lnRef>
+            <a:fillRef idx="1">
+              <a:schemeClr val="dk1"/>
+            </a:fillRef>
+            <a:effectRef idx="0">
+              <a:schemeClr val="dk1"/>
+            </a:effectRef>
+            <a:fontRef idx="minor">
+              <a:schemeClr val="lt1"/>
+            </a:fontRef>
+          </p:style>
+          <p:txBody>
+            <a:bodyPr rtlCol="0" anchor="ctr"/>
+            <a:lstStyle/>
+            <a:p>
+              <a:pPr algn="ctr"/>
+              <a:endParaRPr lang="es-CR"/>
+            </a:p>
+          </p:txBody>
+        </p:sp>
+        <p:cxnSp>
+          <p:nvCxnSpPr>
+            <p:cNvPr id="6" name="Conector: angular 5"/>
+            <p:cNvCxnSpPr>
+              <a:stCxn id="80" idx="4"/>
+              <a:endCxn id="35" idx="1"/>
+            </p:cNvCxnSpPr>
+            <p:nvPr/>
+          </p:nvCxnSpPr>
+          <p:spPr>
+            <a:xfrm rot="5400000">
+              <a:off x="5385455" y="2068540"/>
+              <a:ext cx="1041708" cy="1534611"/>
+            </a:xfrm>
+            <a:prstGeom prst="bentConnector4">
+              <a:avLst>
+                <a:gd name="adj1" fmla="val 47691"/>
+                <a:gd name="adj2" fmla="val 114896"/>
+              </a:avLst>
+            </a:prstGeom>
+            <a:ln>
+              <a:tailEnd type="triangle"/>
+            </a:ln>
+          </p:spPr>
+          <p:style>
+            <a:lnRef idx="3">
+              <a:schemeClr val="dk1"/>
+            </a:lnRef>
+            <a:fillRef idx="0">
+              <a:schemeClr val="dk1"/>
+            </a:fillRef>
+            <a:effectRef idx="2">
+              <a:schemeClr val="dk1"/>
+            </a:effectRef>
+            <a:fontRef idx="minor">
+              <a:schemeClr val="tx1"/>
+            </a:fontRef>
+          </p:style>
+        </p:cxnSp>
+        <p:sp>
+          <p:nvSpPr>
+            <p:cNvPr id="96" name="Rectángulo 95"/>
+            <p:cNvSpPr/>
+            <p:nvPr/>
+          </p:nvSpPr>
+          <p:spPr>
+            <a:xfrm>
+              <a:off x="5146156" y="4668421"/>
+              <a:ext cx="1076774" cy="899462"/>
             </a:xfrm>
             <a:prstGeom prst="rect">
               <a:avLst/>
@@ -7855,40 +7851,39 @@
             <a:p>
               <a:pPr algn="ctr"/>
               <a:r>
-                <a:rPr lang="es-CR" sz="1100" dirty="0" smtClean="0"/>
-                <a:t>Divisor de conteo</a:t>
+                <a:rPr lang="es-CR" sz="1400" dirty="0"/>
+                <a:t>Memoria</a:t>
               </a:r>
-              <a:endParaRPr lang="es-CR" sz="1100" dirty="0"/>
             </a:p>
           </p:txBody>
         </p:sp>
         <p:sp>
           <p:nvSpPr>
-            <p:cNvPr id="89" name="Rectángulo 85"/>
+            <p:cNvPr id="92" name="Rectángulo 91"/>
             <p:cNvSpPr/>
             <p:nvPr/>
           </p:nvSpPr>
           <p:spPr>
             <a:xfrm>
-              <a:off x="3762825" y="4635830"/>
-              <a:ext cx="876580" cy="450430"/>
+              <a:off x="9451152" y="4881856"/>
+              <a:ext cx="164095" cy="164095"/>
             </a:xfrm>
             <a:prstGeom prst="rect">
               <a:avLst/>
             </a:prstGeom>
           </p:spPr>
           <p:style>
-            <a:lnRef idx="2">
-              <a:schemeClr val="dk1"/>
+            <a:lnRef idx="1">
+              <a:schemeClr val="accent2"/>
             </a:lnRef>
-            <a:fillRef idx="1">
-              <a:schemeClr val="lt1"/>
+            <a:fillRef idx="3">
+              <a:schemeClr val="accent2"/>
             </a:fillRef>
-            <a:effectRef idx="0">
-              <a:schemeClr val="dk1"/>
+            <a:effectRef idx="2">
+              <a:schemeClr val="accent2"/>
             </a:effectRef>
             <a:fontRef idx="minor">
-              <a:schemeClr val="dk1"/>
+              <a:schemeClr val="lt1"/>
             </a:fontRef>
           </p:style>
           <p:txBody>
@@ -7896,86 +7891,106 @@
             <a:lstStyle/>
             <a:p>
               <a:pPr algn="ctr"/>
-              <a:r>
-                <a:rPr lang="es-CR" sz="1100" dirty="0" smtClean="0"/>
-                <a:t>Divisor de conteo</a:t>
-              </a:r>
-              <a:endParaRPr lang="es-CR" sz="1100" dirty="0"/>
+              <a:endParaRPr lang="es-419"/>
             </a:p>
           </p:txBody>
         </p:sp>
-        <p:cxnSp>
-          <p:nvCxnSpPr>
-            <p:cNvPr id="93" name="Straight Arrow Connector 92"/>
-            <p:cNvCxnSpPr>
-              <a:stCxn id="89" idx="3"/>
-              <a:endCxn id="13" idx="1"/>
-            </p:cNvCxnSpPr>
-            <p:nvPr/>
-          </p:nvCxnSpPr>
-          <p:spPr>
-            <a:xfrm>
-              <a:off x="4639405" y="4861045"/>
-              <a:ext cx="506751" cy="809"/>
-            </a:xfrm>
-            <a:prstGeom prst="straightConnector1">
-              <a:avLst/>
-            </a:prstGeom>
-            <a:ln>
-              <a:tailEnd type="triangle"/>
-            </a:ln>
+        <p:sp>
+          <p:nvSpPr>
+            <p:cNvPr id="98" name="Rectángulo 97"/>
+            <p:cNvSpPr/>
+            <p:nvPr/>
+          </p:nvSpPr>
+          <p:spPr>
+            <a:xfrm>
+              <a:off x="9451151" y="5185421"/>
+              <a:ext cx="164095" cy="164095"/>
+            </a:xfrm>
+            <a:prstGeom prst="rect">
+              <a:avLst/>
+            </a:prstGeom>
           </p:spPr>
           <p:style>
             <a:lnRef idx="1">
-              <a:schemeClr val="dk1"/>
+              <a:schemeClr val="accent5"/>
             </a:lnRef>
-            <a:fillRef idx="0">
-              <a:schemeClr val="dk1"/>
+            <a:fillRef idx="3">
+              <a:schemeClr val="accent5"/>
             </a:fillRef>
-            <a:effectRef idx="0">
-              <a:schemeClr val="dk1"/>
+            <a:effectRef idx="2">
+              <a:schemeClr val="accent5"/>
             </a:effectRef>
             <a:fontRef idx="minor">
-              <a:schemeClr val="tx1"/>
+              <a:schemeClr val="lt1"/>
             </a:fontRef>
           </p:style>
-        </p:cxnSp>
-        <p:cxnSp>
-          <p:nvCxnSpPr>
-            <p:cNvPr id="95" name="Straight Arrow Connector 94"/>
-            <p:cNvCxnSpPr>
-              <a:stCxn id="88" idx="3"/>
-              <a:endCxn id="14" idx="1"/>
-            </p:cNvCxnSpPr>
-            <p:nvPr/>
-          </p:nvCxnSpPr>
-          <p:spPr>
-            <a:xfrm>
-              <a:off x="4639405" y="5379450"/>
-              <a:ext cx="506751" cy="4671"/>
-            </a:xfrm>
-            <a:prstGeom prst="straightConnector1">
-              <a:avLst/>
-            </a:prstGeom>
-            <a:ln>
-              <a:tailEnd type="triangle"/>
-            </a:ln>
-          </p:spPr>
-          <p:style>
-            <a:lnRef idx="1">
-              <a:schemeClr val="dk1"/>
-            </a:lnRef>
-            <a:fillRef idx="0">
-              <a:schemeClr val="dk1"/>
-            </a:fillRef>
-            <a:effectRef idx="0">
-              <a:schemeClr val="dk1"/>
-            </a:effectRef>
-            <a:fontRef idx="minor">
-              <a:schemeClr val="tx1"/>
-            </a:fontRef>
-          </p:style>
-        </p:cxnSp>
+          <p:txBody>
+            <a:bodyPr rtlCol="0" anchor="ctr"/>
+            <a:lstStyle/>
+            <a:p>
+              <a:pPr algn="ctr"/>
+              <a:endParaRPr lang="es-419"/>
+            </a:p>
+          </p:txBody>
+        </p:sp>
+        <p:sp>
+          <p:nvSpPr>
+            <p:cNvPr id="99" name="CuadroTexto 98"/>
+            <p:cNvSpPr txBox="1"/>
+            <p:nvPr/>
+          </p:nvSpPr>
+          <p:spPr>
+            <a:xfrm>
+              <a:off x="9612133" y="4818569"/>
+              <a:ext cx="544060" cy="276999"/>
+            </a:xfrm>
+            <a:prstGeom prst="rect">
+              <a:avLst/>
+            </a:prstGeom>
+            <a:noFill/>
+          </p:spPr>
+          <p:txBody>
+            <a:bodyPr wrap="none" rtlCol="0">
+              <a:spAutoFit/>
+            </a:bodyPr>
+            <a:lstStyle/>
+            <a:p>
+              <a:r>
+                <a:rPr lang="es-CR" sz="1200" dirty="0"/>
+                <a:t>Datos</a:t>
+              </a:r>
+            </a:p>
+          </p:txBody>
+        </p:sp>
+        <p:sp>
+          <p:nvSpPr>
+            <p:cNvPr id="100" name="CuadroTexto 99"/>
+            <p:cNvSpPr txBox="1"/>
+            <p:nvPr/>
+          </p:nvSpPr>
+          <p:spPr>
+            <a:xfrm>
+              <a:off x="9612133" y="5129482"/>
+              <a:ext cx="645626" cy="276999"/>
+            </a:xfrm>
+            <a:prstGeom prst="rect">
+              <a:avLst/>
+            </a:prstGeom>
+            <a:noFill/>
+          </p:spPr>
+          <p:txBody>
+            <a:bodyPr wrap="none" rtlCol="0">
+              <a:spAutoFit/>
+            </a:bodyPr>
+            <a:lstStyle/>
+            <a:p>
+              <a:r>
+                <a:rPr lang="es-CR" sz="1200" dirty="0"/>
+                <a:t>Control</a:t>
+              </a:r>
+            </a:p>
+          </p:txBody>
+        </p:sp>
       </p:grpSp>
     </p:spTree>
     <p:extLst>
@@ -8073,173 +8088,173 @@
           <a:lstStyle/>
           <a:p>
             <a:r>
-              <a:rPr lang="es-CR" dirty="0" smtClean="0"/>
+              <a:rPr lang="es-CR" dirty="0"/>
               <a:t>Divisor de Frecuencia: Toma como entrada una frecuencia de 50MHz, y la divide a la mitad para obtener la frecuencia establecida de pixel de 25MHz.</a:t>
             </a:r>
           </a:p>
           <a:p>
             <a:r>
-              <a:rPr lang="es-CR" dirty="0" smtClean="0"/>
+              <a:rPr lang="es-CR" dirty="0"/>
               <a:t>Contador Horizontal: Es un contador que establece, mediante una frecuencia de operación, la cantidad de pulsos de la se</a:t>
             </a:r>
             <a:r>
-              <a:rPr lang="en-US" dirty="0" err="1" smtClean="0"/>
+              <a:rPr lang="en-US" dirty="0" err="1"/>
               <a:t>ñal</a:t>
             </a:r>
             <a:r>
-              <a:rPr lang="en-US" dirty="0" smtClean="0"/>
+              <a:rPr lang="en-US" dirty="0"/>
               <a:t> de </a:t>
             </a:r>
             <a:r>
-              <a:rPr lang="en-US" dirty="0" err="1" smtClean="0"/>
+              <a:rPr lang="en-US" dirty="0" err="1"/>
               <a:t>sincronización</a:t>
             </a:r>
             <a:r>
-              <a:rPr lang="en-US" dirty="0" smtClean="0"/>
+              <a:rPr lang="en-US" dirty="0"/>
               <a:t> horizontal</a:t>
             </a:r>
             <a:r>
-              <a:rPr lang="es-CR" dirty="0" smtClean="0"/>
+              <a:rPr lang="es-CR" dirty="0"/>
               <a:t>, para una línea de pixeles.</a:t>
             </a:r>
           </a:p>
           <a:p>
             <a:r>
-              <a:rPr lang="es-CR" dirty="0" smtClean="0"/>
+              <a:rPr lang="es-CR" dirty="0"/>
               <a:t>  Generador de sincronía horizontal: Tomando como entrada el los bits del contador horizontal, permite establecer los momentos en que la señal </a:t>
             </a:r>
             <a:r>
-              <a:rPr lang="es-CR" dirty="0" err="1" smtClean="0"/>
+              <a:rPr lang="es-CR" dirty="0" err="1"/>
               <a:t>Hsync</a:t>
             </a:r>
             <a:r>
-              <a:rPr lang="es-CR" dirty="0" smtClean="0"/>
+              <a:rPr lang="es-CR" dirty="0"/>
               <a:t> se va a mantener en un flanco positivo o cambia su estado.</a:t>
             </a:r>
           </a:p>
           <a:p>
             <a:r>
-              <a:rPr lang="en-US" dirty="0" smtClean="0"/>
+              <a:rPr lang="en-US" dirty="0"/>
               <a:t>Contador vertical: </a:t>
             </a:r>
             <a:r>
-              <a:rPr lang="en-US" dirty="0" err="1" smtClean="0"/>
+              <a:rPr lang="en-US" dirty="0" err="1"/>
               <a:t>Es</a:t>
             </a:r>
             <a:r>
-              <a:rPr lang="en-US" dirty="0" smtClean="0"/>
+              <a:rPr lang="en-US" dirty="0"/>
               <a:t> un </a:t>
             </a:r>
             <a:r>
-              <a:rPr lang="en-US" dirty="0" err="1" smtClean="0"/>
+              <a:rPr lang="en-US" dirty="0" err="1"/>
               <a:t>contador</a:t>
             </a:r>
             <a:r>
-              <a:rPr lang="en-US" dirty="0" smtClean="0"/>
+              <a:rPr lang="en-US" dirty="0"/>
               <a:t> que </a:t>
             </a:r>
             <a:r>
-              <a:rPr lang="en-US" dirty="0" err="1" smtClean="0"/>
+              <a:rPr lang="en-US" dirty="0" err="1"/>
               <a:t>establece</a:t>
             </a:r>
             <a:r>
-              <a:rPr lang="en-US" dirty="0" smtClean="0"/>
+              <a:rPr lang="en-US" dirty="0"/>
               <a:t>, </a:t>
             </a:r>
             <a:r>
-              <a:rPr lang="en-US" dirty="0" err="1" smtClean="0"/>
+              <a:rPr lang="en-US" dirty="0" err="1"/>
               <a:t>mediante</a:t>
             </a:r>
             <a:r>
-              <a:rPr lang="en-US" dirty="0" smtClean="0"/>
+              <a:rPr lang="en-US" dirty="0"/>
               <a:t> </a:t>
             </a:r>
             <a:r>
-              <a:rPr lang="en-US" dirty="0" err="1" smtClean="0"/>
+              <a:rPr lang="en-US" dirty="0" err="1"/>
               <a:t>una</a:t>
             </a:r>
             <a:r>
-              <a:rPr lang="en-US" dirty="0" smtClean="0"/>
+              <a:rPr lang="en-US" dirty="0"/>
               <a:t> </a:t>
             </a:r>
             <a:r>
-              <a:rPr lang="en-US" dirty="0" err="1" smtClean="0"/>
+              <a:rPr lang="en-US" dirty="0" err="1"/>
               <a:t>frecuencia</a:t>
             </a:r>
             <a:r>
-              <a:rPr lang="en-US" dirty="0" smtClean="0"/>
+              <a:rPr lang="en-US" dirty="0"/>
               <a:t> de </a:t>
             </a:r>
             <a:r>
-              <a:rPr lang="en-US" dirty="0" err="1" smtClean="0"/>
+              <a:rPr lang="en-US" dirty="0" err="1"/>
               <a:t>operación</a:t>
             </a:r>
             <a:r>
-              <a:rPr lang="en-US" dirty="0" smtClean="0"/>
+              <a:rPr lang="en-US" dirty="0"/>
               <a:t> dada, la </a:t>
             </a:r>
             <a:r>
-              <a:rPr lang="en-US" dirty="0" err="1" smtClean="0"/>
+              <a:rPr lang="en-US" dirty="0" err="1"/>
               <a:t>cantidad</a:t>
             </a:r>
             <a:r>
-              <a:rPr lang="en-US" dirty="0" smtClean="0"/>
+              <a:rPr lang="en-US" dirty="0"/>
               <a:t> de </a:t>
             </a:r>
             <a:r>
-              <a:rPr lang="en-US" dirty="0" err="1" smtClean="0"/>
+              <a:rPr lang="en-US" dirty="0" err="1"/>
               <a:t>pulsos</a:t>
             </a:r>
             <a:r>
-              <a:rPr lang="en-US" dirty="0" smtClean="0"/>
+              <a:rPr lang="en-US" dirty="0"/>
               <a:t> </a:t>
             </a:r>
             <a:r>
-              <a:rPr lang="en-US" dirty="0" err="1" smtClean="0"/>
+              <a:rPr lang="en-US" dirty="0" err="1"/>
               <a:t>necesaria</a:t>
             </a:r>
             <a:r>
-              <a:rPr lang="en-US" dirty="0" smtClean="0"/>
+              <a:rPr lang="en-US" dirty="0"/>
               <a:t> para </a:t>
             </a:r>
             <a:r>
-              <a:rPr lang="en-US" dirty="0" err="1" smtClean="0"/>
+              <a:rPr lang="en-US" dirty="0" err="1"/>
               <a:t>cubrir</a:t>
             </a:r>
             <a:r>
-              <a:rPr lang="en-US" dirty="0" smtClean="0"/>
+              <a:rPr lang="en-US" dirty="0"/>
               <a:t> </a:t>
             </a:r>
             <a:r>
-              <a:rPr lang="en-US" dirty="0" err="1" smtClean="0"/>
+              <a:rPr lang="en-US" dirty="0" err="1"/>
               <a:t>todas</a:t>
             </a:r>
             <a:r>
-              <a:rPr lang="en-US" dirty="0" smtClean="0"/>
+              <a:rPr lang="en-US" dirty="0"/>
               <a:t> las </a:t>
             </a:r>
             <a:r>
-              <a:rPr lang="en-US" dirty="0" err="1" smtClean="0"/>
+              <a:rPr lang="en-US" dirty="0" err="1"/>
               <a:t>lineas</a:t>
             </a:r>
             <a:r>
-              <a:rPr lang="en-US" dirty="0" smtClean="0"/>
+              <a:rPr lang="en-US" dirty="0"/>
               <a:t> </a:t>
             </a:r>
             <a:r>
-              <a:rPr lang="en-US" dirty="0" err="1" smtClean="0"/>
+              <a:rPr lang="en-US" dirty="0" err="1"/>
               <a:t>horizontales</a:t>
             </a:r>
             <a:r>
-              <a:rPr lang="en-US" dirty="0" smtClean="0"/>
+              <a:rPr lang="en-US" dirty="0"/>
               <a:t> de la </a:t>
             </a:r>
             <a:r>
-              <a:rPr lang="en-US" dirty="0" err="1" smtClean="0"/>
+              <a:rPr lang="en-US" dirty="0" err="1"/>
               <a:t>pantalla</a:t>
             </a:r>
             <a:r>
-              <a:rPr lang="en-US" dirty="0" smtClean="0"/>
+              <a:rPr lang="en-US" dirty="0"/>
               <a:t>.</a:t>
             </a:r>
             <a:endParaRPr lang="es-CR" dirty="0"/>
@@ -8293,445 +8308,433 @@
           <a:lstStyle/>
           <a:p>
             <a:r>
-              <a:rPr lang="en-US" dirty="0" err="1" smtClean="0"/>
+              <a:rPr lang="en-US" dirty="0" err="1"/>
               <a:t>Generador</a:t>
             </a:r>
             <a:r>
-              <a:rPr lang="en-US" dirty="0" smtClean="0"/>
+              <a:rPr lang="en-US" dirty="0"/>
               <a:t> de </a:t>
             </a:r>
             <a:r>
-              <a:rPr lang="en-US" dirty="0" err="1" smtClean="0"/>
+              <a:rPr lang="en-US" dirty="0" err="1"/>
               <a:t>sincronía</a:t>
             </a:r>
             <a:r>
-              <a:rPr lang="en-US" dirty="0" smtClean="0"/>
+              <a:rPr lang="en-US" dirty="0"/>
               <a:t> vertical: </a:t>
             </a:r>
             <a:r>
               <a:rPr lang="es-CR" dirty="0"/>
-              <a:t>Tomando como entrada el los bits del contador </a:t>
-            </a:r>
-            <a:r>
-              <a:rPr lang="es-CR" dirty="0" smtClean="0"/>
-              <a:t>vertical, </a:t>
+              <a:t>Tomando como entrada el los bits del contador vertical, permite establecer los momentos en que la señal </a:t>
+            </a:r>
+            <a:r>
+              <a:rPr lang="es-CR" dirty="0" err="1"/>
+              <a:t>Vsync</a:t>
             </a:r>
             <a:r>
               <a:rPr lang="es-CR" dirty="0"/>
-              <a:t>permite establecer los momentos en que la señal </a:t>
-            </a:r>
-            <a:r>
-              <a:rPr lang="es-CR" dirty="0" err="1" smtClean="0"/>
-              <a:t>Vsync</a:t>
-            </a:r>
-            <a:r>
-              <a:rPr lang="es-CR" dirty="0" smtClean="0"/>
-              <a:t> </a:t>
-            </a:r>
-            <a:r>
-              <a:rPr lang="es-CR" dirty="0"/>
-              <a:t>se va a mantener en un flanco positivo o cambia su estado.</a:t>
-            </a:r>
-          </a:p>
-          <a:p>
-            <a:r>
-              <a:rPr lang="en-US" dirty="0" smtClean="0"/>
+              <a:t> se va a mantener en un flanco positivo o cambia su estado.</a:t>
+            </a:r>
+          </a:p>
+          <a:p>
+            <a:r>
+              <a:rPr lang="en-US" dirty="0"/>
               <a:t> Memoria: </a:t>
             </a:r>
             <a:r>
-              <a:rPr lang="en-US" dirty="0" err="1" smtClean="0"/>
+              <a:rPr lang="en-US" dirty="0" err="1"/>
               <a:t>Registro</a:t>
             </a:r>
             <a:r>
-              <a:rPr lang="en-US" dirty="0" smtClean="0"/>
+              <a:rPr lang="en-US" dirty="0"/>
               <a:t>, </a:t>
             </a:r>
             <a:r>
-              <a:rPr lang="en-US" dirty="0" err="1" smtClean="0"/>
+              <a:rPr lang="en-US" dirty="0" err="1"/>
               <a:t>controlado</a:t>
-            </a:r>
-            <a:r>
-              <a:rPr lang="en-US" dirty="0" smtClean="0"/>
-              <a:t> </a:t>
-            </a:r>
-            <a:r>
-              <a:rPr lang="en-US" dirty="0" err="1" smtClean="0"/>
-              <a:t>por</a:t>
-            </a:r>
-            <a:r>
-              <a:rPr lang="en-US" dirty="0" smtClean="0"/>
-              <a:t> </a:t>
-            </a:r>
-            <a:r>
-              <a:rPr lang="en-US" dirty="0" err="1" smtClean="0"/>
-              <a:t>los</a:t>
             </a:r>
             <a:r>
               <a:rPr lang="en-US" dirty="0"/>
               <a:t> </a:t>
             </a:r>
             <a:r>
-              <a:rPr lang="en-US" dirty="0" err="1" smtClean="0"/>
+              <a:rPr lang="en-US" dirty="0" err="1"/>
+              <a:t>por</a:t>
+            </a:r>
+            <a:r>
+              <a:rPr lang="en-US" dirty="0"/>
+              <a:t> </a:t>
+            </a:r>
+            <a:r>
+              <a:rPr lang="en-US" dirty="0" err="1"/>
+              <a:t>los</a:t>
+            </a:r>
+            <a:r>
+              <a:rPr lang="en-US" dirty="0"/>
+              <a:t> </a:t>
+            </a:r>
+            <a:r>
+              <a:rPr lang="en-US" dirty="0" err="1"/>
               <a:t>contadores</a:t>
             </a:r>
             <a:r>
-              <a:rPr lang="en-US" dirty="0" smtClean="0"/>
+              <a:rPr lang="en-US" dirty="0"/>
               <a:t>, que </a:t>
             </a:r>
             <a:r>
-              <a:rPr lang="en-US" dirty="0" err="1" smtClean="0"/>
+              <a:rPr lang="en-US" dirty="0" err="1"/>
               <a:t>almacena</a:t>
             </a:r>
             <a:r>
-              <a:rPr lang="en-US" dirty="0" smtClean="0"/>
+              <a:rPr lang="en-US" dirty="0"/>
               <a:t> las </a:t>
             </a:r>
             <a:r>
-              <a:rPr lang="en-US" dirty="0" err="1" smtClean="0"/>
+              <a:rPr lang="en-US" dirty="0" err="1"/>
               <a:t>posiciones</a:t>
             </a:r>
             <a:r>
-              <a:rPr lang="en-US" dirty="0" smtClean="0"/>
+              <a:rPr lang="en-US" dirty="0"/>
               <a:t> de </a:t>
             </a:r>
             <a:r>
-              <a:rPr lang="en-US" dirty="0" err="1" smtClean="0"/>
+              <a:rPr lang="en-US" dirty="0" err="1"/>
               <a:t>los</a:t>
             </a:r>
             <a:r>
-              <a:rPr lang="en-US" dirty="0" smtClean="0"/>
+              <a:rPr lang="en-US" dirty="0"/>
               <a:t> </a:t>
             </a:r>
             <a:r>
-              <a:rPr lang="en-US" dirty="0" err="1" smtClean="0"/>
+              <a:rPr lang="en-US" dirty="0" err="1"/>
               <a:t>pixeles</a:t>
             </a:r>
             <a:r>
-              <a:rPr lang="en-US" dirty="0" smtClean="0"/>
+              <a:rPr lang="en-US" dirty="0"/>
               <a:t> con </a:t>
             </a:r>
             <a:r>
-              <a:rPr lang="en-US" dirty="0" err="1" smtClean="0"/>
+              <a:rPr lang="en-US" dirty="0" err="1"/>
               <a:t>los</a:t>
             </a:r>
             <a:r>
-              <a:rPr lang="en-US" dirty="0" smtClean="0"/>
+              <a:rPr lang="en-US" dirty="0"/>
               <a:t> </a:t>
             </a:r>
             <a:r>
-              <a:rPr lang="en-US" dirty="0" err="1" smtClean="0"/>
+              <a:rPr lang="en-US" dirty="0" err="1"/>
               <a:t>cuales</a:t>
             </a:r>
             <a:r>
-              <a:rPr lang="en-US" dirty="0" smtClean="0"/>
+              <a:rPr lang="en-US" dirty="0"/>
               <a:t> se </a:t>
             </a:r>
             <a:r>
-              <a:rPr lang="en-US" dirty="0" err="1" smtClean="0"/>
+              <a:rPr lang="en-US" dirty="0" err="1"/>
               <a:t>desplegarán</a:t>
             </a:r>
             <a:r>
-              <a:rPr lang="en-US" dirty="0" smtClean="0"/>
+              <a:rPr lang="en-US" dirty="0"/>
               <a:t> las </a:t>
             </a:r>
             <a:r>
-              <a:rPr lang="en-US" dirty="0" err="1" smtClean="0"/>
+              <a:rPr lang="en-US" dirty="0" err="1"/>
               <a:t>letras</a:t>
             </a:r>
             <a:r>
-              <a:rPr lang="en-US" dirty="0" smtClean="0"/>
+              <a:rPr lang="en-US" dirty="0"/>
               <a:t> </a:t>
             </a:r>
             <a:r>
-              <a:rPr lang="en-US" dirty="0" err="1" smtClean="0"/>
+              <a:rPr lang="en-US" dirty="0" err="1"/>
               <a:t>en</a:t>
             </a:r>
             <a:r>
-              <a:rPr lang="en-US" dirty="0" smtClean="0"/>
+              <a:rPr lang="en-US" dirty="0"/>
               <a:t> la </a:t>
             </a:r>
             <a:r>
-              <a:rPr lang="en-US" dirty="0" err="1" smtClean="0"/>
+              <a:rPr lang="en-US" dirty="0" err="1"/>
               <a:t>pantalla</a:t>
             </a:r>
             <a:r>
-              <a:rPr lang="en-US" dirty="0" smtClean="0"/>
+              <a:rPr lang="en-US" dirty="0"/>
               <a:t>.</a:t>
             </a:r>
           </a:p>
           <a:p>
             <a:r>
-              <a:rPr lang="en-US" dirty="0" smtClean="0"/>
+              <a:rPr lang="en-US" dirty="0"/>
               <a:t> Control de </a:t>
             </a:r>
             <a:r>
-              <a:rPr lang="en-US" dirty="0" err="1" smtClean="0"/>
+              <a:rPr lang="en-US" dirty="0" err="1"/>
               <a:t>croma</a:t>
             </a:r>
             <a:r>
-              <a:rPr lang="en-US" dirty="0" smtClean="0"/>
+              <a:rPr lang="en-US" dirty="0"/>
               <a:t>: </a:t>
             </a:r>
             <a:r>
-              <a:rPr lang="en-US" dirty="0" err="1" smtClean="0"/>
+              <a:rPr lang="en-US" dirty="0" err="1"/>
               <a:t>Permite</a:t>
             </a:r>
             <a:r>
-              <a:rPr lang="en-US" dirty="0" smtClean="0"/>
+              <a:rPr lang="en-US" dirty="0"/>
               <a:t> </a:t>
             </a:r>
             <a:r>
-              <a:rPr lang="en-US" dirty="0" err="1" smtClean="0"/>
+              <a:rPr lang="en-US" dirty="0" err="1"/>
               <a:t>generar</a:t>
             </a:r>
             <a:r>
-              <a:rPr lang="en-US" dirty="0" smtClean="0"/>
+              <a:rPr lang="en-US" dirty="0"/>
               <a:t>, </a:t>
             </a:r>
             <a:r>
-              <a:rPr lang="en-US" dirty="0" err="1" smtClean="0"/>
+              <a:rPr lang="en-US" dirty="0" err="1"/>
               <a:t>por</a:t>
             </a:r>
             <a:r>
-              <a:rPr lang="en-US" dirty="0" smtClean="0"/>
+              <a:rPr lang="en-US" dirty="0"/>
               <a:t> </a:t>
             </a:r>
             <a:r>
-              <a:rPr lang="en-US" dirty="0" err="1" smtClean="0"/>
+              <a:rPr lang="en-US" dirty="0" err="1"/>
               <a:t>medio</a:t>
             </a:r>
             <a:r>
-              <a:rPr lang="en-US" dirty="0" smtClean="0"/>
+              <a:rPr lang="en-US" dirty="0"/>
               <a:t> de la </a:t>
             </a:r>
             <a:r>
-              <a:rPr lang="en-US" dirty="0" err="1" smtClean="0"/>
+              <a:rPr lang="en-US" dirty="0" err="1"/>
               <a:t>variacion</a:t>
             </a:r>
             <a:r>
-              <a:rPr lang="en-US" dirty="0" smtClean="0"/>
+              <a:rPr lang="en-US" dirty="0"/>
               <a:t> de la </a:t>
             </a:r>
             <a:r>
-              <a:rPr lang="en-US" dirty="0" err="1" smtClean="0"/>
+              <a:rPr lang="en-US" dirty="0" err="1"/>
               <a:t>intensidad</a:t>
             </a:r>
             <a:r>
-              <a:rPr lang="en-US" dirty="0" smtClean="0"/>
+              <a:rPr lang="en-US" dirty="0"/>
               <a:t> de </a:t>
             </a:r>
             <a:r>
-              <a:rPr lang="en-US" dirty="0" err="1" smtClean="0"/>
+              <a:rPr lang="en-US" dirty="0" err="1"/>
               <a:t>distintas</a:t>
             </a:r>
             <a:r>
-              <a:rPr lang="en-US" dirty="0" smtClean="0"/>
+              <a:rPr lang="en-US" dirty="0"/>
               <a:t> </a:t>
             </a:r>
             <a:r>
-              <a:rPr lang="en-US" dirty="0" err="1" smtClean="0"/>
+              <a:rPr lang="en-US" dirty="0" err="1"/>
               <a:t>señales</a:t>
             </a:r>
             <a:r>
-              <a:rPr lang="en-US" dirty="0" smtClean="0"/>
+              <a:rPr lang="en-US" dirty="0"/>
               <a:t> </a:t>
             </a:r>
             <a:r>
-              <a:rPr lang="en-US" dirty="0" err="1" smtClean="0"/>
+              <a:rPr lang="en-US" dirty="0" err="1"/>
               <a:t>electricas</a:t>
             </a:r>
             <a:r>
-              <a:rPr lang="en-US" dirty="0" smtClean="0"/>
+              <a:rPr lang="en-US" dirty="0"/>
               <a:t>, las </a:t>
             </a:r>
             <a:r>
-              <a:rPr lang="en-US" dirty="0" err="1" smtClean="0"/>
+              <a:rPr lang="en-US" dirty="0" err="1"/>
               <a:t>diferentes</a:t>
             </a:r>
             <a:r>
-              <a:rPr lang="en-US" dirty="0" smtClean="0"/>
+              <a:rPr lang="en-US" dirty="0"/>
               <a:t> </a:t>
             </a:r>
             <a:r>
-              <a:rPr lang="en-US" dirty="0" err="1" smtClean="0"/>
+              <a:rPr lang="en-US" dirty="0" err="1"/>
               <a:t>tonalidades</a:t>
             </a:r>
             <a:r>
-              <a:rPr lang="en-US" dirty="0" smtClean="0"/>
+              <a:rPr lang="en-US" dirty="0"/>
               <a:t> de color que se </a:t>
             </a:r>
             <a:r>
-              <a:rPr lang="en-US" dirty="0" err="1" smtClean="0"/>
+              <a:rPr lang="en-US" dirty="0" err="1"/>
               <a:t>desplegan</a:t>
             </a:r>
             <a:r>
-              <a:rPr lang="en-US" dirty="0" smtClean="0"/>
+              <a:rPr lang="en-US" dirty="0"/>
               <a:t> </a:t>
             </a:r>
             <a:r>
-              <a:rPr lang="en-US" dirty="0" err="1" smtClean="0"/>
+              <a:rPr lang="en-US" dirty="0" err="1"/>
               <a:t>en</a:t>
             </a:r>
             <a:r>
-              <a:rPr lang="en-US" dirty="0" smtClean="0"/>
+              <a:rPr lang="en-US" dirty="0"/>
               <a:t> </a:t>
             </a:r>
             <a:r>
-              <a:rPr lang="en-US" dirty="0" err="1" smtClean="0"/>
+              <a:rPr lang="en-US" dirty="0" err="1"/>
               <a:t>pantalla</a:t>
             </a:r>
             <a:r>
-              <a:rPr lang="en-US" dirty="0" smtClean="0"/>
+              <a:rPr lang="en-US" dirty="0"/>
               <a:t>. </a:t>
             </a:r>
           </a:p>
           <a:p>
             <a:r>
-              <a:rPr lang="en-US" dirty="0" smtClean="0"/>
+              <a:rPr lang="en-US" dirty="0"/>
               <a:t>Control de </a:t>
             </a:r>
             <a:r>
-              <a:rPr lang="en-US" dirty="0" err="1" smtClean="0"/>
+              <a:rPr lang="en-US" dirty="0" err="1"/>
               <a:t>salida</a:t>
             </a:r>
             <a:r>
-              <a:rPr lang="en-US" dirty="0" smtClean="0"/>
+              <a:rPr lang="en-US" dirty="0"/>
               <a:t>: </a:t>
             </a:r>
             <a:r>
-              <a:rPr lang="en-US" dirty="0" err="1" smtClean="0"/>
+              <a:rPr lang="en-US" dirty="0" err="1"/>
               <a:t>Recibe</a:t>
             </a:r>
             <a:r>
-              <a:rPr lang="en-US" dirty="0" smtClean="0"/>
+              <a:rPr lang="en-US" dirty="0"/>
               <a:t> las </a:t>
             </a:r>
             <a:r>
-              <a:rPr lang="en-US" dirty="0" err="1" smtClean="0"/>
+              <a:rPr lang="en-US" dirty="0" err="1"/>
               <a:t>señales</a:t>
             </a:r>
             <a:r>
-              <a:rPr lang="en-US" dirty="0" smtClean="0"/>
+              <a:rPr lang="en-US" dirty="0"/>
               <a:t> </a:t>
             </a:r>
             <a:r>
-              <a:rPr lang="en-US" dirty="0" err="1" smtClean="0"/>
+              <a:rPr lang="en-US" dirty="0" err="1"/>
               <a:t>procedentes</a:t>
             </a:r>
             <a:r>
-              <a:rPr lang="en-US" dirty="0" smtClean="0"/>
+              <a:rPr lang="en-US" dirty="0"/>
               <a:t> de la </a:t>
             </a:r>
             <a:r>
-              <a:rPr lang="en-US" dirty="0" err="1" smtClean="0"/>
+              <a:rPr lang="en-US" dirty="0" err="1"/>
               <a:t>memoria</a:t>
             </a:r>
             <a:r>
-              <a:rPr lang="en-US" dirty="0" smtClean="0"/>
+              <a:rPr lang="en-US" dirty="0"/>
               <a:t> para </a:t>
             </a:r>
             <a:r>
-              <a:rPr lang="en-US" dirty="0" err="1" smtClean="0"/>
+              <a:rPr lang="en-US" dirty="0" err="1"/>
               <a:t>desplegarlas</a:t>
             </a:r>
             <a:r>
-              <a:rPr lang="en-US" dirty="0" smtClean="0"/>
+              <a:rPr lang="en-US" dirty="0"/>
               <a:t> </a:t>
             </a:r>
             <a:r>
-              <a:rPr lang="en-US" dirty="0" err="1" smtClean="0"/>
+              <a:rPr lang="en-US" dirty="0" err="1"/>
               <a:t>en</a:t>
             </a:r>
             <a:r>
-              <a:rPr lang="en-US" dirty="0" smtClean="0"/>
+              <a:rPr lang="en-US" dirty="0"/>
               <a:t> </a:t>
             </a:r>
             <a:r>
-              <a:rPr lang="en-US" dirty="0" err="1" smtClean="0"/>
+              <a:rPr lang="en-US" dirty="0" err="1"/>
               <a:t>pantalla</a:t>
             </a:r>
             <a:r>
-              <a:rPr lang="en-US" dirty="0" smtClean="0"/>
+              <a:rPr lang="en-US" dirty="0"/>
               <a:t> </a:t>
             </a:r>
             <a:r>
-              <a:rPr lang="en-US" dirty="0" err="1" smtClean="0"/>
+              <a:rPr lang="en-US" dirty="0" err="1"/>
               <a:t>mediante</a:t>
             </a:r>
             <a:r>
-              <a:rPr lang="en-US" dirty="0" smtClean="0"/>
+              <a:rPr lang="en-US" dirty="0"/>
               <a:t> </a:t>
             </a:r>
             <a:r>
-              <a:rPr lang="en-US" dirty="0" err="1" smtClean="0"/>
+              <a:rPr lang="en-US" dirty="0" err="1"/>
               <a:t>los</a:t>
             </a:r>
             <a:r>
-              <a:rPr lang="en-US" dirty="0" smtClean="0"/>
+              <a:rPr lang="en-US" dirty="0"/>
               <a:t> </a:t>
             </a:r>
             <a:r>
-              <a:rPr lang="en-US" dirty="0" err="1" smtClean="0"/>
+              <a:rPr lang="en-US" dirty="0" err="1"/>
               <a:t>colores</a:t>
             </a:r>
             <a:r>
-              <a:rPr lang="en-US" dirty="0" smtClean="0"/>
+              <a:rPr lang="en-US" dirty="0"/>
               <a:t> </a:t>
             </a:r>
             <a:r>
-              <a:rPr lang="en-US" dirty="0" err="1" smtClean="0"/>
+              <a:rPr lang="en-US" dirty="0" err="1"/>
               <a:t>proporcionados</a:t>
             </a:r>
             <a:r>
-              <a:rPr lang="en-US" dirty="0" smtClean="0"/>
+              <a:rPr lang="en-US" dirty="0"/>
               <a:t> </a:t>
             </a:r>
             <a:r>
-              <a:rPr lang="en-US" dirty="0" err="1" smtClean="0"/>
+              <a:rPr lang="en-US" dirty="0" err="1"/>
               <a:t>por</a:t>
             </a:r>
             <a:r>
-              <a:rPr lang="en-US" dirty="0" smtClean="0"/>
+              <a:rPr lang="en-US" dirty="0"/>
               <a:t> el control de </a:t>
             </a:r>
             <a:r>
-              <a:rPr lang="en-US" dirty="0" err="1" smtClean="0"/>
+              <a:rPr lang="en-US" dirty="0" err="1"/>
               <a:t>croma</a:t>
             </a:r>
             <a:r>
-              <a:rPr lang="en-US" dirty="0" smtClean="0"/>
+              <a:rPr lang="en-US" dirty="0"/>
               <a:t>, </a:t>
             </a:r>
             <a:r>
-              <a:rPr lang="en-US" dirty="0" err="1" smtClean="0"/>
+              <a:rPr lang="en-US" dirty="0" err="1"/>
               <a:t>esto</a:t>
             </a:r>
             <a:r>
-              <a:rPr lang="en-US" dirty="0" smtClean="0"/>
+              <a:rPr lang="en-US" dirty="0"/>
               <a:t> </a:t>
             </a:r>
             <a:r>
-              <a:rPr lang="en-US" dirty="0" err="1" smtClean="0"/>
+              <a:rPr lang="en-US" dirty="0" err="1"/>
               <a:t>por</a:t>
             </a:r>
             <a:r>
-              <a:rPr lang="en-US" dirty="0" smtClean="0"/>
+              <a:rPr lang="en-US" dirty="0"/>
               <a:t> </a:t>
             </a:r>
             <a:r>
-              <a:rPr lang="en-US" dirty="0" err="1" smtClean="0"/>
+              <a:rPr lang="en-US" dirty="0" err="1"/>
               <a:t>medio</a:t>
             </a:r>
             <a:r>
-              <a:rPr lang="en-US" dirty="0" smtClean="0"/>
+              <a:rPr lang="en-US" dirty="0"/>
               <a:t> de las </a:t>
             </a:r>
             <a:r>
-              <a:rPr lang="en-US" dirty="0" err="1" smtClean="0"/>
+              <a:rPr lang="en-US" dirty="0" err="1"/>
               <a:t>salidas</a:t>
             </a:r>
             <a:r>
-              <a:rPr lang="en-US" dirty="0" smtClean="0"/>
+              <a:rPr lang="en-US" dirty="0"/>
               <a:t> RGB.</a:t>
             </a:r>
             <a:endParaRPr lang="es-CR" dirty="0"/>

--- a/Diseño/Bosquejo de bloques - definitivo (1).pptx
+++ b/Diseño/Bosquejo de bloques - definitivo (1).pptx
@@ -246,7 +246,7 @@
           <a:p>
             <a:fld id="{B4CC69C0-BFA3-4444-830A-602BF620F75C}" type="datetimeFigureOut">
               <a:rPr lang="es-ES" smtClean="0"/>
-              <a:t>23/08/2016</a:t>
+              <a:t>27/08/2016</a:t>
             </a:fld>
             <a:endParaRPr lang="es-ES"/>
           </a:p>
@@ -414,7 +414,7 @@
           <a:p>
             <a:fld id="{B4CC69C0-BFA3-4444-830A-602BF620F75C}" type="datetimeFigureOut">
               <a:rPr lang="es-ES" smtClean="0"/>
-              <a:t>23/08/2016</a:t>
+              <a:t>27/08/2016</a:t>
             </a:fld>
             <a:endParaRPr lang="es-ES"/>
           </a:p>
@@ -592,7 +592,7 @@
           <a:p>
             <a:fld id="{B4CC69C0-BFA3-4444-830A-602BF620F75C}" type="datetimeFigureOut">
               <a:rPr lang="es-ES" smtClean="0"/>
-              <a:t>23/08/2016</a:t>
+              <a:t>27/08/2016</a:t>
             </a:fld>
             <a:endParaRPr lang="es-ES"/>
           </a:p>
@@ -760,7 +760,7 @@
           <a:p>
             <a:fld id="{B4CC69C0-BFA3-4444-830A-602BF620F75C}" type="datetimeFigureOut">
               <a:rPr lang="es-ES" smtClean="0"/>
-              <a:t>23/08/2016</a:t>
+              <a:t>27/08/2016</a:t>
             </a:fld>
             <a:endParaRPr lang="es-ES"/>
           </a:p>
@@ -1005,7 +1005,7 @@
           <a:p>
             <a:fld id="{B4CC69C0-BFA3-4444-830A-602BF620F75C}" type="datetimeFigureOut">
               <a:rPr lang="es-ES" smtClean="0"/>
-              <a:t>23/08/2016</a:t>
+              <a:t>27/08/2016</a:t>
             </a:fld>
             <a:endParaRPr lang="es-ES"/>
           </a:p>
@@ -1234,7 +1234,7 @@
           <a:p>
             <a:fld id="{B4CC69C0-BFA3-4444-830A-602BF620F75C}" type="datetimeFigureOut">
               <a:rPr lang="es-ES" smtClean="0"/>
-              <a:t>23/08/2016</a:t>
+              <a:t>27/08/2016</a:t>
             </a:fld>
             <a:endParaRPr lang="es-ES"/>
           </a:p>
@@ -1598,7 +1598,7 @@
           <a:p>
             <a:fld id="{B4CC69C0-BFA3-4444-830A-602BF620F75C}" type="datetimeFigureOut">
               <a:rPr lang="es-ES" smtClean="0"/>
-              <a:t>23/08/2016</a:t>
+              <a:t>27/08/2016</a:t>
             </a:fld>
             <a:endParaRPr lang="es-ES"/>
           </a:p>
@@ -1715,7 +1715,7 @@
           <a:p>
             <a:fld id="{B4CC69C0-BFA3-4444-830A-602BF620F75C}" type="datetimeFigureOut">
               <a:rPr lang="es-ES" smtClean="0"/>
-              <a:t>23/08/2016</a:t>
+              <a:t>27/08/2016</a:t>
             </a:fld>
             <a:endParaRPr lang="es-ES"/>
           </a:p>
@@ -1810,7 +1810,7 @@
           <a:p>
             <a:fld id="{B4CC69C0-BFA3-4444-830A-602BF620F75C}" type="datetimeFigureOut">
               <a:rPr lang="es-ES" smtClean="0"/>
-              <a:t>23/08/2016</a:t>
+              <a:t>27/08/2016</a:t>
             </a:fld>
             <a:endParaRPr lang="es-ES"/>
           </a:p>
@@ -2085,7 +2085,7 @@
           <a:p>
             <a:fld id="{B4CC69C0-BFA3-4444-830A-602BF620F75C}" type="datetimeFigureOut">
               <a:rPr lang="es-ES" smtClean="0"/>
-              <a:t>23/08/2016</a:t>
+              <a:t>27/08/2016</a:t>
             </a:fld>
             <a:endParaRPr lang="es-ES"/>
           </a:p>
@@ -2337,7 +2337,7 @@
           <a:p>
             <a:fld id="{B4CC69C0-BFA3-4444-830A-602BF620F75C}" type="datetimeFigureOut">
               <a:rPr lang="es-ES" smtClean="0"/>
-              <a:t>23/08/2016</a:t>
+              <a:t>27/08/2016</a:t>
             </a:fld>
             <a:endParaRPr lang="es-ES"/>
           </a:p>
@@ -2548,7 +2548,7 @@
           <a:p>
             <a:fld id="{B4CC69C0-BFA3-4444-830A-602BF620F75C}" type="datetimeFigureOut">
               <a:rPr lang="es-ES" smtClean="0"/>
-              <a:t>23/08/2016</a:t>
+              <a:t>27/08/2016</a:t>
             </a:fld>
             <a:endParaRPr lang="es-ES"/>
           </a:p>
@@ -3354,7 +3354,7 @@
       </p:sp>
       <p:grpSp>
         <p:nvGrpSpPr>
-          <p:cNvPr id="6" name="Group 5"/>
+          <p:cNvPr id="3" name="Grupo 2"/>
           <p:cNvGrpSpPr/>
           <p:nvPr/>
         </p:nvGrpSpPr>
@@ -3366,1694 +3366,1741 @@
             <a:chExt cx="11149423" cy="4808657"/>
           </a:xfrm>
         </p:grpSpPr>
-        <p:sp>
-          <p:nvSpPr>
-            <p:cNvPr id="8" name="Rectángulo 7"/>
-            <p:cNvSpPr/>
+        <p:grpSp>
+          <p:nvGrpSpPr>
+            <p:cNvPr id="6" name="Group 5"/>
+            <p:cNvGrpSpPr/>
             <p:nvPr/>
-          </p:nvSpPr>
-          <p:spPr>
+          </p:nvGrpSpPr>
+          <p:grpSpPr>
             <a:xfrm>
-              <a:off x="7812280" y="2859078"/>
-              <a:ext cx="122528" cy="122528"/>
+              <a:off x="205965" y="1690688"/>
+              <a:ext cx="11149423" cy="4808657"/>
+              <a:chOff x="205965" y="1690688"/>
+              <a:chExt cx="11149423" cy="4808657"/>
             </a:xfrm>
-            <a:prstGeom prst="rect">
-              <a:avLst/>
-            </a:prstGeom>
-          </p:spPr>
-          <p:style>
-            <a:lnRef idx="2">
-              <a:schemeClr val="accent1">
-                <a:shade val="50000"/>
-              </a:schemeClr>
-            </a:lnRef>
-            <a:fillRef idx="1">
-              <a:schemeClr val="accent1"/>
-            </a:fillRef>
-            <a:effectRef idx="0">
-              <a:schemeClr val="accent1"/>
-            </a:effectRef>
-            <a:fontRef idx="minor">
-              <a:schemeClr val="lt1"/>
-            </a:fontRef>
-          </p:style>
-          <p:txBody>
-            <a:bodyPr rtlCol="0" anchor="ctr"/>
-            <a:lstStyle/>
-            <a:p>
-              <a:pPr algn="ctr"/>
-              <a:endParaRPr lang="es-ES"/>
-            </a:p>
-          </p:txBody>
-        </p:sp>
-        <p:sp>
-          <p:nvSpPr>
-            <p:cNvPr id="9" name="Rectángulo 8"/>
-            <p:cNvSpPr/>
-            <p:nvPr/>
-          </p:nvSpPr>
-          <p:spPr>
-            <a:xfrm>
-              <a:off x="4636251" y="2734597"/>
-              <a:ext cx="122528" cy="122528"/>
-            </a:xfrm>
-            <a:prstGeom prst="rect">
-              <a:avLst/>
-            </a:prstGeom>
-          </p:spPr>
-          <p:style>
-            <a:lnRef idx="2">
-              <a:schemeClr val="accent1">
-                <a:shade val="50000"/>
-              </a:schemeClr>
-            </a:lnRef>
-            <a:fillRef idx="1">
-              <a:schemeClr val="accent1"/>
-            </a:fillRef>
-            <a:effectRef idx="0">
-              <a:schemeClr val="accent1"/>
-            </a:effectRef>
-            <a:fontRef idx="minor">
-              <a:schemeClr val="lt1"/>
-            </a:fontRef>
-          </p:style>
-          <p:txBody>
-            <a:bodyPr rtlCol="0" anchor="ctr"/>
-            <a:lstStyle/>
-            <a:p>
-              <a:pPr algn="ctr"/>
-              <a:endParaRPr lang="es-ES"/>
-            </a:p>
-          </p:txBody>
-        </p:sp>
-        <p:sp>
-          <p:nvSpPr>
-            <p:cNvPr id="10" name="Rectángulo 9"/>
-            <p:cNvSpPr/>
-            <p:nvPr/>
-          </p:nvSpPr>
-          <p:spPr>
-            <a:xfrm>
-              <a:off x="4602235" y="5019934"/>
-              <a:ext cx="122528" cy="122528"/>
-            </a:xfrm>
-            <a:prstGeom prst="rect">
-              <a:avLst/>
-            </a:prstGeom>
-          </p:spPr>
-          <p:style>
-            <a:lnRef idx="2">
-              <a:schemeClr val="accent1">
-                <a:shade val="50000"/>
-              </a:schemeClr>
-            </a:lnRef>
-            <a:fillRef idx="1">
-              <a:schemeClr val="accent1"/>
-            </a:fillRef>
-            <a:effectRef idx="0">
-              <a:schemeClr val="accent1"/>
-            </a:effectRef>
-            <a:fontRef idx="minor">
-              <a:schemeClr val="lt1"/>
-            </a:fontRef>
-          </p:style>
-          <p:txBody>
-            <a:bodyPr rtlCol="0" anchor="ctr"/>
-            <a:lstStyle/>
-            <a:p>
-              <a:pPr algn="ctr"/>
-              <a:endParaRPr lang="es-ES"/>
-            </a:p>
-          </p:txBody>
-        </p:sp>
-        <p:sp>
-          <p:nvSpPr>
-            <p:cNvPr id="11" name="Rectángulo 10"/>
-            <p:cNvSpPr/>
-            <p:nvPr/>
-          </p:nvSpPr>
-          <p:spPr>
-            <a:xfrm>
-              <a:off x="7800660" y="4990373"/>
-              <a:ext cx="122528" cy="122528"/>
-            </a:xfrm>
-            <a:prstGeom prst="rect">
-              <a:avLst/>
-            </a:prstGeom>
-          </p:spPr>
-          <p:style>
-            <a:lnRef idx="2">
-              <a:schemeClr val="accent1">
-                <a:shade val="50000"/>
-              </a:schemeClr>
-            </a:lnRef>
-            <a:fillRef idx="1">
-              <a:schemeClr val="accent1"/>
-            </a:fillRef>
-            <a:effectRef idx="0">
-              <a:schemeClr val="accent1"/>
-            </a:effectRef>
-            <a:fontRef idx="minor">
-              <a:schemeClr val="lt1"/>
-            </a:fontRef>
-          </p:style>
-          <p:txBody>
-            <a:bodyPr rtlCol="0" anchor="ctr"/>
-            <a:lstStyle/>
-            <a:p>
-              <a:pPr algn="ctr"/>
-              <a:endParaRPr lang="es-ES"/>
-            </a:p>
-          </p:txBody>
-        </p:sp>
-        <p:sp>
-          <p:nvSpPr>
-            <p:cNvPr id="12" name="Rectángulo 11"/>
-            <p:cNvSpPr/>
-            <p:nvPr/>
-          </p:nvSpPr>
-          <p:spPr>
-            <a:xfrm>
-              <a:off x="4608569" y="4159397"/>
-              <a:ext cx="133004" cy="133004"/>
-            </a:xfrm>
-            <a:prstGeom prst="rect">
-              <a:avLst/>
-            </a:prstGeom>
-          </p:spPr>
-          <p:style>
-            <a:lnRef idx="2">
-              <a:schemeClr val="accent1">
-                <a:shade val="50000"/>
-              </a:schemeClr>
-            </a:lnRef>
-            <a:fillRef idx="1">
-              <a:schemeClr val="accent1"/>
-            </a:fillRef>
-            <a:effectRef idx="0">
-              <a:schemeClr val="accent1"/>
-            </a:effectRef>
-            <a:fontRef idx="minor">
-              <a:schemeClr val="lt1"/>
-            </a:fontRef>
-          </p:style>
-          <p:txBody>
-            <a:bodyPr rtlCol="0" anchor="ctr"/>
-            <a:lstStyle/>
-            <a:p>
-              <a:pPr algn="ctr"/>
-              <a:endParaRPr lang="es-ES"/>
-            </a:p>
-          </p:txBody>
-        </p:sp>
-        <p:sp>
-          <p:nvSpPr>
-            <p:cNvPr id="13" name="Rectángulo 12"/>
-            <p:cNvSpPr/>
-            <p:nvPr/>
-          </p:nvSpPr>
-          <p:spPr>
-            <a:xfrm>
-              <a:off x="4608569" y="4573812"/>
-              <a:ext cx="133004" cy="133004"/>
-            </a:xfrm>
-            <a:prstGeom prst="rect">
-              <a:avLst/>
-            </a:prstGeom>
-          </p:spPr>
-          <p:style>
-            <a:lnRef idx="2">
-              <a:schemeClr val="accent1">
-                <a:shade val="50000"/>
-              </a:schemeClr>
-            </a:lnRef>
-            <a:fillRef idx="1">
-              <a:schemeClr val="accent1"/>
-            </a:fillRef>
-            <a:effectRef idx="0">
-              <a:schemeClr val="accent1"/>
-            </a:effectRef>
-            <a:fontRef idx="minor">
-              <a:schemeClr val="lt1"/>
-            </a:fontRef>
-          </p:style>
-          <p:txBody>
-            <a:bodyPr rtlCol="0" anchor="ctr"/>
-            <a:lstStyle/>
-            <a:p>
-              <a:pPr algn="ctr"/>
-              <a:endParaRPr lang="es-ES"/>
-            </a:p>
-          </p:txBody>
-        </p:sp>
-        <p:sp>
-          <p:nvSpPr>
-            <p:cNvPr id="14" name="Rectángulo 13"/>
-            <p:cNvSpPr/>
-            <p:nvPr/>
-          </p:nvSpPr>
-          <p:spPr>
-            <a:xfrm>
-              <a:off x="7803093" y="1763718"/>
-              <a:ext cx="1951052" cy="1346662"/>
-            </a:xfrm>
-            <a:prstGeom prst="rect">
-              <a:avLst/>
-            </a:prstGeom>
-          </p:spPr>
-          <p:style>
-            <a:lnRef idx="2">
-              <a:schemeClr val="dk1"/>
-            </a:lnRef>
-            <a:fillRef idx="1">
-              <a:schemeClr val="lt1"/>
-            </a:fillRef>
-            <a:effectRef idx="0">
-              <a:schemeClr val="dk1"/>
-            </a:effectRef>
-            <a:fontRef idx="minor">
-              <a:schemeClr val="dk1"/>
-            </a:fontRef>
-          </p:style>
-          <p:txBody>
-            <a:bodyPr rtlCol="0" anchor="ctr"/>
-            <a:lstStyle/>
-            <a:p>
-              <a:pPr algn="ctr"/>
-              <a:r>
-                <a:rPr lang="es-MX" dirty="0"/>
-                <a:t>Generadores de sincronía</a:t>
-              </a:r>
-              <a:endParaRPr lang="es-ES" dirty="0"/>
-            </a:p>
-          </p:txBody>
-        </p:sp>
+          </p:grpSpPr>
+          <p:sp>
+            <p:nvSpPr>
+              <p:cNvPr id="8" name="Rectángulo 7"/>
+              <p:cNvSpPr/>
+              <p:nvPr/>
+            </p:nvSpPr>
+            <p:spPr>
+              <a:xfrm>
+                <a:off x="7812280" y="2859078"/>
+                <a:ext cx="122528" cy="122528"/>
+              </a:xfrm>
+              <a:prstGeom prst="rect">
+                <a:avLst/>
+              </a:prstGeom>
+            </p:spPr>
+            <p:style>
+              <a:lnRef idx="2">
+                <a:schemeClr val="accent1">
+                  <a:shade val="50000"/>
+                </a:schemeClr>
+              </a:lnRef>
+              <a:fillRef idx="1">
+                <a:schemeClr val="accent1"/>
+              </a:fillRef>
+              <a:effectRef idx="0">
+                <a:schemeClr val="accent1"/>
+              </a:effectRef>
+              <a:fontRef idx="minor">
+                <a:schemeClr val="lt1"/>
+              </a:fontRef>
+            </p:style>
+            <p:txBody>
+              <a:bodyPr rtlCol="0" anchor="ctr"/>
+              <a:lstStyle/>
+              <a:p>
+                <a:pPr algn="ctr"/>
+                <a:endParaRPr lang="es-ES"/>
+              </a:p>
+            </p:txBody>
+          </p:sp>
+          <p:sp>
+            <p:nvSpPr>
+              <p:cNvPr id="9" name="Rectángulo 8"/>
+              <p:cNvSpPr/>
+              <p:nvPr/>
+            </p:nvSpPr>
+            <p:spPr>
+              <a:xfrm>
+                <a:off x="4636251" y="2734597"/>
+                <a:ext cx="122528" cy="122528"/>
+              </a:xfrm>
+              <a:prstGeom prst="rect">
+                <a:avLst/>
+              </a:prstGeom>
+            </p:spPr>
+            <p:style>
+              <a:lnRef idx="2">
+                <a:schemeClr val="accent1">
+                  <a:shade val="50000"/>
+                </a:schemeClr>
+              </a:lnRef>
+              <a:fillRef idx="1">
+                <a:schemeClr val="accent1"/>
+              </a:fillRef>
+              <a:effectRef idx="0">
+                <a:schemeClr val="accent1"/>
+              </a:effectRef>
+              <a:fontRef idx="minor">
+                <a:schemeClr val="lt1"/>
+              </a:fontRef>
+            </p:style>
+            <p:txBody>
+              <a:bodyPr rtlCol="0" anchor="ctr"/>
+              <a:lstStyle/>
+              <a:p>
+                <a:pPr algn="ctr"/>
+                <a:endParaRPr lang="es-ES"/>
+              </a:p>
+            </p:txBody>
+          </p:sp>
+          <p:sp>
+            <p:nvSpPr>
+              <p:cNvPr id="10" name="Rectángulo 9"/>
+              <p:cNvSpPr/>
+              <p:nvPr/>
+            </p:nvSpPr>
+            <p:spPr>
+              <a:xfrm>
+                <a:off x="4602235" y="5019934"/>
+                <a:ext cx="122528" cy="122528"/>
+              </a:xfrm>
+              <a:prstGeom prst="rect">
+                <a:avLst/>
+              </a:prstGeom>
+            </p:spPr>
+            <p:style>
+              <a:lnRef idx="2">
+                <a:schemeClr val="accent1">
+                  <a:shade val="50000"/>
+                </a:schemeClr>
+              </a:lnRef>
+              <a:fillRef idx="1">
+                <a:schemeClr val="accent1"/>
+              </a:fillRef>
+              <a:effectRef idx="0">
+                <a:schemeClr val="accent1"/>
+              </a:effectRef>
+              <a:fontRef idx="minor">
+                <a:schemeClr val="lt1"/>
+              </a:fontRef>
+            </p:style>
+            <p:txBody>
+              <a:bodyPr rtlCol="0" anchor="ctr"/>
+              <a:lstStyle/>
+              <a:p>
+                <a:pPr algn="ctr"/>
+                <a:endParaRPr lang="es-ES"/>
+              </a:p>
+            </p:txBody>
+          </p:sp>
+          <p:sp>
+            <p:nvSpPr>
+              <p:cNvPr id="11" name="Rectángulo 10"/>
+              <p:cNvSpPr/>
+              <p:nvPr/>
+            </p:nvSpPr>
+            <p:spPr>
+              <a:xfrm>
+                <a:off x="7800660" y="4990373"/>
+                <a:ext cx="122528" cy="122528"/>
+              </a:xfrm>
+              <a:prstGeom prst="rect">
+                <a:avLst/>
+              </a:prstGeom>
+            </p:spPr>
+            <p:style>
+              <a:lnRef idx="2">
+                <a:schemeClr val="accent1">
+                  <a:shade val="50000"/>
+                </a:schemeClr>
+              </a:lnRef>
+              <a:fillRef idx="1">
+                <a:schemeClr val="accent1"/>
+              </a:fillRef>
+              <a:effectRef idx="0">
+                <a:schemeClr val="accent1"/>
+              </a:effectRef>
+              <a:fontRef idx="minor">
+                <a:schemeClr val="lt1"/>
+              </a:fontRef>
+            </p:style>
+            <p:txBody>
+              <a:bodyPr rtlCol="0" anchor="ctr"/>
+              <a:lstStyle/>
+              <a:p>
+                <a:pPr algn="ctr"/>
+                <a:endParaRPr lang="es-ES"/>
+              </a:p>
+            </p:txBody>
+          </p:sp>
+          <p:sp>
+            <p:nvSpPr>
+              <p:cNvPr id="12" name="Rectángulo 11"/>
+              <p:cNvSpPr/>
+              <p:nvPr/>
+            </p:nvSpPr>
+            <p:spPr>
+              <a:xfrm>
+                <a:off x="4608569" y="4159397"/>
+                <a:ext cx="133004" cy="133004"/>
+              </a:xfrm>
+              <a:prstGeom prst="rect">
+                <a:avLst/>
+              </a:prstGeom>
+            </p:spPr>
+            <p:style>
+              <a:lnRef idx="2">
+                <a:schemeClr val="accent1">
+                  <a:shade val="50000"/>
+                </a:schemeClr>
+              </a:lnRef>
+              <a:fillRef idx="1">
+                <a:schemeClr val="accent1"/>
+              </a:fillRef>
+              <a:effectRef idx="0">
+                <a:schemeClr val="accent1"/>
+              </a:effectRef>
+              <a:fontRef idx="minor">
+                <a:schemeClr val="lt1"/>
+              </a:fontRef>
+            </p:style>
+            <p:txBody>
+              <a:bodyPr rtlCol="0" anchor="ctr"/>
+              <a:lstStyle/>
+              <a:p>
+                <a:pPr algn="ctr"/>
+                <a:endParaRPr lang="es-ES"/>
+              </a:p>
+            </p:txBody>
+          </p:sp>
+          <p:sp>
+            <p:nvSpPr>
+              <p:cNvPr id="13" name="Rectángulo 12"/>
+              <p:cNvSpPr/>
+              <p:nvPr/>
+            </p:nvSpPr>
+            <p:spPr>
+              <a:xfrm>
+                <a:off x="4608569" y="4573812"/>
+                <a:ext cx="133004" cy="133004"/>
+              </a:xfrm>
+              <a:prstGeom prst="rect">
+                <a:avLst/>
+              </a:prstGeom>
+            </p:spPr>
+            <p:style>
+              <a:lnRef idx="2">
+                <a:schemeClr val="accent1">
+                  <a:shade val="50000"/>
+                </a:schemeClr>
+              </a:lnRef>
+              <a:fillRef idx="1">
+                <a:schemeClr val="accent1"/>
+              </a:fillRef>
+              <a:effectRef idx="0">
+                <a:schemeClr val="accent1"/>
+              </a:effectRef>
+              <a:fontRef idx="minor">
+                <a:schemeClr val="lt1"/>
+              </a:fontRef>
+            </p:style>
+            <p:txBody>
+              <a:bodyPr rtlCol="0" anchor="ctr"/>
+              <a:lstStyle/>
+              <a:p>
+                <a:pPr algn="ctr"/>
+                <a:endParaRPr lang="es-ES"/>
+              </a:p>
+            </p:txBody>
+          </p:sp>
+          <p:sp>
+            <p:nvSpPr>
+              <p:cNvPr id="14" name="Rectángulo 13"/>
+              <p:cNvSpPr/>
+              <p:nvPr/>
+            </p:nvSpPr>
+            <p:spPr>
+              <a:xfrm>
+                <a:off x="7803093" y="1763718"/>
+                <a:ext cx="1951052" cy="1346662"/>
+              </a:xfrm>
+              <a:prstGeom prst="rect">
+                <a:avLst/>
+              </a:prstGeom>
+            </p:spPr>
+            <p:style>
+              <a:lnRef idx="2">
+                <a:schemeClr val="dk1"/>
+              </a:lnRef>
+              <a:fillRef idx="1">
+                <a:schemeClr val="lt1"/>
+              </a:fillRef>
+              <a:effectRef idx="0">
+                <a:schemeClr val="dk1"/>
+              </a:effectRef>
+              <a:fontRef idx="minor">
+                <a:schemeClr val="dk1"/>
+              </a:fontRef>
+            </p:style>
+            <p:txBody>
+              <a:bodyPr rtlCol="0" anchor="ctr"/>
+              <a:lstStyle/>
+              <a:p>
+                <a:pPr algn="ctr"/>
+                <a:r>
+                  <a:rPr lang="es-MX" dirty="0"/>
+                  <a:t>Generadores de sincronía</a:t>
+                </a:r>
+                <a:endParaRPr lang="es-ES" dirty="0"/>
+              </a:p>
+            </p:txBody>
+          </p:sp>
+          <p:cxnSp>
+            <p:nvCxnSpPr>
+              <p:cNvPr id="15" name="Conector recto de flecha 14"/>
+              <p:cNvCxnSpPr/>
+              <p:nvPr/>
+            </p:nvCxnSpPr>
+            <p:spPr>
+              <a:xfrm>
+                <a:off x="9765736" y="2184259"/>
+                <a:ext cx="1224794" cy="0"/>
+              </a:xfrm>
+              <a:prstGeom prst="straightConnector1">
+                <a:avLst/>
+              </a:prstGeom>
+              <a:ln>
+                <a:tailEnd type="triangle"/>
+              </a:ln>
+            </p:spPr>
+            <p:style>
+              <a:lnRef idx="3">
+                <a:schemeClr val="dk1"/>
+              </a:lnRef>
+              <a:fillRef idx="0">
+                <a:schemeClr val="dk1"/>
+              </a:fillRef>
+              <a:effectRef idx="2">
+                <a:schemeClr val="dk1"/>
+              </a:effectRef>
+              <a:fontRef idx="minor">
+                <a:schemeClr val="tx1"/>
+              </a:fontRef>
+            </p:style>
+          </p:cxnSp>
+          <p:sp>
+            <p:nvSpPr>
+              <p:cNvPr id="16" name="CuadroTexto 15"/>
+              <p:cNvSpPr txBox="1"/>
+              <p:nvPr/>
+            </p:nvSpPr>
+            <p:spPr>
+              <a:xfrm>
+                <a:off x="10529136" y="1796970"/>
+                <a:ext cx="826252" cy="369332"/>
+              </a:xfrm>
+              <a:prstGeom prst="rect">
+                <a:avLst/>
+              </a:prstGeom>
+              <a:noFill/>
+            </p:spPr>
+            <p:txBody>
+              <a:bodyPr wrap="none" rtlCol="0">
+                <a:spAutoFit/>
+              </a:bodyPr>
+              <a:lstStyle/>
+              <a:p>
+                <a:r>
+                  <a:rPr lang="x-none" dirty="0"/>
+                  <a:t>H-</a:t>
+                </a:r>
+                <a:r>
+                  <a:rPr lang="x-none" dirty="0" err="1"/>
+                  <a:t>Sync</a:t>
+                </a:r>
+                <a:endParaRPr lang="x-none" dirty="0"/>
+              </a:p>
+            </p:txBody>
+          </p:sp>
+          <p:cxnSp>
+            <p:nvCxnSpPr>
+              <p:cNvPr id="17" name="Conector recto de flecha 16"/>
+              <p:cNvCxnSpPr/>
+              <p:nvPr/>
+            </p:nvCxnSpPr>
+            <p:spPr>
+              <a:xfrm>
+                <a:off x="9765736" y="2746094"/>
+                <a:ext cx="1224794" cy="0"/>
+              </a:xfrm>
+              <a:prstGeom prst="straightConnector1">
+                <a:avLst/>
+              </a:prstGeom>
+              <a:ln>
+                <a:tailEnd type="triangle"/>
+              </a:ln>
+            </p:spPr>
+            <p:style>
+              <a:lnRef idx="3">
+                <a:schemeClr val="dk1"/>
+              </a:lnRef>
+              <a:fillRef idx="0">
+                <a:schemeClr val="dk1"/>
+              </a:fillRef>
+              <a:effectRef idx="2">
+                <a:schemeClr val="dk1"/>
+              </a:effectRef>
+              <a:fontRef idx="minor">
+                <a:schemeClr val="tx1"/>
+              </a:fontRef>
+            </p:style>
+          </p:cxnSp>
+          <p:sp>
+            <p:nvSpPr>
+              <p:cNvPr id="18" name="CuadroTexto 17"/>
+              <p:cNvSpPr txBox="1"/>
+              <p:nvPr/>
+            </p:nvSpPr>
+            <p:spPr>
+              <a:xfrm>
+                <a:off x="10529136" y="2358805"/>
+                <a:ext cx="826252" cy="369332"/>
+              </a:xfrm>
+              <a:prstGeom prst="rect">
+                <a:avLst/>
+              </a:prstGeom>
+              <a:noFill/>
+            </p:spPr>
+            <p:txBody>
+              <a:bodyPr wrap="none" rtlCol="0">
+                <a:spAutoFit/>
+              </a:bodyPr>
+              <a:lstStyle/>
+              <a:p>
+                <a:r>
+                  <a:rPr lang="x-none" dirty="0"/>
+                  <a:t>V-</a:t>
+                </a:r>
+                <a:r>
+                  <a:rPr lang="x-none" dirty="0" err="1"/>
+                  <a:t>Sync</a:t>
+                </a:r>
+                <a:endParaRPr lang="x-none" dirty="0"/>
+              </a:p>
+            </p:txBody>
+          </p:sp>
+          <p:sp>
+            <p:nvSpPr>
+              <p:cNvPr id="19" name="CuadroTexto 18"/>
+              <p:cNvSpPr txBox="1"/>
+              <p:nvPr/>
+            </p:nvSpPr>
+            <p:spPr>
+              <a:xfrm>
+                <a:off x="9938590" y="1874744"/>
+                <a:ext cx="579005" cy="276999"/>
+              </a:xfrm>
+              <a:prstGeom prst="rect">
+                <a:avLst/>
+              </a:prstGeom>
+              <a:noFill/>
+            </p:spPr>
+            <p:txBody>
+              <a:bodyPr wrap="none" rtlCol="0">
+                <a:spAutoFit/>
+              </a:bodyPr>
+              <a:lstStyle/>
+              <a:p>
+                <a:r>
+                  <a:rPr lang="x-none" sz="1200" dirty="0"/>
+                  <a:t>15KHz</a:t>
+                </a:r>
+              </a:p>
+            </p:txBody>
+          </p:sp>
+          <p:sp>
+            <p:nvSpPr>
+              <p:cNvPr id="20" name="CuadroTexto 19"/>
+              <p:cNvSpPr txBox="1"/>
+              <p:nvPr/>
+            </p:nvSpPr>
+            <p:spPr>
+              <a:xfrm>
+                <a:off x="9938590" y="2480397"/>
+                <a:ext cx="498855" cy="276999"/>
+              </a:xfrm>
+              <a:prstGeom prst="rect">
+                <a:avLst/>
+              </a:prstGeom>
+              <a:noFill/>
+            </p:spPr>
+            <p:txBody>
+              <a:bodyPr wrap="none" rtlCol="0">
+                <a:spAutoFit/>
+              </a:bodyPr>
+              <a:lstStyle/>
+              <a:p>
+                <a:r>
+                  <a:rPr lang="x-none" sz="1200" dirty="0"/>
+                  <a:t>60Hz</a:t>
+                </a:r>
+              </a:p>
+            </p:txBody>
+          </p:sp>
+          <p:sp>
+            <p:nvSpPr>
+              <p:cNvPr id="21" name="Rectángulo 20"/>
+              <p:cNvSpPr/>
+              <p:nvPr/>
+            </p:nvSpPr>
+            <p:spPr>
+              <a:xfrm>
+                <a:off x="4625195" y="1763718"/>
+                <a:ext cx="1953490" cy="1346662"/>
+              </a:xfrm>
+              <a:prstGeom prst="rect">
+                <a:avLst/>
+              </a:prstGeom>
+            </p:spPr>
+            <p:style>
+              <a:lnRef idx="2">
+                <a:schemeClr val="dk1"/>
+              </a:lnRef>
+              <a:fillRef idx="1">
+                <a:schemeClr val="lt1"/>
+              </a:fillRef>
+              <a:effectRef idx="0">
+                <a:schemeClr val="dk1"/>
+              </a:effectRef>
+              <a:fontRef idx="minor">
+                <a:schemeClr val="dk1"/>
+              </a:fontRef>
+            </p:style>
+            <p:txBody>
+              <a:bodyPr rtlCol="0" anchor="ctr"/>
+              <a:lstStyle/>
+              <a:p>
+                <a:pPr algn="ctr"/>
+                <a:r>
+                  <a:rPr lang="es-MX" dirty="0"/>
+                  <a:t>Contadores</a:t>
+                </a:r>
+                <a:endParaRPr lang="es-ES" dirty="0"/>
+              </a:p>
+            </p:txBody>
+          </p:sp>
+          <p:cxnSp>
+            <p:nvCxnSpPr>
+              <p:cNvPr id="22" name="Conector recto de flecha 21"/>
+              <p:cNvCxnSpPr/>
+              <p:nvPr/>
+            </p:nvCxnSpPr>
+            <p:spPr>
+              <a:xfrm>
+                <a:off x="6575863" y="1929551"/>
+                <a:ext cx="1224794" cy="0"/>
+              </a:xfrm>
+              <a:prstGeom prst="straightConnector1">
+                <a:avLst/>
+              </a:prstGeom>
+              <a:ln>
+                <a:tailEnd type="triangle"/>
+              </a:ln>
+            </p:spPr>
+            <p:style>
+              <a:lnRef idx="3">
+                <a:schemeClr val="dk1"/>
+              </a:lnRef>
+              <a:fillRef idx="0">
+                <a:schemeClr val="dk1"/>
+              </a:fillRef>
+              <a:effectRef idx="2">
+                <a:schemeClr val="dk1"/>
+              </a:effectRef>
+              <a:fontRef idx="minor">
+                <a:schemeClr val="tx1"/>
+              </a:fontRef>
+            </p:style>
+          </p:cxnSp>
+          <p:cxnSp>
+            <p:nvCxnSpPr>
+              <p:cNvPr id="23" name="Conector recto de flecha 22"/>
+              <p:cNvCxnSpPr/>
+              <p:nvPr/>
+            </p:nvCxnSpPr>
+            <p:spPr>
+              <a:xfrm>
+                <a:off x="6575863" y="2491386"/>
+                <a:ext cx="1224794" cy="0"/>
+              </a:xfrm>
+              <a:prstGeom prst="straightConnector1">
+                <a:avLst/>
+              </a:prstGeom>
+              <a:ln>
+                <a:tailEnd type="triangle"/>
+              </a:ln>
+            </p:spPr>
+            <p:style>
+              <a:lnRef idx="3">
+                <a:schemeClr val="dk1"/>
+              </a:lnRef>
+              <a:fillRef idx="0">
+                <a:schemeClr val="dk1"/>
+              </a:fillRef>
+              <a:effectRef idx="2">
+                <a:schemeClr val="dk1"/>
+              </a:effectRef>
+              <a:fontRef idx="minor">
+                <a:schemeClr val="tx1"/>
+              </a:fontRef>
+            </p:style>
+          </p:cxnSp>
+          <p:cxnSp>
+            <p:nvCxnSpPr>
+              <p:cNvPr id="24" name="Conector recto 23"/>
+              <p:cNvCxnSpPr/>
+              <p:nvPr/>
+            </p:nvCxnSpPr>
+            <p:spPr>
+              <a:xfrm flipH="1">
+                <a:off x="6681811" y="1833954"/>
+                <a:ext cx="191193" cy="191193"/>
+              </a:xfrm>
+              <a:prstGeom prst="line">
+                <a:avLst/>
+              </a:prstGeom>
+            </p:spPr>
+            <p:style>
+              <a:lnRef idx="1">
+                <a:schemeClr val="dk1"/>
+              </a:lnRef>
+              <a:fillRef idx="0">
+                <a:schemeClr val="dk1"/>
+              </a:fillRef>
+              <a:effectRef idx="0">
+                <a:schemeClr val="dk1"/>
+              </a:effectRef>
+              <a:fontRef idx="minor">
+                <a:schemeClr val="tx1"/>
+              </a:fontRef>
+            </p:style>
+          </p:cxnSp>
+          <p:cxnSp>
+            <p:nvCxnSpPr>
+              <p:cNvPr id="25" name="Conector recto 24"/>
+              <p:cNvCxnSpPr/>
+              <p:nvPr/>
+            </p:nvCxnSpPr>
+            <p:spPr>
+              <a:xfrm flipH="1">
+                <a:off x="6658779" y="2395789"/>
+                <a:ext cx="191193" cy="191193"/>
+              </a:xfrm>
+              <a:prstGeom prst="line">
+                <a:avLst/>
+              </a:prstGeom>
+            </p:spPr>
+            <p:style>
+              <a:lnRef idx="1">
+                <a:schemeClr val="dk1"/>
+              </a:lnRef>
+              <a:fillRef idx="0">
+                <a:schemeClr val="dk1"/>
+              </a:fillRef>
+              <a:effectRef idx="0">
+                <a:schemeClr val="dk1"/>
+              </a:effectRef>
+              <a:fontRef idx="minor">
+                <a:schemeClr val="tx1"/>
+              </a:fontRef>
+            </p:style>
+          </p:cxnSp>
+          <p:sp>
+            <p:nvSpPr>
+              <p:cNvPr id="26" name="CuadroTexto 25"/>
+              <p:cNvSpPr txBox="1"/>
+              <p:nvPr/>
+            </p:nvSpPr>
+            <p:spPr>
+              <a:xfrm>
+                <a:off x="6542388" y="1690688"/>
+                <a:ext cx="341760" cy="276999"/>
+              </a:xfrm>
+              <a:prstGeom prst="rect">
+                <a:avLst/>
+              </a:prstGeom>
+              <a:noFill/>
+            </p:spPr>
+            <p:txBody>
+              <a:bodyPr wrap="none" rtlCol="0">
+                <a:spAutoFit/>
+              </a:bodyPr>
+              <a:lstStyle/>
+              <a:p>
+                <a:r>
+                  <a:rPr lang="es-MX" sz="1200" dirty="0"/>
+                  <a:t>10</a:t>
+                </a:r>
+                <a:endParaRPr lang="es-ES" sz="1200" dirty="0"/>
+              </a:p>
+            </p:txBody>
+          </p:sp>
+          <p:sp>
+            <p:nvSpPr>
+              <p:cNvPr id="27" name="CuadroTexto 26"/>
+              <p:cNvSpPr txBox="1"/>
+              <p:nvPr/>
+            </p:nvSpPr>
+            <p:spPr>
+              <a:xfrm>
+                <a:off x="6531244" y="2257289"/>
+                <a:ext cx="341760" cy="276999"/>
+              </a:xfrm>
+              <a:prstGeom prst="rect">
+                <a:avLst/>
+              </a:prstGeom>
+              <a:noFill/>
+            </p:spPr>
+            <p:txBody>
+              <a:bodyPr wrap="none" rtlCol="0">
+                <a:spAutoFit/>
+              </a:bodyPr>
+              <a:lstStyle/>
+              <a:p>
+                <a:r>
+                  <a:rPr lang="es-MX" sz="1200" dirty="0"/>
+                  <a:t>10</a:t>
+                </a:r>
+                <a:endParaRPr lang="es-ES" sz="1200" dirty="0"/>
+              </a:p>
+            </p:txBody>
+          </p:sp>
+          <p:sp>
+            <p:nvSpPr>
+              <p:cNvPr id="29" name="CuadroTexto 28"/>
+              <p:cNvSpPr txBox="1"/>
+              <p:nvPr/>
+            </p:nvSpPr>
+            <p:spPr>
+              <a:xfrm>
+                <a:off x="761390" y="1830386"/>
+                <a:ext cx="665567" cy="276999"/>
+              </a:xfrm>
+              <a:prstGeom prst="rect">
+                <a:avLst/>
+              </a:prstGeom>
+              <a:noFill/>
+            </p:spPr>
+            <p:txBody>
+              <a:bodyPr wrap="none" rtlCol="0">
+                <a:spAutoFit/>
+              </a:bodyPr>
+              <a:lstStyle/>
+              <a:p>
+                <a:r>
+                  <a:rPr lang="es-MX" sz="1200" dirty="0"/>
+                  <a:t>50 MHz</a:t>
+                </a:r>
+                <a:endParaRPr lang="es-ES" sz="1200" dirty="0"/>
+              </a:p>
+            </p:txBody>
+          </p:sp>
+          <p:sp>
+            <p:nvSpPr>
+              <p:cNvPr id="30" name="CuadroTexto 29"/>
+              <p:cNvSpPr txBox="1"/>
+              <p:nvPr/>
+            </p:nvSpPr>
+            <p:spPr>
+              <a:xfrm>
+                <a:off x="205965" y="1907714"/>
+                <a:ext cx="684803" cy="369332"/>
+              </a:xfrm>
+              <a:prstGeom prst="rect">
+                <a:avLst/>
+              </a:prstGeom>
+              <a:noFill/>
+            </p:spPr>
+            <p:txBody>
+              <a:bodyPr wrap="none" rtlCol="0">
+                <a:spAutoFit/>
+              </a:bodyPr>
+              <a:lstStyle/>
+              <a:p>
+                <a:r>
+                  <a:rPr lang="x-none" dirty="0" err="1"/>
+                  <a:t>Clock</a:t>
+                </a:r>
+                <a:endParaRPr lang="x-none" dirty="0"/>
+              </a:p>
+            </p:txBody>
+          </p:sp>
+          <p:cxnSp>
+            <p:nvCxnSpPr>
+              <p:cNvPr id="32" name="Conector recto de flecha 31"/>
+              <p:cNvCxnSpPr/>
+              <p:nvPr/>
+            </p:nvCxnSpPr>
+            <p:spPr>
+              <a:xfrm>
+                <a:off x="907952" y="2233697"/>
+                <a:ext cx="3717243" cy="0"/>
+              </a:xfrm>
+              <a:prstGeom prst="straightConnector1">
+                <a:avLst/>
+              </a:prstGeom>
+              <a:ln>
+                <a:tailEnd type="triangle"/>
+              </a:ln>
+            </p:spPr>
+            <p:style>
+              <a:lnRef idx="3">
+                <a:schemeClr val="dk1"/>
+              </a:lnRef>
+              <a:fillRef idx="0">
+                <a:schemeClr val="dk1"/>
+              </a:fillRef>
+              <a:effectRef idx="2">
+                <a:schemeClr val="dk1"/>
+              </a:effectRef>
+              <a:fontRef idx="minor">
+                <a:schemeClr val="tx1"/>
+              </a:fontRef>
+            </p:style>
+          </p:cxnSp>
+          <p:sp>
+            <p:nvSpPr>
+              <p:cNvPr id="34" name="Rectángulo 33"/>
+              <p:cNvSpPr/>
+              <p:nvPr/>
+            </p:nvSpPr>
+            <p:spPr>
+              <a:xfrm>
+                <a:off x="7800657" y="3891777"/>
+                <a:ext cx="1965079" cy="1421476"/>
+              </a:xfrm>
+              <a:prstGeom prst="rect">
+                <a:avLst/>
+              </a:prstGeom>
+            </p:spPr>
+            <p:style>
+              <a:lnRef idx="2">
+                <a:schemeClr val="dk1"/>
+              </a:lnRef>
+              <a:fillRef idx="1">
+                <a:schemeClr val="lt1"/>
+              </a:fillRef>
+              <a:effectRef idx="0">
+                <a:schemeClr val="dk1"/>
+              </a:effectRef>
+              <a:fontRef idx="minor">
+                <a:schemeClr val="dk1"/>
+              </a:fontRef>
+            </p:style>
+            <p:txBody>
+              <a:bodyPr rtlCol="0" anchor="ctr"/>
+              <a:lstStyle/>
+              <a:p>
+                <a:pPr algn="ctr"/>
+                <a:r>
+                  <a:rPr lang="es-MX" dirty="0"/>
+                  <a:t>Control de color</a:t>
+                </a:r>
+                <a:endParaRPr lang="es-ES" dirty="0"/>
+              </a:p>
+            </p:txBody>
+          </p:sp>
+          <p:sp>
+            <p:nvSpPr>
+              <p:cNvPr id="35" name="Rectángulo 34"/>
+              <p:cNvSpPr/>
+              <p:nvPr/>
+            </p:nvSpPr>
+            <p:spPr>
+              <a:xfrm>
+                <a:off x="4602235" y="3891777"/>
+                <a:ext cx="1965079" cy="1421476"/>
+              </a:xfrm>
+              <a:prstGeom prst="rect">
+                <a:avLst/>
+              </a:prstGeom>
+            </p:spPr>
+            <p:style>
+              <a:lnRef idx="2">
+                <a:schemeClr val="dk1"/>
+              </a:lnRef>
+              <a:fillRef idx="1">
+                <a:schemeClr val="lt1"/>
+              </a:fillRef>
+              <a:effectRef idx="0">
+                <a:schemeClr val="dk1"/>
+              </a:effectRef>
+              <a:fontRef idx="minor">
+                <a:schemeClr val="dk1"/>
+              </a:fontRef>
+            </p:style>
+            <p:txBody>
+              <a:bodyPr rtlCol="0" anchor="ctr"/>
+              <a:lstStyle/>
+              <a:p>
+                <a:pPr algn="ctr"/>
+                <a:r>
+                  <a:rPr lang="es-MX" dirty="0"/>
+                  <a:t>Datos de prueba</a:t>
+                </a:r>
+                <a:endParaRPr lang="es-ES" dirty="0"/>
+              </a:p>
+            </p:txBody>
+          </p:sp>
+          <p:cxnSp>
+            <p:nvCxnSpPr>
+              <p:cNvPr id="36" name="Conector recto de flecha 35"/>
+              <p:cNvCxnSpPr/>
+              <p:nvPr/>
+            </p:nvCxnSpPr>
+            <p:spPr>
+              <a:xfrm flipV="1">
+                <a:off x="8783689" y="5313253"/>
+                <a:ext cx="1" cy="958620"/>
+              </a:xfrm>
+              <a:prstGeom prst="straightConnector1">
+                <a:avLst/>
+              </a:prstGeom>
+              <a:ln>
+                <a:tailEnd type="triangle"/>
+              </a:ln>
+            </p:spPr>
+            <p:style>
+              <a:lnRef idx="3">
+                <a:schemeClr val="dk1"/>
+              </a:lnRef>
+              <a:fillRef idx="0">
+                <a:schemeClr val="dk1"/>
+              </a:fillRef>
+              <a:effectRef idx="2">
+                <a:schemeClr val="dk1"/>
+              </a:effectRef>
+              <a:fontRef idx="minor">
+                <a:schemeClr val="tx1"/>
+              </a:fontRef>
+            </p:style>
+          </p:cxnSp>
+          <p:cxnSp>
+            <p:nvCxnSpPr>
+              <p:cNvPr id="37" name="Conector recto 36"/>
+              <p:cNvCxnSpPr/>
+              <p:nvPr/>
+            </p:nvCxnSpPr>
+            <p:spPr>
+              <a:xfrm flipH="1">
+                <a:off x="8700416" y="5762834"/>
+                <a:ext cx="180360" cy="180360"/>
+              </a:xfrm>
+              <a:prstGeom prst="line">
+                <a:avLst/>
+              </a:prstGeom>
+            </p:spPr>
+            <p:style>
+              <a:lnRef idx="1">
+                <a:schemeClr val="dk1"/>
+              </a:lnRef>
+              <a:fillRef idx="0">
+                <a:schemeClr val="dk1"/>
+              </a:fillRef>
+              <a:effectRef idx="0">
+                <a:schemeClr val="dk1"/>
+              </a:effectRef>
+              <a:fontRef idx="minor">
+                <a:schemeClr val="tx1"/>
+              </a:fontRef>
+            </p:style>
+          </p:cxnSp>
+          <p:sp>
+            <p:nvSpPr>
+              <p:cNvPr id="38" name="CuadroTexto 37"/>
+              <p:cNvSpPr txBox="1"/>
+              <p:nvPr/>
+            </p:nvSpPr>
+            <p:spPr>
+              <a:xfrm>
+                <a:off x="8525020" y="5647902"/>
+                <a:ext cx="276038" cy="307777"/>
+              </a:xfrm>
+              <a:prstGeom prst="rect">
+                <a:avLst/>
+              </a:prstGeom>
+              <a:noFill/>
+            </p:spPr>
+            <p:txBody>
+              <a:bodyPr wrap="none" rtlCol="0">
+                <a:spAutoFit/>
+              </a:bodyPr>
+              <a:lstStyle/>
+              <a:p>
+                <a:r>
+                  <a:rPr lang="x-none" sz="1400" dirty="0"/>
+                  <a:t>5</a:t>
+                </a:r>
+              </a:p>
+            </p:txBody>
+          </p:sp>
+          <p:sp>
+            <p:nvSpPr>
+              <p:cNvPr id="39" name="CuadroTexto 38"/>
+              <p:cNvSpPr txBox="1"/>
+              <p:nvPr/>
+            </p:nvSpPr>
+            <p:spPr>
+              <a:xfrm>
+                <a:off x="8976454" y="5853014"/>
+                <a:ext cx="2006703" cy="646331"/>
+              </a:xfrm>
+              <a:prstGeom prst="rect">
+                <a:avLst/>
+              </a:prstGeom>
+              <a:noFill/>
+            </p:spPr>
+            <p:txBody>
+              <a:bodyPr wrap="none" rtlCol="0">
+                <a:spAutoFit/>
+              </a:bodyPr>
+              <a:lstStyle/>
+              <a:p>
+                <a:r>
+                  <a:rPr lang="x-none" dirty="0"/>
+                  <a:t>Botones</a:t>
+                </a:r>
+              </a:p>
+              <a:p>
+                <a:r>
+                  <a:rPr lang="x-none" dirty="0"/>
+                  <a:t>Lp, Up, Down, Tone</a:t>
+                </a:r>
+              </a:p>
+            </p:txBody>
+          </p:sp>
+          <p:cxnSp>
+            <p:nvCxnSpPr>
+              <p:cNvPr id="40" name="Conector recto de flecha 39"/>
+              <p:cNvCxnSpPr/>
+              <p:nvPr/>
+            </p:nvCxnSpPr>
+            <p:spPr>
+              <a:xfrm>
+                <a:off x="9765736" y="4279066"/>
+                <a:ext cx="1224794" cy="0"/>
+              </a:xfrm>
+              <a:prstGeom prst="straightConnector1">
+                <a:avLst/>
+              </a:prstGeom>
+              <a:ln>
+                <a:tailEnd type="triangle"/>
+              </a:ln>
+            </p:spPr>
+            <p:style>
+              <a:lnRef idx="3">
+                <a:schemeClr val="dk1"/>
+              </a:lnRef>
+              <a:fillRef idx="0">
+                <a:schemeClr val="dk1"/>
+              </a:fillRef>
+              <a:effectRef idx="2">
+                <a:schemeClr val="dk1"/>
+              </a:effectRef>
+              <a:fontRef idx="minor">
+                <a:schemeClr val="tx1"/>
+              </a:fontRef>
+            </p:style>
+          </p:cxnSp>
+          <p:sp>
+            <p:nvSpPr>
+              <p:cNvPr id="41" name="CuadroTexto 40"/>
+              <p:cNvSpPr txBox="1"/>
+              <p:nvPr/>
+            </p:nvSpPr>
+            <p:spPr>
+              <a:xfrm>
+                <a:off x="10787412" y="3951298"/>
+                <a:ext cx="309700" cy="369332"/>
+              </a:xfrm>
+              <a:prstGeom prst="rect">
+                <a:avLst/>
+              </a:prstGeom>
+              <a:noFill/>
+            </p:spPr>
+            <p:txBody>
+              <a:bodyPr wrap="none" rtlCol="0">
+                <a:spAutoFit/>
+              </a:bodyPr>
+              <a:lstStyle/>
+              <a:p>
+                <a:r>
+                  <a:rPr lang="x-none" dirty="0"/>
+                  <a:t>R</a:t>
+                </a:r>
+              </a:p>
+            </p:txBody>
+          </p:sp>
+          <p:cxnSp>
+            <p:nvCxnSpPr>
+              <p:cNvPr id="42" name="Conector recto de flecha 41"/>
+              <p:cNvCxnSpPr/>
+              <p:nvPr/>
+            </p:nvCxnSpPr>
+            <p:spPr>
+              <a:xfrm>
+                <a:off x="9765736" y="4633085"/>
+                <a:ext cx="1224794" cy="0"/>
+              </a:xfrm>
+              <a:prstGeom prst="straightConnector1">
+                <a:avLst/>
+              </a:prstGeom>
+              <a:ln>
+                <a:tailEnd type="triangle"/>
+              </a:ln>
+            </p:spPr>
+            <p:style>
+              <a:lnRef idx="3">
+                <a:schemeClr val="dk1"/>
+              </a:lnRef>
+              <a:fillRef idx="0">
+                <a:schemeClr val="dk1"/>
+              </a:fillRef>
+              <a:effectRef idx="2">
+                <a:schemeClr val="dk1"/>
+              </a:effectRef>
+              <a:fontRef idx="minor">
+                <a:schemeClr val="tx1"/>
+              </a:fontRef>
+            </p:style>
+          </p:cxnSp>
+          <p:cxnSp>
+            <p:nvCxnSpPr>
+              <p:cNvPr id="43" name="Conector recto de flecha 42"/>
+              <p:cNvCxnSpPr/>
+              <p:nvPr/>
+            </p:nvCxnSpPr>
+            <p:spPr>
+              <a:xfrm>
+                <a:off x="9765736" y="5015471"/>
+                <a:ext cx="1224794" cy="0"/>
+              </a:xfrm>
+              <a:prstGeom prst="straightConnector1">
+                <a:avLst/>
+              </a:prstGeom>
+              <a:ln>
+                <a:tailEnd type="triangle"/>
+              </a:ln>
+            </p:spPr>
+            <p:style>
+              <a:lnRef idx="3">
+                <a:schemeClr val="dk1"/>
+              </a:lnRef>
+              <a:fillRef idx="0">
+                <a:schemeClr val="dk1"/>
+              </a:fillRef>
+              <a:effectRef idx="2">
+                <a:schemeClr val="dk1"/>
+              </a:effectRef>
+              <a:fontRef idx="minor">
+                <a:schemeClr val="tx1"/>
+              </a:fontRef>
+            </p:style>
+          </p:cxnSp>
+          <p:sp>
+            <p:nvSpPr>
+              <p:cNvPr id="44" name="CuadroTexto 43"/>
+              <p:cNvSpPr txBox="1"/>
+              <p:nvPr/>
+            </p:nvSpPr>
+            <p:spPr>
+              <a:xfrm>
+                <a:off x="10787412" y="4312973"/>
+                <a:ext cx="330540" cy="369332"/>
+              </a:xfrm>
+              <a:prstGeom prst="rect">
+                <a:avLst/>
+              </a:prstGeom>
+              <a:noFill/>
+            </p:spPr>
+            <p:txBody>
+              <a:bodyPr wrap="none" rtlCol="0">
+                <a:spAutoFit/>
+              </a:bodyPr>
+              <a:lstStyle/>
+              <a:p>
+                <a:r>
+                  <a:rPr lang="x-none" dirty="0"/>
+                  <a:t>G</a:t>
+                </a:r>
+              </a:p>
+            </p:txBody>
+          </p:sp>
+          <p:sp>
+            <p:nvSpPr>
+              <p:cNvPr id="45" name="CuadroTexto 44"/>
+              <p:cNvSpPr txBox="1"/>
+              <p:nvPr/>
+            </p:nvSpPr>
+            <p:spPr>
+              <a:xfrm>
+                <a:off x="10787412" y="4682305"/>
+                <a:ext cx="309700" cy="369332"/>
+              </a:xfrm>
+              <a:prstGeom prst="rect">
+                <a:avLst/>
+              </a:prstGeom>
+              <a:noFill/>
+            </p:spPr>
+            <p:txBody>
+              <a:bodyPr wrap="none" rtlCol="0">
+                <a:spAutoFit/>
+              </a:bodyPr>
+              <a:lstStyle/>
+              <a:p>
+                <a:r>
+                  <a:rPr lang="x-none" dirty="0"/>
+                  <a:t>B</a:t>
+                </a:r>
+              </a:p>
+            </p:txBody>
+          </p:sp>
+          <p:cxnSp>
+            <p:nvCxnSpPr>
+              <p:cNvPr id="46" name="Conector recto 45"/>
+              <p:cNvCxnSpPr/>
+              <p:nvPr/>
+            </p:nvCxnSpPr>
+            <p:spPr>
+              <a:xfrm flipH="1">
+                <a:off x="10150125" y="4196805"/>
+                <a:ext cx="191193" cy="191193"/>
+              </a:xfrm>
+              <a:prstGeom prst="line">
+                <a:avLst/>
+              </a:prstGeom>
+            </p:spPr>
+            <p:style>
+              <a:lnRef idx="1">
+                <a:schemeClr val="dk1"/>
+              </a:lnRef>
+              <a:fillRef idx="0">
+                <a:schemeClr val="dk1"/>
+              </a:fillRef>
+              <a:effectRef idx="0">
+                <a:schemeClr val="dk1"/>
+              </a:effectRef>
+              <a:fontRef idx="minor">
+                <a:schemeClr val="tx1"/>
+              </a:fontRef>
+            </p:style>
+          </p:cxnSp>
+          <p:sp>
+            <p:nvSpPr>
+              <p:cNvPr id="47" name="CuadroTexto 46"/>
+              <p:cNvSpPr txBox="1"/>
+              <p:nvPr/>
+            </p:nvSpPr>
+            <p:spPr>
+              <a:xfrm>
+                <a:off x="10022590" y="4058305"/>
+                <a:ext cx="263214" cy="276999"/>
+              </a:xfrm>
+              <a:prstGeom prst="rect">
+                <a:avLst/>
+              </a:prstGeom>
+              <a:noFill/>
+            </p:spPr>
+            <p:txBody>
+              <a:bodyPr wrap="none" rtlCol="0">
+                <a:spAutoFit/>
+              </a:bodyPr>
+              <a:lstStyle/>
+              <a:p>
+                <a:r>
+                  <a:rPr lang="es-MX" sz="1200" dirty="0"/>
+                  <a:t>3</a:t>
+                </a:r>
+                <a:endParaRPr lang="es-ES" sz="1200" dirty="0"/>
+              </a:p>
+            </p:txBody>
+          </p:sp>
+          <p:cxnSp>
+            <p:nvCxnSpPr>
+              <p:cNvPr id="48" name="Conector recto 47"/>
+              <p:cNvCxnSpPr/>
+              <p:nvPr/>
+            </p:nvCxnSpPr>
+            <p:spPr>
+              <a:xfrm flipH="1">
+                <a:off x="10158463" y="4527857"/>
+                <a:ext cx="191193" cy="191193"/>
+              </a:xfrm>
+              <a:prstGeom prst="line">
+                <a:avLst/>
+              </a:prstGeom>
+            </p:spPr>
+            <p:style>
+              <a:lnRef idx="1">
+                <a:schemeClr val="dk1"/>
+              </a:lnRef>
+              <a:fillRef idx="0">
+                <a:schemeClr val="dk1"/>
+              </a:fillRef>
+              <a:effectRef idx="0">
+                <a:schemeClr val="dk1"/>
+              </a:effectRef>
+              <a:fontRef idx="minor">
+                <a:schemeClr val="tx1"/>
+              </a:fontRef>
+            </p:style>
+          </p:cxnSp>
+          <p:sp>
+            <p:nvSpPr>
+              <p:cNvPr id="49" name="CuadroTexto 48"/>
+              <p:cNvSpPr txBox="1"/>
+              <p:nvPr/>
+            </p:nvSpPr>
+            <p:spPr>
+              <a:xfrm>
+                <a:off x="10030928" y="4389357"/>
+                <a:ext cx="263214" cy="276999"/>
+              </a:xfrm>
+              <a:prstGeom prst="rect">
+                <a:avLst/>
+              </a:prstGeom>
+              <a:noFill/>
+            </p:spPr>
+            <p:txBody>
+              <a:bodyPr wrap="none" rtlCol="0">
+                <a:spAutoFit/>
+              </a:bodyPr>
+              <a:lstStyle/>
+              <a:p>
+                <a:r>
+                  <a:rPr lang="es-MX" sz="1200" dirty="0"/>
+                  <a:t>3</a:t>
+                </a:r>
+                <a:endParaRPr lang="es-ES" sz="1200" dirty="0"/>
+              </a:p>
+            </p:txBody>
+          </p:sp>
+          <p:cxnSp>
+            <p:nvCxnSpPr>
+              <p:cNvPr id="50" name="Conector recto 49"/>
+              <p:cNvCxnSpPr/>
+              <p:nvPr/>
+            </p:nvCxnSpPr>
+            <p:spPr>
+              <a:xfrm flipH="1">
+                <a:off x="10154366" y="4913138"/>
+                <a:ext cx="191193" cy="191193"/>
+              </a:xfrm>
+              <a:prstGeom prst="line">
+                <a:avLst/>
+              </a:prstGeom>
+            </p:spPr>
+            <p:style>
+              <a:lnRef idx="1">
+                <a:schemeClr val="dk1"/>
+              </a:lnRef>
+              <a:fillRef idx="0">
+                <a:schemeClr val="dk1"/>
+              </a:fillRef>
+              <a:effectRef idx="0">
+                <a:schemeClr val="dk1"/>
+              </a:effectRef>
+              <a:fontRef idx="minor">
+                <a:schemeClr val="tx1"/>
+              </a:fontRef>
+            </p:style>
+          </p:cxnSp>
+          <p:sp>
+            <p:nvSpPr>
+              <p:cNvPr id="51" name="CuadroTexto 50"/>
+              <p:cNvSpPr txBox="1"/>
+              <p:nvPr/>
+            </p:nvSpPr>
+            <p:spPr>
+              <a:xfrm>
+                <a:off x="10026831" y="4774638"/>
+                <a:ext cx="263214" cy="276999"/>
+              </a:xfrm>
+              <a:prstGeom prst="rect">
+                <a:avLst/>
+              </a:prstGeom>
+              <a:noFill/>
+            </p:spPr>
+            <p:txBody>
+              <a:bodyPr wrap="none" rtlCol="0">
+                <a:spAutoFit/>
+              </a:bodyPr>
+              <a:lstStyle/>
+              <a:p>
+                <a:r>
+                  <a:rPr lang="es-MX" sz="1200" dirty="0"/>
+                  <a:t>2</a:t>
+                </a:r>
+                <a:endParaRPr lang="es-ES" sz="1200" dirty="0"/>
+              </a:p>
+            </p:txBody>
+          </p:sp>
+          <p:cxnSp>
+            <p:nvCxnSpPr>
+              <p:cNvPr id="52" name="Conector recto de flecha 51"/>
+              <p:cNvCxnSpPr/>
+              <p:nvPr/>
+            </p:nvCxnSpPr>
+            <p:spPr>
+              <a:xfrm>
+                <a:off x="6575863" y="4223526"/>
+                <a:ext cx="1224794" cy="0"/>
+              </a:xfrm>
+              <a:prstGeom prst="straightConnector1">
+                <a:avLst/>
+              </a:prstGeom>
+              <a:ln>
+                <a:tailEnd type="triangle"/>
+              </a:ln>
+            </p:spPr>
+            <p:style>
+              <a:lnRef idx="3">
+                <a:schemeClr val="dk1"/>
+              </a:lnRef>
+              <a:fillRef idx="0">
+                <a:schemeClr val="dk1"/>
+              </a:fillRef>
+              <a:effectRef idx="2">
+                <a:schemeClr val="dk1"/>
+              </a:effectRef>
+              <a:fontRef idx="minor">
+                <a:schemeClr val="tx1"/>
+              </a:fontRef>
+            </p:style>
+          </p:cxnSp>
+          <p:sp>
+            <p:nvSpPr>
+              <p:cNvPr id="53" name="Elipse 52"/>
+              <p:cNvSpPr/>
+              <p:nvPr/>
+            </p:nvSpPr>
+            <p:spPr>
+              <a:xfrm>
+                <a:off x="7336016" y="1875517"/>
+                <a:ext cx="124692" cy="124692"/>
+              </a:xfrm>
+              <a:prstGeom prst="ellipse">
+                <a:avLst/>
+              </a:prstGeom>
+            </p:spPr>
+            <p:style>
+              <a:lnRef idx="2">
+                <a:schemeClr val="dk1">
+                  <a:shade val="50000"/>
+                </a:schemeClr>
+              </a:lnRef>
+              <a:fillRef idx="1">
+                <a:schemeClr val="dk1"/>
+              </a:fillRef>
+              <a:effectRef idx="0">
+                <a:schemeClr val="dk1"/>
+              </a:effectRef>
+              <a:fontRef idx="minor">
+                <a:schemeClr val="lt1"/>
+              </a:fontRef>
+            </p:style>
+            <p:txBody>
+              <a:bodyPr rtlCol="0" anchor="ctr"/>
+              <a:lstStyle/>
+              <a:p>
+                <a:pPr algn="ctr"/>
+                <a:endParaRPr lang="es-ES"/>
+              </a:p>
+            </p:txBody>
+          </p:sp>
+          <p:sp>
+            <p:nvSpPr>
+              <p:cNvPr id="54" name="Elipse 53"/>
+              <p:cNvSpPr/>
+              <p:nvPr/>
+            </p:nvSpPr>
+            <p:spPr>
+              <a:xfrm>
+                <a:off x="6962508" y="2429039"/>
+                <a:ext cx="124692" cy="124692"/>
+              </a:xfrm>
+              <a:prstGeom prst="ellipse">
+                <a:avLst/>
+              </a:prstGeom>
+            </p:spPr>
+            <p:style>
+              <a:lnRef idx="2">
+                <a:schemeClr val="dk1">
+                  <a:shade val="50000"/>
+                </a:schemeClr>
+              </a:lnRef>
+              <a:fillRef idx="1">
+                <a:schemeClr val="dk1"/>
+              </a:fillRef>
+              <a:effectRef idx="0">
+                <a:schemeClr val="dk1"/>
+              </a:effectRef>
+              <a:fontRef idx="minor">
+                <a:schemeClr val="lt1"/>
+              </a:fontRef>
+            </p:style>
+            <p:txBody>
+              <a:bodyPr rtlCol="0" anchor="ctr"/>
+              <a:lstStyle/>
+              <a:p>
+                <a:pPr algn="ctr"/>
+                <a:endParaRPr lang="es-ES"/>
+              </a:p>
+            </p:txBody>
+          </p:sp>
+          <p:cxnSp>
+            <p:nvCxnSpPr>
+              <p:cNvPr id="55" name="Conector angular 55"/>
+              <p:cNvCxnSpPr>
+                <a:stCxn id="54" idx="4"/>
+                <a:endCxn id="12" idx="1"/>
+              </p:cNvCxnSpPr>
+              <p:nvPr/>
+            </p:nvCxnSpPr>
+            <p:spPr>
+              <a:xfrm rot="5400000">
+                <a:off x="4980628" y="2181673"/>
+                <a:ext cx="1672168" cy="2416285"/>
+              </a:xfrm>
+              <a:prstGeom prst="bentConnector4">
+                <a:avLst>
+                  <a:gd name="adj1" fmla="val 66903"/>
+                  <a:gd name="adj2" fmla="val 109461"/>
+                </a:avLst>
+              </a:prstGeom>
+              <a:ln>
+                <a:tailEnd type="triangle"/>
+              </a:ln>
+            </p:spPr>
+            <p:style>
+              <a:lnRef idx="3">
+                <a:schemeClr val="dk1"/>
+              </a:lnRef>
+              <a:fillRef idx="0">
+                <a:schemeClr val="dk1"/>
+              </a:fillRef>
+              <a:effectRef idx="2">
+                <a:schemeClr val="dk1"/>
+              </a:effectRef>
+              <a:fontRef idx="minor">
+                <a:schemeClr val="tx1"/>
+              </a:fontRef>
+            </p:style>
+          </p:cxnSp>
+          <p:cxnSp>
+            <p:nvCxnSpPr>
+              <p:cNvPr id="56" name="Conector angular 57"/>
+              <p:cNvCxnSpPr>
+                <a:stCxn id="53" idx="4"/>
+                <a:endCxn id="13" idx="1"/>
+              </p:cNvCxnSpPr>
+              <p:nvPr/>
+            </p:nvCxnSpPr>
+            <p:spPr>
+              <a:xfrm rot="5400000">
+                <a:off x="4683414" y="1925365"/>
+                <a:ext cx="2640105" cy="2789793"/>
+              </a:xfrm>
+              <a:prstGeom prst="bentConnector4">
+                <a:avLst>
+                  <a:gd name="adj1" fmla="val 57242"/>
+                  <a:gd name="adj2" fmla="val 113260"/>
+                </a:avLst>
+              </a:prstGeom>
+              <a:ln>
+                <a:tailEnd type="triangle"/>
+              </a:ln>
+            </p:spPr>
+            <p:style>
+              <a:lnRef idx="3">
+                <a:schemeClr val="dk1"/>
+              </a:lnRef>
+              <a:fillRef idx="0">
+                <a:schemeClr val="dk1"/>
+              </a:fillRef>
+              <a:effectRef idx="2">
+                <a:schemeClr val="dk1"/>
+              </a:effectRef>
+              <a:fontRef idx="minor">
+                <a:schemeClr val="tx1"/>
+              </a:fontRef>
+            </p:style>
+          </p:cxnSp>
+          <p:sp>
+            <p:nvSpPr>
+              <p:cNvPr id="57" name="CuadroTexto 56"/>
+              <p:cNvSpPr txBox="1"/>
+              <p:nvPr/>
+            </p:nvSpPr>
+            <p:spPr>
+              <a:xfrm>
+                <a:off x="205965" y="2561428"/>
+                <a:ext cx="701987" cy="369332"/>
+              </a:xfrm>
+              <a:prstGeom prst="rect">
+                <a:avLst/>
+              </a:prstGeom>
+              <a:noFill/>
+            </p:spPr>
+            <p:txBody>
+              <a:bodyPr wrap="none" rtlCol="0">
+                <a:spAutoFit/>
+              </a:bodyPr>
+              <a:lstStyle/>
+              <a:p>
+                <a:r>
+                  <a:rPr lang="x-none" dirty="0" err="1"/>
+                  <a:t>Reset</a:t>
+                </a:r>
+                <a:endParaRPr lang="x-none" dirty="0"/>
+              </a:p>
+            </p:txBody>
+          </p:sp>
+          <p:cxnSp>
+            <p:nvCxnSpPr>
+              <p:cNvPr id="58" name="Conector recto de flecha 57"/>
+              <p:cNvCxnSpPr/>
+              <p:nvPr/>
+            </p:nvCxnSpPr>
+            <p:spPr>
+              <a:xfrm>
+                <a:off x="831764" y="2769754"/>
+                <a:ext cx="3793431" cy="0"/>
+              </a:xfrm>
+              <a:prstGeom prst="straightConnector1">
+                <a:avLst/>
+              </a:prstGeom>
+              <a:ln>
+                <a:tailEnd type="triangle"/>
+              </a:ln>
+            </p:spPr>
+            <p:style>
+              <a:lnRef idx="3">
+                <a:schemeClr val="dk1"/>
+              </a:lnRef>
+              <a:fillRef idx="0">
+                <a:schemeClr val="dk1"/>
+              </a:fillRef>
+              <a:effectRef idx="2">
+                <a:schemeClr val="dk1"/>
+              </a:effectRef>
+              <a:fontRef idx="minor">
+                <a:schemeClr val="tx1"/>
+              </a:fontRef>
+            </p:style>
+          </p:cxnSp>
+          <p:sp>
+            <p:nvSpPr>
+              <p:cNvPr id="59" name="Elipse 58"/>
+              <p:cNvSpPr/>
+              <p:nvPr/>
+            </p:nvSpPr>
+            <p:spPr>
+              <a:xfrm>
+                <a:off x="3913435" y="2728137"/>
+                <a:ext cx="108067" cy="108067"/>
+              </a:xfrm>
+              <a:prstGeom prst="ellipse">
+                <a:avLst/>
+              </a:prstGeom>
+            </p:spPr>
+            <p:style>
+              <a:lnRef idx="2">
+                <a:schemeClr val="dk1">
+                  <a:shade val="50000"/>
+                </a:schemeClr>
+              </a:lnRef>
+              <a:fillRef idx="1">
+                <a:schemeClr val="dk1"/>
+              </a:fillRef>
+              <a:effectRef idx="0">
+                <a:schemeClr val="dk1"/>
+              </a:effectRef>
+              <a:fontRef idx="minor">
+                <a:schemeClr val="lt1"/>
+              </a:fontRef>
+            </p:style>
+            <p:txBody>
+              <a:bodyPr rtlCol="0" anchor="ctr"/>
+              <a:lstStyle/>
+              <a:p>
+                <a:pPr algn="ctr"/>
+                <a:endParaRPr lang="es-ES"/>
+              </a:p>
+            </p:txBody>
+          </p:sp>
+          <p:cxnSp>
+            <p:nvCxnSpPr>
+              <p:cNvPr id="65" name="Conector angular 90"/>
+              <p:cNvCxnSpPr>
+                <a:endCxn id="11" idx="1"/>
+              </p:cNvCxnSpPr>
+              <p:nvPr/>
+            </p:nvCxnSpPr>
+            <p:spPr>
+              <a:xfrm rot="5400000" flipH="1" flipV="1">
+                <a:off x="5844136" y="3178707"/>
+                <a:ext cx="83593" cy="3829454"/>
+              </a:xfrm>
+              <a:prstGeom prst="bentConnector4">
+                <a:avLst>
+                  <a:gd name="adj1" fmla="val -532021"/>
+                  <a:gd name="adj2" fmla="val 85871"/>
+                </a:avLst>
+              </a:prstGeom>
+              <a:ln>
+                <a:tailEnd type="triangle"/>
+              </a:ln>
+            </p:spPr>
+            <p:style>
+              <a:lnRef idx="3">
+                <a:schemeClr val="dk1"/>
+              </a:lnRef>
+              <a:fillRef idx="0">
+                <a:schemeClr val="dk1"/>
+              </a:fillRef>
+              <a:effectRef idx="2">
+                <a:schemeClr val="dk1"/>
+              </a:effectRef>
+              <a:fontRef idx="minor">
+                <a:schemeClr val="tx1"/>
+              </a:fontRef>
+            </p:style>
+          </p:cxnSp>
+        </p:grpSp>
         <p:cxnSp>
           <p:nvCxnSpPr>
-            <p:cNvPr id="15" name="Conector recto de flecha 14"/>
-            <p:cNvCxnSpPr/>
-            <p:nvPr/>
-          </p:nvCxnSpPr>
-          <p:spPr>
-            <a:xfrm>
-              <a:off x="9765736" y="2184259"/>
-              <a:ext cx="1224794" cy="0"/>
-            </a:xfrm>
-            <a:prstGeom prst="straightConnector1">
-              <a:avLst/>
-            </a:prstGeom>
-            <a:ln>
-              <a:tailEnd type="triangle"/>
-            </a:ln>
-          </p:spPr>
-          <p:style>
-            <a:lnRef idx="3">
-              <a:schemeClr val="dk1"/>
-            </a:lnRef>
-            <a:fillRef idx="0">
-              <a:schemeClr val="dk1"/>
-            </a:fillRef>
-            <a:effectRef idx="2">
-              <a:schemeClr val="dk1"/>
-            </a:effectRef>
-            <a:fontRef idx="minor">
-              <a:schemeClr val="tx1"/>
-            </a:fontRef>
-          </p:style>
-        </p:cxnSp>
-        <p:sp>
-          <p:nvSpPr>
-            <p:cNvPr id="16" name="CuadroTexto 15"/>
-            <p:cNvSpPr txBox="1"/>
-            <p:nvPr/>
-          </p:nvSpPr>
-          <p:spPr>
-            <a:xfrm>
-              <a:off x="10529136" y="1796970"/>
-              <a:ext cx="826252" cy="369332"/>
-            </a:xfrm>
-            <a:prstGeom prst="rect">
-              <a:avLst/>
-            </a:prstGeom>
-            <a:noFill/>
-          </p:spPr>
-          <p:txBody>
-            <a:bodyPr wrap="none" rtlCol="0">
-              <a:spAutoFit/>
-            </a:bodyPr>
-            <a:lstStyle/>
-            <a:p>
-              <a:r>
-                <a:rPr lang="x-none" dirty="0"/>
-                <a:t>H-</a:t>
-              </a:r>
-              <a:r>
-                <a:rPr lang="x-none" dirty="0" err="1"/>
-                <a:t>Sync</a:t>
-              </a:r>
-              <a:endParaRPr lang="x-none" dirty="0"/>
-            </a:p>
-          </p:txBody>
-        </p:sp>
-        <p:cxnSp>
-          <p:nvCxnSpPr>
-            <p:cNvPr id="17" name="Conector recto de flecha 16"/>
-            <p:cNvCxnSpPr/>
-            <p:nvPr/>
-          </p:nvCxnSpPr>
-          <p:spPr>
-            <a:xfrm>
-              <a:off x="9765736" y="2746094"/>
-              <a:ext cx="1224794" cy="0"/>
-            </a:xfrm>
-            <a:prstGeom prst="straightConnector1">
-              <a:avLst/>
-            </a:prstGeom>
-            <a:ln>
-              <a:tailEnd type="triangle"/>
-            </a:ln>
-          </p:spPr>
-          <p:style>
-            <a:lnRef idx="3">
-              <a:schemeClr val="dk1"/>
-            </a:lnRef>
-            <a:fillRef idx="0">
-              <a:schemeClr val="dk1"/>
-            </a:fillRef>
-            <a:effectRef idx="2">
-              <a:schemeClr val="dk1"/>
-            </a:effectRef>
-            <a:fontRef idx="minor">
-              <a:schemeClr val="tx1"/>
-            </a:fontRef>
-          </p:style>
-        </p:cxnSp>
-        <p:sp>
-          <p:nvSpPr>
-            <p:cNvPr id="18" name="CuadroTexto 17"/>
-            <p:cNvSpPr txBox="1"/>
-            <p:nvPr/>
-          </p:nvSpPr>
-          <p:spPr>
-            <a:xfrm>
-              <a:off x="10529136" y="2358805"/>
-              <a:ext cx="826252" cy="369332"/>
-            </a:xfrm>
-            <a:prstGeom prst="rect">
-              <a:avLst/>
-            </a:prstGeom>
-            <a:noFill/>
-          </p:spPr>
-          <p:txBody>
-            <a:bodyPr wrap="none" rtlCol="0">
-              <a:spAutoFit/>
-            </a:bodyPr>
-            <a:lstStyle/>
-            <a:p>
-              <a:r>
-                <a:rPr lang="x-none" dirty="0"/>
-                <a:t>V-</a:t>
-              </a:r>
-              <a:r>
-                <a:rPr lang="x-none" dirty="0" err="1"/>
-                <a:t>Sync</a:t>
-              </a:r>
-              <a:endParaRPr lang="x-none" dirty="0"/>
-            </a:p>
-          </p:txBody>
-        </p:sp>
-        <p:sp>
-          <p:nvSpPr>
-            <p:cNvPr id="19" name="CuadroTexto 18"/>
-            <p:cNvSpPr txBox="1"/>
-            <p:nvPr/>
-          </p:nvSpPr>
-          <p:spPr>
-            <a:xfrm>
-              <a:off x="9938590" y="1874744"/>
-              <a:ext cx="579005" cy="276999"/>
-            </a:xfrm>
-            <a:prstGeom prst="rect">
-              <a:avLst/>
-            </a:prstGeom>
-            <a:noFill/>
-          </p:spPr>
-          <p:txBody>
-            <a:bodyPr wrap="none" rtlCol="0">
-              <a:spAutoFit/>
-            </a:bodyPr>
-            <a:lstStyle/>
-            <a:p>
-              <a:r>
-                <a:rPr lang="x-none" sz="1200" dirty="0"/>
-                <a:t>15KHz</a:t>
-              </a:r>
-            </a:p>
-          </p:txBody>
-        </p:sp>
-        <p:sp>
-          <p:nvSpPr>
-            <p:cNvPr id="20" name="CuadroTexto 19"/>
-            <p:cNvSpPr txBox="1"/>
-            <p:nvPr/>
-          </p:nvSpPr>
-          <p:spPr>
-            <a:xfrm>
-              <a:off x="9938590" y="2480397"/>
-              <a:ext cx="498855" cy="276999"/>
-            </a:xfrm>
-            <a:prstGeom prst="rect">
-              <a:avLst/>
-            </a:prstGeom>
-            <a:noFill/>
-          </p:spPr>
-          <p:txBody>
-            <a:bodyPr wrap="none" rtlCol="0">
-              <a:spAutoFit/>
-            </a:bodyPr>
-            <a:lstStyle/>
-            <a:p>
-              <a:r>
-                <a:rPr lang="x-none" sz="1200" dirty="0"/>
-                <a:t>60Hz</a:t>
-              </a:r>
-            </a:p>
-          </p:txBody>
-        </p:sp>
-        <p:sp>
-          <p:nvSpPr>
-            <p:cNvPr id="21" name="Rectángulo 20"/>
-            <p:cNvSpPr/>
-            <p:nvPr/>
-          </p:nvSpPr>
-          <p:spPr>
-            <a:xfrm>
-              <a:off x="4625195" y="1763718"/>
-              <a:ext cx="1953490" cy="1346662"/>
-            </a:xfrm>
-            <a:prstGeom prst="rect">
-              <a:avLst/>
-            </a:prstGeom>
-          </p:spPr>
-          <p:style>
-            <a:lnRef idx="2">
-              <a:schemeClr val="dk1"/>
-            </a:lnRef>
-            <a:fillRef idx="1">
-              <a:schemeClr val="lt1"/>
-            </a:fillRef>
-            <a:effectRef idx="0">
-              <a:schemeClr val="dk1"/>
-            </a:effectRef>
-            <a:fontRef idx="minor">
-              <a:schemeClr val="dk1"/>
-            </a:fontRef>
-          </p:style>
-          <p:txBody>
-            <a:bodyPr rtlCol="0" anchor="ctr"/>
-            <a:lstStyle/>
-            <a:p>
-              <a:pPr algn="ctr"/>
-              <a:r>
-                <a:rPr lang="es-MX" dirty="0"/>
-                <a:t>Contadores</a:t>
-              </a:r>
-              <a:endParaRPr lang="es-ES" dirty="0"/>
-            </a:p>
-          </p:txBody>
-        </p:sp>
-        <p:cxnSp>
-          <p:nvCxnSpPr>
-            <p:cNvPr id="22" name="Conector recto de flecha 21"/>
-            <p:cNvCxnSpPr/>
-            <p:nvPr/>
-          </p:nvCxnSpPr>
-          <p:spPr>
-            <a:xfrm>
-              <a:off x="6575863" y="1929551"/>
-              <a:ext cx="1224794" cy="0"/>
-            </a:xfrm>
-            <a:prstGeom prst="straightConnector1">
-              <a:avLst/>
-            </a:prstGeom>
-            <a:ln>
-              <a:tailEnd type="triangle"/>
-            </a:ln>
-          </p:spPr>
-          <p:style>
-            <a:lnRef idx="3">
-              <a:schemeClr val="dk1"/>
-            </a:lnRef>
-            <a:fillRef idx="0">
-              <a:schemeClr val="dk1"/>
-            </a:fillRef>
-            <a:effectRef idx="2">
-              <a:schemeClr val="dk1"/>
-            </a:effectRef>
-            <a:fontRef idx="minor">
-              <a:schemeClr val="tx1"/>
-            </a:fontRef>
-          </p:style>
-        </p:cxnSp>
-        <p:cxnSp>
-          <p:nvCxnSpPr>
-            <p:cNvPr id="23" name="Conector recto de flecha 22"/>
-            <p:cNvCxnSpPr/>
-            <p:nvPr/>
-          </p:nvCxnSpPr>
-          <p:spPr>
-            <a:xfrm>
-              <a:off x="6575863" y="2491386"/>
-              <a:ext cx="1224794" cy="0"/>
-            </a:xfrm>
-            <a:prstGeom prst="straightConnector1">
-              <a:avLst/>
-            </a:prstGeom>
-            <a:ln>
-              <a:tailEnd type="triangle"/>
-            </a:ln>
-          </p:spPr>
-          <p:style>
-            <a:lnRef idx="3">
-              <a:schemeClr val="dk1"/>
-            </a:lnRef>
-            <a:fillRef idx="0">
-              <a:schemeClr val="dk1"/>
-            </a:fillRef>
-            <a:effectRef idx="2">
-              <a:schemeClr val="dk1"/>
-            </a:effectRef>
-            <a:fontRef idx="minor">
-              <a:schemeClr val="tx1"/>
-            </a:fontRef>
-          </p:style>
-        </p:cxnSp>
-        <p:cxnSp>
-          <p:nvCxnSpPr>
-            <p:cNvPr id="24" name="Conector recto 23"/>
-            <p:cNvCxnSpPr/>
+            <p:cNvPr id="31" name="Conector recto 30"/>
+            <p:cNvCxnSpPr>
+              <a:stCxn id="59" idx="4"/>
+            </p:cNvCxnSpPr>
             <p:nvPr/>
           </p:nvCxnSpPr>
           <p:spPr>
             <a:xfrm flipH="1">
-              <a:off x="6681811" y="1833954"/>
-              <a:ext cx="191193" cy="191193"/>
+              <a:off x="3967468" y="2836204"/>
+              <a:ext cx="1" cy="2314895"/>
             </a:xfrm>
             <a:prstGeom prst="line">
               <a:avLst/>
             </a:prstGeom>
-          </p:spPr>
-          <p:style>
-            <a:lnRef idx="1">
-              <a:schemeClr val="dk1"/>
-            </a:lnRef>
-            <a:fillRef idx="0">
-              <a:schemeClr val="dk1"/>
-            </a:fillRef>
-            <a:effectRef idx="0">
-              <a:schemeClr val="dk1"/>
-            </a:effectRef>
-            <a:fontRef idx="minor">
-              <a:schemeClr val="tx1"/>
-            </a:fontRef>
-          </p:style>
-        </p:cxnSp>
-        <p:cxnSp>
-          <p:nvCxnSpPr>
-            <p:cNvPr id="25" name="Conector recto 24"/>
-            <p:cNvCxnSpPr/>
-            <p:nvPr/>
-          </p:nvCxnSpPr>
-          <p:spPr>
-            <a:xfrm flipH="1">
-              <a:off x="6658779" y="2395789"/>
-              <a:ext cx="191193" cy="191193"/>
-            </a:xfrm>
-            <a:prstGeom prst="line">
-              <a:avLst/>
-            </a:prstGeom>
-          </p:spPr>
-          <p:style>
-            <a:lnRef idx="1">
-              <a:schemeClr val="dk1"/>
-            </a:lnRef>
-            <a:fillRef idx="0">
-              <a:schemeClr val="dk1"/>
-            </a:fillRef>
-            <a:effectRef idx="0">
-              <a:schemeClr val="dk1"/>
-            </a:effectRef>
-            <a:fontRef idx="minor">
-              <a:schemeClr val="tx1"/>
-            </a:fontRef>
-          </p:style>
-        </p:cxnSp>
-        <p:sp>
-          <p:nvSpPr>
-            <p:cNvPr id="26" name="CuadroTexto 25"/>
-            <p:cNvSpPr txBox="1"/>
-            <p:nvPr/>
-          </p:nvSpPr>
-          <p:spPr>
-            <a:xfrm>
-              <a:off x="6542388" y="1690688"/>
-              <a:ext cx="341760" cy="276999"/>
-            </a:xfrm>
-            <a:prstGeom prst="rect">
-              <a:avLst/>
-            </a:prstGeom>
-            <a:noFill/>
-          </p:spPr>
-          <p:txBody>
-            <a:bodyPr wrap="none" rtlCol="0">
-              <a:spAutoFit/>
-            </a:bodyPr>
-            <a:lstStyle/>
-            <a:p>
-              <a:r>
-                <a:rPr lang="es-MX" sz="1200" dirty="0"/>
-                <a:t>10</a:t>
-              </a:r>
-              <a:endParaRPr lang="es-ES" sz="1200" dirty="0"/>
-            </a:p>
-          </p:txBody>
-        </p:sp>
-        <p:sp>
-          <p:nvSpPr>
-            <p:cNvPr id="27" name="CuadroTexto 26"/>
-            <p:cNvSpPr txBox="1"/>
-            <p:nvPr/>
-          </p:nvSpPr>
-          <p:spPr>
-            <a:xfrm>
-              <a:off x="6531244" y="2257289"/>
-              <a:ext cx="341760" cy="276999"/>
-            </a:xfrm>
-            <a:prstGeom prst="rect">
-              <a:avLst/>
-            </a:prstGeom>
-            <a:noFill/>
-          </p:spPr>
-          <p:txBody>
-            <a:bodyPr wrap="none" rtlCol="0">
-              <a:spAutoFit/>
-            </a:bodyPr>
-            <a:lstStyle/>
-            <a:p>
-              <a:r>
-                <a:rPr lang="es-MX" sz="1200" dirty="0"/>
-                <a:t>10</a:t>
-              </a:r>
-              <a:endParaRPr lang="es-ES" sz="1200" dirty="0"/>
-            </a:p>
-          </p:txBody>
-        </p:sp>
-        <p:sp>
-          <p:nvSpPr>
-            <p:cNvPr id="29" name="CuadroTexto 28"/>
-            <p:cNvSpPr txBox="1"/>
-            <p:nvPr/>
-          </p:nvSpPr>
-          <p:spPr>
-            <a:xfrm>
-              <a:off x="761390" y="1830386"/>
-              <a:ext cx="665567" cy="276999"/>
-            </a:xfrm>
-            <a:prstGeom prst="rect">
-              <a:avLst/>
-            </a:prstGeom>
-            <a:noFill/>
-          </p:spPr>
-          <p:txBody>
-            <a:bodyPr wrap="none" rtlCol="0">
-              <a:spAutoFit/>
-            </a:bodyPr>
-            <a:lstStyle/>
-            <a:p>
-              <a:r>
-                <a:rPr lang="es-MX" sz="1200" dirty="0"/>
-                <a:t>50 MHz</a:t>
-              </a:r>
-              <a:endParaRPr lang="es-ES" sz="1200" dirty="0"/>
-            </a:p>
-          </p:txBody>
-        </p:sp>
-        <p:sp>
-          <p:nvSpPr>
-            <p:cNvPr id="30" name="CuadroTexto 29"/>
-            <p:cNvSpPr txBox="1"/>
-            <p:nvPr/>
-          </p:nvSpPr>
-          <p:spPr>
-            <a:xfrm>
-              <a:off x="205965" y="1907714"/>
-              <a:ext cx="684803" cy="369332"/>
-            </a:xfrm>
-            <a:prstGeom prst="rect">
-              <a:avLst/>
-            </a:prstGeom>
-            <a:noFill/>
-          </p:spPr>
-          <p:txBody>
-            <a:bodyPr wrap="none" rtlCol="0">
-              <a:spAutoFit/>
-            </a:bodyPr>
-            <a:lstStyle/>
-            <a:p>
-              <a:r>
-                <a:rPr lang="x-none" dirty="0" err="1"/>
-                <a:t>Clock</a:t>
-              </a:r>
-              <a:endParaRPr lang="x-none" dirty="0"/>
-            </a:p>
-          </p:txBody>
-        </p:sp>
-        <p:cxnSp>
-          <p:nvCxnSpPr>
-            <p:cNvPr id="32" name="Conector recto de flecha 31"/>
-            <p:cNvCxnSpPr/>
-            <p:nvPr/>
-          </p:nvCxnSpPr>
-          <p:spPr>
-            <a:xfrm>
-              <a:off x="907952" y="2233697"/>
-              <a:ext cx="3717243" cy="0"/>
-            </a:xfrm>
-            <a:prstGeom prst="straightConnector1">
-              <a:avLst/>
-            </a:prstGeom>
-            <a:ln>
-              <a:tailEnd type="triangle"/>
-            </a:ln>
-          </p:spPr>
-          <p:style>
-            <a:lnRef idx="3">
-              <a:schemeClr val="dk1"/>
-            </a:lnRef>
-            <a:fillRef idx="0">
-              <a:schemeClr val="dk1"/>
-            </a:fillRef>
-            <a:effectRef idx="2">
-              <a:schemeClr val="dk1"/>
-            </a:effectRef>
-            <a:fontRef idx="minor">
-              <a:schemeClr val="tx1"/>
-            </a:fontRef>
-          </p:style>
-        </p:cxnSp>
-        <p:sp>
-          <p:nvSpPr>
-            <p:cNvPr id="34" name="Rectángulo 33"/>
-            <p:cNvSpPr/>
-            <p:nvPr/>
-          </p:nvSpPr>
-          <p:spPr>
-            <a:xfrm>
-              <a:off x="7800657" y="3891777"/>
-              <a:ext cx="1965079" cy="1421476"/>
-            </a:xfrm>
-            <a:prstGeom prst="rect">
-              <a:avLst/>
-            </a:prstGeom>
-          </p:spPr>
-          <p:style>
-            <a:lnRef idx="2">
-              <a:schemeClr val="dk1"/>
-            </a:lnRef>
-            <a:fillRef idx="1">
-              <a:schemeClr val="lt1"/>
-            </a:fillRef>
-            <a:effectRef idx="0">
-              <a:schemeClr val="dk1"/>
-            </a:effectRef>
-            <a:fontRef idx="minor">
-              <a:schemeClr val="dk1"/>
-            </a:fontRef>
-          </p:style>
-          <p:txBody>
-            <a:bodyPr rtlCol="0" anchor="ctr"/>
-            <a:lstStyle/>
-            <a:p>
-              <a:pPr algn="ctr"/>
-              <a:r>
-                <a:rPr lang="es-MX" dirty="0"/>
-                <a:t>Control de color</a:t>
-              </a:r>
-              <a:endParaRPr lang="es-ES" dirty="0"/>
-            </a:p>
-          </p:txBody>
-        </p:sp>
-        <p:sp>
-          <p:nvSpPr>
-            <p:cNvPr id="35" name="Rectángulo 34"/>
-            <p:cNvSpPr/>
-            <p:nvPr/>
-          </p:nvSpPr>
-          <p:spPr>
-            <a:xfrm>
-              <a:off x="4602235" y="3891777"/>
-              <a:ext cx="1965079" cy="1421476"/>
-            </a:xfrm>
-            <a:prstGeom prst="rect">
-              <a:avLst/>
-            </a:prstGeom>
-          </p:spPr>
-          <p:style>
-            <a:lnRef idx="2">
-              <a:schemeClr val="dk1"/>
-            </a:lnRef>
-            <a:fillRef idx="1">
-              <a:schemeClr val="lt1"/>
-            </a:fillRef>
-            <a:effectRef idx="0">
-              <a:schemeClr val="dk1"/>
-            </a:effectRef>
-            <a:fontRef idx="minor">
-              <a:schemeClr val="dk1"/>
-            </a:fontRef>
-          </p:style>
-          <p:txBody>
-            <a:bodyPr rtlCol="0" anchor="ctr"/>
-            <a:lstStyle/>
-            <a:p>
-              <a:pPr algn="ctr"/>
-              <a:r>
-                <a:rPr lang="es-MX" dirty="0"/>
-                <a:t>Datos de prueba</a:t>
-              </a:r>
-              <a:endParaRPr lang="es-ES" dirty="0"/>
-            </a:p>
-          </p:txBody>
-        </p:sp>
-        <p:cxnSp>
-          <p:nvCxnSpPr>
-            <p:cNvPr id="36" name="Conector recto de flecha 35"/>
-            <p:cNvCxnSpPr/>
-            <p:nvPr/>
-          </p:nvCxnSpPr>
-          <p:spPr>
-            <a:xfrm flipV="1">
-              <a:off x="8783689" y="5313253"/>
-              <a:ext cx="1" cy="958620"/>
-            </a:xfrm>
-            <a:prstGeom prst="straightConnector1">
-              <a:avLst/>
-            </a:prstGeom>
-            <a:ln>
-              <a:tailEnd type="triangle"/>
-            </a:ln>
-          </p:spPr>
-          <p:style>
-            <a:lnRef idx="3">
-              <a:schemeClr val="dk1"/>
-            </a:lnRef>
-            <a:fillRef idx="0">
-              <a:schemeClr val="dk1"/>
-            </a:fillRef>
-            <a:effectRef idx="2">
-              <a:schemeClr val="dk1"/>
-            </a:effectRef>
-            <a:fontRef idx="minor">
-              <a:schemeClr val="tx1"/>
-            </a:fontRef>
-          </p:style>
-        </p:cxnSp>
-        <p:cxnSp>
-          <p:nvCxnSpPr>
-            <p:cNvPr id="37" name="Conector recto 36"/>
-            <p:cNvCxnSpPr/>
-            <p:nvPr/>
-          </p:nvCxnSpPr>
-          <p:spPr>
-            <a:xfrm flipH="1">
-              <a:off x="8700416" y="5762834"/>
-              <a:ext cx="180360" cy="180360"/>
-            </a:xfrm>
-            <a:prstGeom prst="line">
-              <a:avLst/>
-            </a:prstGeom>
-          </p:spPr>
-          <p:style>
-            <a:lnRef idx="1">
-              <a:schemeClr val="dk1"/>
-            </a:lnRef>
-            <a:fillRef idx="0">
-              <a:schemeClr val="dk1"/>
-            </a:fillRef>
-            <a:effectRef idx="0">
-              <a:schemeClr val="dk1"/>
-            </a:effectRef>
-            <a:fontRef idx="minor">
-              <a:schemeClr val="tx1"/>
-            </a:fontRef>
-          </p:style>
-        </p:cxnSp>
-        <p:sp>
-          <p:nvSpPr>
-            <p:cNvPr id="38" name="CuadroTexto 37"/>
-            <p:cNvSpPr txBox="1"/>
-            <p:nvPr/>
-          </p:nvSpPr>
-          <p:spPr>
-            <a:xfrm>
-              <a:off x="8525020" y="5647902"/>
-              <a:ext cx="276038" cy="307777"/>
-            </a:xfrm>
-            <a:prstGeom prst="rect">
-              <a:avLst/>
-            </a:prstGeom>
-            <a:noFill/>
-          </p:spPr>
-          <p:txBody>
-            <a:bodyPr wrap="none" rtlCol="0">
-              <a:spAutoFit/>
-            </a:bodyPr>
-            <a:lstStyle/>
-            <a:p>
-              <a:r>
-                <a:rPr lang="x-none" sz="1400" dirty="0"/>
-                <a:t>5</a:t>
-              </a:r>
-            </a:p>
-          </p:txBody>
-        </p:sp>
-        <p:sp>
-          <p:nvSpPr>
-            <p:cNvPr id="39" name="CuadroTexto 38"/>
-            <p:cNvSpPr txBox="1"/>
-            <p:nvPr/>
-          </p:nvSpPr>
-          <p:spPr>
-            <a:xfrm>
-              <a:off x="8976454" y="5853014"/>
-              <a:ext cx="2006703" cy="646331"/>
-            </a:xfrm>
-            <a:prstGeom prst="rect">
-              <a:avLst/>
-            </a:prstGeom>
-            <a:noFill/>
-          </p:spPr>
-          <p:txBody>
-            <a:bodyPr wrap="none" rtlCol="0">
-              <a:spAutoFit/>
-            </a:bodyPr>
-            <a:lstStyle/>
-            <a:p>
-              <a:r>
-                <a:rPr lang="x-none" dirty="0"/>
-                <a:t>Botones</a:t>
-              </a:r>
-            </a:p>
-            <a:p>
-              <a:r>
-                <a:rPr lang="x-none" dirty="0"/>
-                <a:t>Lp, Up, Down, Tone</a:t>
-              </a:r>
-            </a:p>
-          </p:txBody>
-        </p:sp>
-        <p:cxnSp>
-          <p:nvCxnSpPr>
-            <p:cNvPr id="40" name="Conector recto de flecha 39"/>
-            <p:cNvCxnSpPr/>
-            <p:nvPr/>
-          </p:nvCxnSpPr>
-          <p:spPr>
-            <a:xfrm>
-              <a:off x="9765736" y="4279066"/>
-              <a:ext cx="1224794" cy="0"/>
-            </a:xfrm>
-            <a:prstGeom prst="straightConnector1">
-              <a:avLst/>
-            </a:prstGeom>
-            <a:ln>
-              <a:tailEnd type="triangle"/>
-            </a:ln>
-          </p:spPr>
-          <p:style>
-            <a:lnRef idx="3">
-              <a:schemeClr val="dk1"/>
-            </a:lnRef>
-            <a:fillRef idx="0">
-              <a:schemeClr val="dk1"/>
-            </a:fillRef>
-            <a:effectRef idx="2">
-              <a:schemeClr val="dk1"/>
-            </a:effectRef>
-            <a:fontRef idx="minor">
-              <a:schemeClr val="tx1"/>
-            </a:fontRef>
-          </p:style>
-        </p:cxnSp>
-        <p:sp>
-          <p:nvSpPr>
-            <p:cNvPr id="41" name="CuadroTexto 40"/>
-            <p:cNvSpPr txBox="1"/>
-            <p:nvPr/>
-          </p:nvSpPr>
-          <p:spPr>
-            <a:xfrm>
-              <a:off x="10787412" y="3951298"/>
-              <a:ext cx="309700" cy="369332"/>
-            </a:xfrm>
-            <a:prstGeom prst="rect">
-              <a:avLst/>
-            </a:prstGeom>
-            <a:noFill/>
-          </p:spPr>
-          <p:txBody>
-            <a:bodyPr wrap="none" rtlCol="0">
-              <a:spAutoFit/>
-            </a:bodyPr>
-            <a:lstStyle/>
-            <a:p>
-              <a:r>
-                <a:rPr lang="x-none" dirty="0"/>
-                <a:t>R</a:t>
-              </a:r>
-            </a:p>
-          </p:txBody>
-        </p:sp>
-        <p:cxnSp>
-          <p:nvCxnSpPr>
-            <p:cNvPr id="42" name="Conector recto de flecha 41"/>
-            <p:cNvCxnSpPr/>
-            <p:nvPr/>
-          </p:nvCxnSpPr>
-          <p:spPr>
-            <a:xfrm>
-              <a:off x="9765736" y="4633085"/>
-              <a:ext cx="1224794" cy="0"/>
-            </a:xfrm>
-            <a:prstGeom prst="straightConnector1">
-              <a:avLst/>
-            </a:prstGeom>
-            <a:ln>
-              <a:tailEnd type="triangle"/>
-            </a:ln>
-          </p:spPr>
-          <p:style>
-            <a:lnRef idx="3">
-              <a:schemeClr val="dk1"/>
-            </a:lnRef>
-            <a:fillRef idx="0">
-              <a:schemeClr val="dk1"/>
-            </a:fillRef>
-            <a:effectRef idx="2">
-              <a:schemeClr val="dk1"/>
-            </a:effectRef>
-            <a:fontRef idx="minor">
-              <a:schemeClr val="tx1"/>
-            </a:fontRef>
-          </p:style>
-        </p:cxnSp>
-        <p:cxnSp>
-          <p:nvCxnSpPr>
-            <p:cNvPr id="43" name="Conector recto de flecha 42"/>
-            <p:cNvCxnSpPr/>
-            <p:nvPr/>
-          </p:nvCxnSpPr>
-          <p:spPr>
-            <a:xfrm>
-              <a:off x="9765736" y="5015471"/>
-              <a:ext cx="1224794" cy="0"/>
-            </a:xfrm>
-            <a:prstGeom prst="straightConnector1">
-              <a:avLst/>
-            </a:prstGeom>
-            <a:ln>
-              <a:tailEnd type="triangle"/>
-            </a:ln>
-          </p:spPr>
-          <p:style>
-            <a:lnRef idx="3">
-              <a:schemeClr val="dk1"/>
-            </a:lnRef>
-            <a:fillRef idx="0">
-              <a:schemeClr val="dk1"/>
-            </a:fillRef>
-            <a:effectRef idx="2">
-              <a:schemeClr val="dk1"/>
-            </a:effectRef>
-            <a:fontRef idx="minor">
-              <a:schemeClr val="tx1"/>
-            </a:fontRef>
-          </p:style>
-        </p:cxnSp>
-        <p:sp>
-          <p:nvSpPr>
-            <p:cNvPr id="44" name="CuadroTexto 43"/>
-            <p:cNvSpPr txBox="1"/>
-            <p:nvPr/>
-          </p:nvSpPr>
-          <p:spPr>
-            <a:xfrm>
-              <a:off x="10787412" y="4312973"/>
-              <a:ext cx="330540" cy="369332"/>
-            </a:xfrm>
-            <a:prstGeom prst="rect">
-              <a:avLst/>
-            </a:prstGeom>
-            <a:noFill/>
-          </p:spPr>
-          <p:txBody>
-            <a:bodyPr wrap="none" rtlCol="0">
-              <a:spAutoFit/>
-            </a:bodyPr>
-            <a:lstStyle/>
-            <a:p>
-              <a:r>
-                <a:rPr lang="x-none" dirty="0"/>
-                <a:t>G</a:t>
-              </a:r>
-            </a:p>
-          </p:txBody>
-        </p:sp>
-        <p:sp>
-          <p:nvSpPr>
-            <p:cNvPr id="45" name="CuadroTexto 44"/>
-            <p:cNvSpPr txBox="1"/>
-            <p:nvPr/>
-          </p:nvSpPr>
-          <p:spPr>
-            <a:xfrm>
-              <a:off x="10787412" y="4682305"/>
-              <a:ext cx="309700" cy="369332"/>
-            </a:xfrm>
-            <a:prstGeom prst="rect">
-              <a:avLst/>
-            </a:prstGeom>
-            <a:noFill/>
-          </p:spPr>
-          <p:txBody>
-            <a:bodyPr wrap="none" rtlCol="0">
-              <a:spAutoFit/>
-            </a:bodyPr>
-            <a:lstStyle/>
-            <a:p>
-              <a:r>
-                <a:rPr lang="x-none" dirty="0"/>
-                <a:t>B</a:t>
-              </a:r>
-            </a:p>
-          </p:txBody>
-        </p:sp>
-        <p:cxnSp>
-          <p:nvCxnSpPr>
-            <p:cNvPr id="46" name="Conector recto 45"/>
-            <p:cNvCxnSpPr/>
-            <p:nvPr/>
-          </p:nvCxnSpPr>
-          <p:spPr>
-            <a:xfrm flipH="1">
-              <a:off x="10150125" y="4196805"/>
-              <a:ext cx="191193" cy="191193"/>
-            </a:xfrm>
-            <a:prstGeom prst="line">
-              <a:avLst/>
-            </a:prstGeom>
-          </p:spPr>
-          <p:style>
-            <a:lnRef idx="1">
-              <a:schemeClr val="dk1"/>
-            </a:lnRef>
-            <a:fillRef idx="0">
-              <a:schemeClr val="dk1"/>
-            </a:fillRef>
-            <a:effectRef idx="0">
-              <a:schemeClr val="dk1"/>
-            </a:effectRef>
-            <a:fontRef idx="minor">
-              <a:schemeClr val="tx1"/>
-            </a:fontRef>
-          </p:style>
-        </p:cxnSp>
-        <p:sp>
-          <p:nvSpPr>
-            <p:cNvPr id="47" name="CuadroTexto 46"/>
-            <p:cNvSpPr txBox="1"/>
-            <p:nvPr/>
-          </p:nvSpPr>
-          <p:spPr>
-            <a:xfrm>
-              <a:off x="10022590" y="4058305"/>
-              <a:ext cx="263214" cy="276999"/>
-            </a:xfrm>
-            <a:prstGeom prst="rect">
-              <a:avLst/>
-            </a:prstGeom>
-            <a:noFill/>
-          </p:spPr>
-          <p:txBody>
-            <a:bodyPr wrap="none" rtlCol="0">
-              <a:spAutoFit/>
-            </a:bodyPr>
-            <a:lstStyle/>
-            <a:p>
-              <a:r>
-                <a:rPr lang="es-MX" sz="1200" dirty="0"/>
-                <a:t>3</a:t>
-              </a:r>
-              <a:endParaRPr lang="es-ES" sz="1200" dirty="0"/>
-            </a:p>
-          </p:txBody>
-        </p:sp>
-        <p:cxnSp>
-          <p:nvCxnSpPr>
-            <p:cNvPr id="48" name="Conector recto 47"/>
-            <p:cNvCxnSpPr/>
-            <p:nvPr/>
-          </p:nvCxnSpPr>
-          <p:spPr>
-            <a:xfrm flipH="1">
-              <a:off x="10158463" y="4527857"/>
-              <a:ext cx="191193" cy="191193"/>
-            </a:xfrm>
-            <a:prstGeom prst="line">
-              <a:avLst/>
-            </a:prstGeom>
-          </p:spPr>
-          <p:style>
-            <a:lnRef idx="1">
-              <a:schemeClr val="dk1"/>
-            </a:lnRef>
-            <a:fillRef idx="0">
-              <a:schemeClr val="dk1"/>
-            </a:fillRef>
-            <a:effectRef idx="0">
-              <a:schemeClr val="dk1"/>
-            </a:effectRef>
-            <a:fontRef idx="minor">
-              <a:schemeClr val="tx1"/>
-            </a:fontRef>
-          </p:style>
-        </p:cxnSp>
-        <p:sp>
-          <p:nvSpPr>
-            <p:cNvPr id="49" name="CuadroTexto 48"/>
-            <p:cNvSpPr txBox="1"/>
-            <p:nvPr/>
-          </p:nvSpPr>
-          <p:spPr>
-            <a:xfrm>
-              <a:off x="10030928" y="4389357"/>
-              <a:ext cx="263214" cy="276999"/>
-            </a:xfrm>
-            <a:prstGeom prst="rect">
-              <a:avLst/>
-            </a:prstGeom>
-            <a:noFill/>
-          </p:spPr>
-          <p:txBody>
-            <a:bodyPr wrap="none" rtlCol="0">
-              <a:spAutoFit/>
-            </a:bodyPr>
-            <a:lstStyle/>
-            <a:p>
-              <a:r>
-                <a:rPr lang="es-MX" sz="1200" dirty="0"/>
-                <a:t>3</a:t>
-              </a:r>
-              <a:endParaRPr lang="es-ES" sz="1200" dirty="0"/>
-            </a:p>
-          </p:txBody>
-        </p:sp>
-        <p:cxnSp>
-          <p:nvCxnSpPr>
-            <p:cNvPr id="50" name="Conector recto 49"/>
-            <p:cNvCxnSpPr/>
-            <p:nvPr/>
-          </p:nvCxnSpPr>
-          <p:spPr>
-            <a:xfrm flipH="1">
-              <a:off x="10154366" y="4913138"/>
-              <a:ext cx="191193" cy="191193"/>
-            </a:xfrm>
-            <a:prstGeom prst="line">
-              <a:avLst/>
-            </a:prstGeom>
-          </p:spPr>
-          <p:style>
-            <a:lnRef idx="1">
-              <a:schemeClr val="dk1"/>
-            </a:lnRef>
-            <a:fillRef idx="0">
-              <a:schemeClr val="dk1"/>
-            </a:fillRef>
-            <a:effectRef idx="0">
-              <a:schemeClr val="dk1"/>
-            </a:effectRef>
-            <a:fontRef idx="minor">
-              <a:schemeClr val="tx1"/>
-            </a:fontRef>
-          </p:style>
-        </p:cxnSp>
-        <p:sp>
-          <p:nvSpPr>
-            <p:cNvPr id="51" name="CuadroTexto 50"/>
-            <p:cNvSpPr txBox="1"/>
-            <p:nvPr/>
-          </p:nvSpPr>
-          <p:spPr>
-            <a:xfrm>
-              <a:off x="10026831" y="4774638"/>
-              <a:ext cx="263214" cy="276999"/>
-            </a:xfrm>
-            <a:prstGeom prst="rect">
-              <a:avLst/>
-            </a:prstGeom>
-            <a:noFill/>
-          </p:spPr>
-          <p:txBody>
-            <a:bodyPr wrap="none" rtlCol="0">
-              <a:spAutoFit/>
-            </a:bodyPr>
-            <a:lstStyle/>
-            <a:p>
-              <a:r>
-                <a:rPr lang="es-MX" sz="1200" dirty="0"/>
-                <a:t>2</a:t>
-              </a:r>
-              <a:endParaRPr lang="es-ES" sz="1200" dirty="0"/>
-            </a:p>
-          </p:txBody>
-        </p:sp>
-        <p:cxnSp>
-          <p:nvCxnSpPr>
-            <p:cNvPr id="52" name="Conector recto de flecha 51"/>
-            <p:cNvCxnSpPr/>
-            <p:nvPr/>
-          </p:nvCxnSpPr>
-          <p:spPr>
-            <a:xfrm>
-              <a:off x="6575863" y="4223526"/>
-              <a:ext cx="1224794" cy="0"/>
-            </a:xfrm>
-            <a:prstGeom prst="straightConnector1">
-              <a:avLst/>
-            </a:prstGeom>
-            <a:ln>
-              <a:tailEnd type="triangle"/>
-            </a:ln>
-          </p:spPr>
-          <p:style>
-            <a:lnRef idx="3">
-              <a:schemeClr val="dk1"/>
-            </a:lnRef>
-            <a:fillRef idx="0">
-              <a:schemeClr val="dk1"/>
-            </a:fillRef>
-            <a:effectRef idx="2">
-              <a:schemeClr val="dk1"/>
-            </a:effectRef>
-            <a:fontRef idx="minor">
-              <a:schemeClr val="tx1"/>
-            </a:fontRef>
-          </p:style>
-        </p:cxnSp>
-        <p:sp>
-          <p:nvSpPr>
-            <p:cNvPr id="53" name="Elipse 52"/>
-            <p:cNvSpPr/>
-            <p:nvPr/>
-          </p:nvSpPr>
-          <p:spPr>
-            <a:xfrm>
-              <a:off x="7336016" y="1875517"/>
-              <a:ext cx="124692" cy="124692"/>
-            </a:xfrm>
-            <a:prstGeom prst="ellipse">
-              <a:avLst/>
-            </a:prstGeom>
-          </p:spPr>
-          <p:style>
-            <a:lnRef idx="2">
-              <a:schemeClr val="dk1">
-                <a:shade val="50000"/>
-              </a:schemeClr>
-            </a:lnRef>
-            <a:fillRef idx="1">
-              <a:schemeClr val="dk1"/>
-            </a:fillRef>
-            <a:effectRef idx="0">
-              <a:schemeClr val="dk1"/>
-            </a:effectRef>
-            <a:fontRef idx="minor">
-              <a:schemeClr val="lt1"/>
-            </a:fontRef>
-          </p:style>
-          <p:txBody>
-            <a:bodyPr rtlCol="0" anchor="ctr"/>
-            <a:lstStyle/>
-            <a:p>
-              <a:pPr algn="ctr"/>
-              <a:endParaRPr lang="es-ES"/>
-            </a:p>
-          </p:txBody>
-        </p:sp>
-        <p:sp>
-          <p:nvSpPr>
-            <p:cNvPr id="54" name="Elipse 53"/>
-            <p:cNvSpPr/>
-            <p:nvPr/>
-          </p:nvSpPr>
-          <p:spPr>
-            <a:xfrm>
-              <a:off x="6962508" y="2429039"/>
-              <a:ext cx="124692" cy="124692"/>
-            </a:xfrm>
-            <a:prstGeom prst="ellipse">
-              <a:avLst/>
-            </a:prstGeom>
-          </p:spPr>
-          <p:style>
-            <a:lnRef idx="2">
-              <a:schemeClr val="dk1">
-                <a:shade val="50000"/>
-              </a:schemeClr>
-            </a:lnRef>
-            <a:fillRef idx="1">
-              <a:schemeClr val="dk1"/>
-            </a:fillRef>
-            <a:effectRef idx="0">
-              <a:schemeClr val="dk1"/>
-            </a:effectRef>
-            <a:fontRef idx="minor">
-              <a:schemeClr val="lt1"/>
-            </a:fontRef>
-          </p:style>
-          <p:txBody>
-            <a:bodyPr rtlCol="0" anchor="ctr"/>
-            <a:lstStyle/>
-            <a:p>
-              <a:pPr algn="ctr"/>
-              <a:endParaRPr lang="es-ES"/>
-            </a:p>
-          </p:txBody>
-        </p:sp>
-        <p:cxnSp>
-          <p:nvCxnSpPr>
-            <p:cNvPr id="55" name="Conector angular 55"/>
-            <p:cNvCxnSpPr>
-              <a:stCxn id="54" idx="4"/>
-              <a:endCxn id="12" idx="1"/>
-            </p:cNvCxnSpPr>
-            <p:nvPr/>
-          </p:nvCxnSpPr>
-          <p:spPr>
-            <a:xfrm rot="5400000">
-              <a:off x="4980628" y="2181673"/>
-              <a:ext cx="1672168" cy="2416285"/>
-            </a:xfrm>
-            <a:prstGeom prst="bentConnector4">
-              <a:avLst>
-                <a:gd name="adj1" fmla="val 66903"/>
-                <a:gd name="adj2" fmla="val 109461"/>
-              </a:avLst>
-            </a:prstGeom>
-            <a:ln>
-              <a:tailEnd type="triangle"/>
-            </a:ln>
-          </p:spPr>
-          <p:style>
-            <a:lnRef idx="3">
-              <a:schemeClr val="dk1"/>
-            </a:lnRef>
-            <a:fillRef idx="0">
-              <a:schemeClr val="dk1"/>
-            </a:fillRef>
-            <a:effectRef idx="2">
-              <a:schemeClr val="dk1"/>
-            </a:effectRef>
-            <a:fontRef idx="minor">
-              <a:schemeClr val="tx1"/>
-            </a:fontRef>
-          </p:style>
-        </p:cxnSp>
-        <p:cxnSp>
-          <p:nvCxnSpPr>
-            <p:cNvPr id="56" name="Conector angular 57"/>
-            <p:cNvCxnSpPr>
-              <a:stCxn id="53" idx="4"/>
-              <a:endCxn id="13" idx="1"/>
-            </p:cNvCxnSpPr>
-            <p:nvPr/>
-          </p:nvCxnSpPr>
-          <p:spPr>
-            <a:xfrm rot="5400000">
-              <a:off x="4683414" y="1925365"/>
-              <a:ext cx="2640105" cy="2789793"/>
-            </a:xfrm>
-            <a:prstGeom prst="bentConnector4">
-              <a:avLst>
-                <a:gd name="adj1" fmla="val 57242"/>
-                <a:gd name="adj2" fmla="val 113260"/>
-              </a:avLst>
-            </a:prstGeom>
-            <a:ln>
-              <a:tailEnd type="triangle"/>
-            </a:ln>
-          </p:spPr>
-          <p:style>
-            <a:lnRef idx="3">
-              <a:schemeClr val="dk1"/>
-            </a:lnRef>
-            <a:fillRef idx="0">
-              <a:schemeClr val="dk1"/>
-            </a:fillRef>
-            <a:effectRef idx="2">
-              <a:schemeClr val="dk1"/>
-            </a:effectRef>
-            <a:fontRef idx="minor">
-              <a:schemeClr val="tx1"/>
-            </a:fontRef>
-          </p:style>
-        </p:cxnSp>
-        <p:sp>
-          <p:nvSpPr>
-            <p:cNvPr id="57" name="CuadroTexto 56"/>
-            <p:cNvSpPr txBox="1"/>
-            <p:nvPr/>
-          </p:nvSpPr>
-          <p:spPr>
-            <a:xfrm>
-              <a:off x="205965" y="2561428"/>
-              <a:ext cx="701987" cy="369332"/>
-            </a:xfrm>
-            <a:prstGeom prst="rect">
-              <a:avLst/>
-            </a:prstGeom>
-            <a:noFill/>
-          </p:spPr>
-          <p:txBody>
-            <a:bodyPr wrap="none" rtlCol="0">
-              <a:spAutoFit/>
-            </a:bodyPr>
-            <a:lstStyle/>
-            <a:p>
-              <a:r>
-                <a:rPr lang="x-none" dirty="0" err="1"/>
-                <a:t>Reset</a:t>
-              </a:r>
-              <a:endParaRPr lang="x-none" dirty="0"/>
-            </a:p>
-          </p:txBody>
-        </p:sp>
-        <p:cxnSp>
-          <p:nvCxnSpPr>
-            <p:cNvPr id="58" name="Conector recto de flecha 57"/>
-            <p:cNvCxnSpPr/>
-            <p:nvPr/>
-          </p:nvCxnSpPr>
-          <p:spPr>
-            <a:xfrm>
-              <a:off x="831764" y="2769754"/>
-              <a:ext cx="3793431" cy="0"/>
-            </a:xfrm>
-            <a:prstGeom prst="straightConnector1">
-              <a:avLst/>
-            </a:prstGeom>
-            <a:ln>
-              <a:tailEnd type="triangle"/>
-            </a:ln>
-          </p:spPr>
-          <p:style>
-            <a:lnRef idx="3">
-              <a:schemeClr val="dk1"/>
-            </a:lnRef>
-            <a:fillRef idx="0">
-              <a:schemeClr val="dk1"/>
-            </a:fillRef>
-            <a:effectRef idx="2">
-              <a:schemeClr val="dk1"/>
-            </a:effectRef>
-            <a:fontRef idx="minor">
-              <a:schemeClr val="tx1"/>
-            </a:fontRef>
-          </p:style>
-        </p:cxnSp>
-        <p:sp>
-          <p:nvSpPr>
-            <p:cNvPr id="59" name="Elipse 58"/>
-            <p:cNvSpPr/>
-            <p:nvPr/>
-          </p:nvSpPr>
-          <p:spPr>
-            <a:xfrm>
-              <a:off x="3913435" y="2728137"/>
-              <a:ext cx="108067" cy="108067"/>
-            </a:xfrm>
-            <a:prstGeom prst="ellipse">
-              <a:avLst/>
-            </a:prstGeom>
-          </p:spPr>
-          <p:style>
-            <a:lnRef idx="2">
-              <a:schemeClr val="dk1">
-                <a:shade val="50000"/>
-              </a:schemeClr>
-            </a:lnRef>
-            <a:fillRef idx="1">
-              <a:schemeClr val="dk1"/>
-            </a:fillRef>
-            <a:effectRef idx="0">
-              <a:schemeClr val="dk1"/>
-            </a:effectRef>
-            <a:fontRef idx="minor">
-              <a:schemeClr val="lt1"/>
-            </a:fontRef>
-          </p:style>
-          <p:txBody>
-            <a:bodyPr rtlCol="0" anchor="ctr"/>
-            <a:lstStyle/>
-            <a:p>
-              <a:pPr algn="ctr"/>
-              <a:endParaRPr lang="es-ES"/>
-            </a:p>
-          </p:txBody>
-        </p:sp>
-        <p:cxnSp>
-          <p:nvCxnSpPr>
-            <p:cNvPr id="65" name="Conector angular 90"/>
-            <p:cNvCxnSpPr>
-              <a:endCxn id="11" idx="1"/>
-            </p:cNvCxnSpPr>
-            <p:nvPr/>
-          </p:nvCxnSpPr>
-          <p:spPr>
-            <a:xfrm rot="5400000" flipH="1" flipV="1">
-              <a:off x="5844136" y="3178707"/>
-              <a:ext cx="83593" cy="3829454"/>
-            </a:xfrm>
-            <a:prstGeom prst="bentConnector4">
-              <a:avLst>
-                <a:gd name="adj1" fmla="val -532021"/>
-                <a:gd name="adj2" fmla="val 85871"/>
-              </a:avLst>
-            </a:prstGeom>
-            <a:ln>
-              <a:tailEnd type="triangle"/>
-            </a:ln>
           </p:spPr>
           <p:style>
             <a:lnRef idx="3">
@@ -5071,38 +5118,6 @@
           </p:style>
         </p:cxnSp>
       </p:grpSp>
-      <p:cxnSp>
-        <p:nvCxnSpPr>
-          <p:cNvPr id="31" name="Conector recto 30"/>
-          <p:cNvCxnSpPr>
-            <a:stCxn id="59" idx="4"/>
-          </p:cNvCxnSpPr>
-          <p:nvPr/>
-        </p:nvCxnSpPr>
-        <p:spPr>
-          <a:xfrm flipH="1">
-            <a:off x="3967468" y="2836204"/>
-            <a:ext cx="1" cy="2314895"/>
-          </a:xfrm>
-          <a:prstGeom prst="line">
-            <a:avLst/>
-          </a:prstGeom>
-        </p:spPr>
-        <p:style>
-          <a:lnRef idx="3">
-            <a:schemeClr val="dk1"/>
-          </a:lnRef>
-          <a:fillRef idx="0">
-            <a:schemeClr val="dk1"/>
-          </a:fillRef>
-          <a:effectRef idx="2">
-            <a:schemeClr val="dk1"/>
-          </a:effectRef>
-          <a:fontRef idx="minor">
-            <a:schemeClr val="tx1"/>
-          </a:fontRef>
-        </p:style>
-      </p:cxnSp>
     </p:spTree>
     <p:extLst>
       <p:ext uri="{BB962C8B-B14F-4D97-AF65-F5344CB8AC3E}">

--- a/Diseño/Bosquejo de bloques - definitivo (1).pptx
+++ b/Diseño/Bosquejo de bloques - definitivo (1).pptx
@@ -246,7 +246,7 @@
           <a:p>
             <a:fld id="{B4CC69C0-BFA3-4444-830A-602BF620F75C}" type="datetimeFigureOut">
               <a:rPr lang="es-ES" smtClean="0"/>
-              <a:t>27/08/2016</a:t>
+              <a:t>28/08/2016</a:t>
             </a:fld>
             <a:endParaRPr lang="es-ES"/>
           </a:p>
@@ -414,7 +414,7 @@
           <a:p>
             <a:fld id="{B4CC69C0-BFA3-4444-830A-602BF620F75C}" type="datetimeFigureOut">
               <a:rPr lang="es-ES" smtClean="0"/>
-              <a:t>27/08/2016</a:t>
+              <a:t>28/08/2016</a:t>
             </a:fld>
             <a:endParaRPr lang="es-ES"/>
           </a:p>
@@ -592,7 +592,7 @@
           <a:p>
             <a:fld id="{B4CC69C0-BFA3-4444-830A-602BF620F75C}" type="datetimeFigureOut">
               <a:rPr lang="es-ES" smtClean="0"/>
-              <a:t>27/08/2016</a:t>
+              <a:t>28/08/2016</a:t>
             </a:fld>
             <a:endParaRPr lang="es-ES"/>
           </a:p>
@@ -760,7 +760,7 @@
           <a:p>
             <a:fld id="{B4CC69C0-BFA3-4444-830A-602BF620F75C}" type="datetimeFigureOut">
               <a:rPr lang="es-ES" smtClean="0"/>
-              <a:t>27/08/2016</a:t>
+              <a:t>28/08/2016</a:t>
             </a:fld>
             <a:endParaRPr lang="es-ES"/>
           </a:p>
@@ -1005,7 +1005,7 @@
           <a:p>
             <a:fld id="{B4CC69C0-BFA3-4444-830A-602BF620F75C}" type="datetimeFigureOut">
               <a:rPr lang="es-ES" smtClean="0"/>
-              <a:t>27/08/2016</a:t>
+              <a:t>28/08/2016</a:t>
             </a:fld>
             <a:endParaRPr lang="es-ES"/>
           </a:p>
@@ -1234,7 +1234,7 @@
           <a:p>
             <a:fld id="{B4CC69C0-BFA3-4444-830A-602BF620F75C}" type="datetimeFigureOut">
               <a:rPr lang="es-ES" smtClean="0"/>
-              <a:t>27/08/2016</a:t>
+              <a:t>28/08/2016</a:t>
             </a:fld>
             <a:endParaRPr lang="es-ES"/>
           </a:p>
@@ -1598,7 +1598,7 @@
           <a:p>
             <a:fld id="{B4CC69C0-BFA3-4444-830A-602BF620F75C}" type="datetimeFigureOut">
               <a:rPr lang="es-ES" smtClean="0"/>
-              <a:t>27/08/2016</a:t>
+              <a:t>28/08/2016</a:t>
             </a:fld>
             <a:endParaRPr lang="es-ES"/>
           </a:p>
@@ -1715,7 +1715,7 @@
           <a:p>
             <a:fld id="{B4CC69C0-BFA3-4444-830A-602BF620F75C}" type="datetimeFigureOut">
               <a:rPr lang="es-ES" smtClean="0"/>
-              <a:t>27/08/2016</a:t>
+              <a:t>28/08/2016</a:t>
             </a:fld>
             <a:endParaRPr lang="es-ES"/>
           </a:p>
@@ -1810,7 +1810,7 @@
           <a:p>
             <a:fld id="{B4CC69C0-BFA3-4444-830A-602BF620F75C}" type="datetimeFigureOut">
               <a:rPr lang="es-ES" smtClean="0"/>
-              <a:t>27/08/2016</a:t>
+              <a:t>28/08/2016</a:t>
             </a:fld>
             <a:endParaRPr lang="es-ES"/>
           </a:p>
@@ -2085,7 +2085,7 @@
           <a:p>
             <a:fld id="{B4CC69C0-BFA3-4444-830A-602BF620F75C}" type="datetimeFigureOut">
               <a:rPr lang="es-ES" smtClean="0"/>
-              <a:t>27/08/2016</a:t>
+              <a:t>28/08/2016</a:t>
             </a:fld>
             <a:endParaRPr lang="es-ES"/>
           </a:p>
@@ -2337,7 +2337,7 @@
           <a:p>
             <a:fld id="{B4CC69C0-BFA3-4444-830A-602BF620F75C}" type="datetimeFigureOut">
               <a:rPr lang="es-ES" smtClean="0"/>
-              <a:t>27/08/2016</a:t>
+              <a:t>28/08/2016</a:t>
             </a:fld>
             <a:endParaRPr lang="es-ES"/>
           </a:p>
@@ -2548,7 +2548,7 @@
           <a:p>
             <a:fld id="{B4CC69C0-BFA3-4444-830A-602BF620F75C}" type="datetimeFigureOut">
               <a:rPr lang="es-ES" smtClean="0"/>
-              <a:t>27/08/2016</a:t>
+              <a:t>28/08/2016</a:t>
             </a:fld>
             <a:endParaRPr lang="es-ES"/>
           </a:p>
@@ -5337,27 +5337,267 @@
       </p:sp>
       <p:grpSp>
         <p:nvGrpSpPr>
-          <p:cNvPr id="94" name="Grupo 93"/>
+          <p:cNvPr id="162" name="Grupo 161"/>
           <p:cNvGrpSpPr/>
           <p:nvPr/>
         </p:nvGrpSpPr>
         <p:grpSpPr>
           <a:xfrm>
-            <a:off x="2313391" y="1227643"/>
-            <a:ext cx="7784977" cy="5131610"/>
-            <a:chOff x="2472782" y="1538035"/>
-            <a:chExt cx="7784977" cy="5131610"/>
+            <a:off x="1623970" y="1227643"/>
+            <a:ext cx="8474398" cy="5399686"/>
+            <a:chOff x="1623970" y="1227643"/>
+            <a:chExt cx="8474398" cy="5399686"/>
           </a:xfrm>
         </p:grpSpPr>
         <p:sp>
           <p:nvSpPr>
+            <p:cNvPr id="159" name="Rectángulo 158"/>
+            <p:cNvSpPr/>
+            <p:nvPr/>
+          </p:nvSpPr>
+          <p:spPr>
+            <a:xfrm>
+              <a:off x="7569086" y="5068528"/>
+              <a:ext cx="194883" cy="194883"/>
+            </a:xfrm>
+            <a:prstGeom prst="rect">
+              <a:avLst/>
+            </a:prstGeom>
+          </p:spPr>
+          <p:style>
+            <a:lnRef idx="2">
+              <a:schemeClr val="accent1">
+                <a:shade val="50000"/>
+              </a:schemeClr>
+            </a:lnRef>
+            <a:fillRef idx="1">
+              <a:schemeClr val="accent1"/>
+            </a:fillRef>
+            <a:effectRef idx="0">
+              <a:schemeClr val="accent1"/>
+            </a:effectRef>
+            <a:fontRef idx="minor">
+              <a:schemeClr val="lt1"/>
+            </a:fontRef>
+          </p:style>
+          <p:txBody>
+            <a:bodyPr rtlCol="0" anchor="ctr"/>
+            <a:lstStyle/>
+            <a:p>
+              <a:pPr algn="ctr"/>
+              <a:endParaRPr lang="es-419"/>
+            </a:p>
+          </p:txBody>
+        </p:sp>
+        <p:sp>
+          <p:nvSpPr>
+            <p:cNvPr id="145" name="Rectángulo 144"/>
+            <p:cNvSpPr/>
+            <p:nvPr/>
+          </p:nvSpPr>
+          <p:spPr>
+            <a:xfrm>
+              <a:off x="5119391" y="6218567"/>
+              <a:ext cx="140686" cy="140686"/>
+            </a:xfrm>
+            <a:prstGeom prst="rect">
+              <a:avLst/>
+            </a:prstGeom>
+          </p:spPr>
+          <p:style>
+            <a:lnRef idx="2">
+              <a:schemeClr val="accent1">
+                <a:shade val="50000"/>
+              </a:schemeClr>
+            </a:lnRef>
+            <a:fillRef idx="1">
+              <a:schemeClr val="accent1"/>
+            </a:fillRef>
+            <a:effectRef idx="0">
+              <a:schemeClr val="accent1"/>
+            </a:effectRef>
+            <a:fontRef idx="minor">
+              <a:schemeClr val="lt1"/>
+            </a:fontRef>
+          </p:style>
+          <p:txBody>
+            <a:bodyPr rtlCol="0" anchor="ctr"/>
+            <a:lstStyle/>
+            <a:p>
+              <a:pPr algn="ctr"/>
+              <a:endParaRPr lang="es-419"/>
+            </a:p>
+          </p:txBody>
+        </p:sp>
+        <p:sp>
+          <p:nvSpPr>
+            <p:cNvPr id="147" name="Rectángulo 146"/>
+            <p:cNvSpPr/>
+            <p:nvPr/>
+          </p:nvSpPr>
+          <p:spPr>
+            <a:xfrm>
+              <a:off x="5782531" y="6218567"/>
+              <a:ext cx="140686" cy="140686"/>
+            </a:xfrm>
+            <a:prstGeom prst="rect">
+              <a:avLst/>
+            </a:prstGeom>
+          </p:spPr>
+          <p:style>
+            <a:lnRef idx="2">
+              <a:schemeClr val="accent1">
+                <a:shade val="50000"/>
+              </a:schemeClr>
+            </a:lnRef>
+            <a:fillRef idx="1">
+              <a:schemeClr val="accent1"/>
+            </a:fillRef>
+            <a:effectRef idx="0">
+              <a:schemeClr val="accent1"/>
+            </a:effectRef>
+            <a:fontRef idx="minor">
+              <a:schemeClr val="lt1"/>
+            </a:fontRef>
+          </p:style>
+          <p:txBody>
+            <a:bodyPr rtlCol="0" anchor="ctr"/>
+            <a:lstStyle/>
+            <a:p>
+              <a:pPr algn="ctr"/>
+              <a:endParaRPr lang="es-419"/>
+            </a:p>
+          </p:txBody>
+        </p:sp>
+        <p:sp>
+          <p:nvSpPr>
+            <p:cNvPr id="125" name="Rectángulo 124"/>
+            <p:cNvSpPr/>
+            <p:nvPr/>
+          </p:nvSpPr>
+          <p:spPr>
+            <a:xfrm>
+              <a:off x="3129304" y="5073729"/>
+              <a:ext cx="139408" cy="139408"/>
+            </a:xfrm>
+            <a:prstGeom prst="rect">
+              <a:avLst/>
+            </a:prstGeom>
+          </p:spPr>
+          <p:style>
+            <a:lnRef idx="2">
+              <a:schemeClr val="accent1">
+                <a:shade val="50000"/>
+              </a:schemeClr>
+            </a:lnRef>
+            <a:fillRef idx="1">
+              <a:schemeClr val="accent1"/>
+            </a:fillRef>
+            <a:effectRef idx="0">
+              <a:schemeClr val="accent1"/>
+            </a:effectRef>
+            <a:fontRef idx="minor">
+              <a:schemeClr val="lt1"/>
+            </a:fontRef>
+          </p:style>
+          <p:txBody>
+            <a:bodyPr rtlCol="0" anchor="ctr"/>
+            <a:lstStyle/>
+            <a:p>
+              <a:pPr algn="ctr"/>
+              <a:endParaRPr lang="es-419"/>
+            </a:p>
+          </p:txBody>
+        </p:sp>
+        <p:sp>
+          <p:nvSpPr>
+            <p:cNvPr id="127" name="Rectángulo 126"/>
+            <p:cNvSpPr/>
+            <p:nvPr/>
+          </p:nvSpPr>
+          <p:spPr>
+            <a:xfrm>
+              <a:off x="3129304" y="5461973"/>
+              <a:ext cx="139408" cy="139408"/>
+            </a:xfrm>
+            <a:prstGeom prst="rect">
+              <a:avLst/>
+            </a:prstGeom>
+          </p:spPr>
+          <p:style>
+            <a:lnRef idx="2">
+              <a:schemeClr val="accent1">
+                <a:shade val="50000"/>
+              </a:schemeClr>
+            </a:lnRef>
+            <a:fillRef idx="1">
+              <a:schemeClr val="accent1"/>
+            </a:fillRef>
+            <a:effectRef idx="0">
+              <a:schemeClr val="accent1"/>
+            </a:effectRef>
+            <a:fontRef idx="minor">
+              <a:schemeClr val="lt1"/>
+            </a:fontRef>
+          </p:style>
+          <p:txBody>
+            <a:bodyPr rtlCol="0" anchor="ctr"/>
+            <a:lstStyle/>
+            <a:p>
+              <a:pPr algn="ctr"/>
+              <a:endParaRPr lang="es-419"/>
+            </a:p>
+          </p:txBody>
+        </p:sp>
+        <p:sp>
+          <p:nvSpPr>
+            <p:cNvPr id="9" name="Rectángulo 8"/>
+            <p:cNvSpPr/>
+            <p:nvPr/>
+          </p:nvSpPr>
+          <p:spPr>
+            <a:xfrm>
+              <a:off x="5923217" y="2036083"/>
+              <a:ext cx="138380" cy="138380"/>
+            </a:xfrm>
+            <a:prstGeom prst="rect">
+              <a:avLst/>
+            </a:prstGeom>
+          </p:spPr>
+          <p:style>
+            <a:lnRef idx="2">
+              <a:schemeClr val="accent1">
+                <a:shade val="50000"/>
+              </a:schemeClr>
+            </a:lnRef>
+            <a:fillRef idx="1">
+              <a:schemeClr val="accent1"/>
+            </a:fillRef>
+            <a:effectRef idx="0">
+              <a:schemeClr val="accent1"/>
+            </a:effectRef>
+            <a:fontRef idx="minor">
+              <a:schemeClr val="lt1"/>
+            </a:fontRef>
+          </p:style>
+          <p:txBody>
+            <a:bodyPr rtlCol="0" anchor="ctr"/>
+            <a:lstStyle/>
+            <a:p>
+              <a:pPr algn="ctr"/>
+              <a:endParaRPr lang="es-419"/>
+            </a:p>
+          </p:txBody>
+        </p:sp>
+        <p:sp>
+          <p:nvSpPr>
             <p:cNvPr id="35" name="Rectángulo 34"/>
             <p:cNvSpPr/>
             <p:nvPr/>
           </p:nvSpPr>
           <p:spPr>
             <a:xfrm>
-              <a:off x="5139003" y="3308589"/>
+              <a:off x="4979612" y="2998197"/>
               <a:ext cx="96219" cy="96219"/>
             </a:xfrm>
             <a:prstGeom prst="rect">
@@ -5400,7 +5640,7 @@
           </p:nvCxnSpPr>
           <p:spPr>
             <a:xfrm>
-              <a:off x="6222930" y="2266634"/>
+              <a:off x="6063539" y="1956242"/>
               <a:ext cx="722149" cy="0"/>
             </a:xfrm>
             <a:prstGeom prst="straightConnector1">
@@ -5436,8 +5676,8 @@
           </p:nvCxnSpPr>
           <p:spPr>
             <a:xfrm>
-              <a:off x="6222930" y="3498154"/>
-              <a:ext cx="722149" cy="0"/>
+              <a:off x="6057189" y="3187762"/>
+              <a:ext cx="728499" cy="0"/>
             </a:xfrm>
             <a:prstGeom prst="straightConnector1">
               <a:avLst/>
@@ -5469,7 +5709,7 @@
           </p:nvSpPr>
           <p:spPr>
             <a:xfrm>
-              <a:off x="6353789" y="2218274"/>
+              <a:off x="6194398" y="1907882"/>
               <a:ext cx="96717" cy="96717"/>
             </a:xfrm>
             <a:prstGeom prst="ellipse">
@@ -5509,7 +5749,7 @@
           </p:nvSpPr>
           <p:spPr>
             <a:xfrm>
-              <a:off x="6651708" y="3449795"/>
+              <a:off x="6492317" y="3139403"/>
               <a:ext cx="96717" cy="96717"/>
             </a:xfrm>
             <a:prstGeom prst="ellipse">
@@ -5549,7 +5789,7 @@
           </p:nvSpPr>
           <p:spPr>
             <a:xfrm>
-              <a:off x="5146156" y="4807048"/>
+              <a:off x="4986765" y="4496656"/>
               <a:ext cx="109612" cy="109612"/>
             </a:xfrm>
             <a:prstGeom prst="rect">
@@ -5589,7 +5829,7 @@
           </p:nvSpPr>
           <p:spPr>
             <a:xfrm>
-              <a:off x="5146156" y="5329315"/>
+              <a:off x="4986765" y="5018923"/>
               <a:ext cx="109612" cy="109612"/>
             </a:xfrm>
             <a:prstGeom prst="rect">
@@ -5629,7 +5869,7 @@
           </p:nvSpPr>
           <p:spPr>
             <a:xfrm>
-              <a:off x="5146155" y="2066749"/>
+              <a:off x="4986764" y="1756357"/>
               <a:ext cx="109612" cy="109612"/>
             </a:xfrm>
             <a:prstGeom prst="rect">
@@ -5669,8 +5909,8 @@
           </p:nvCxnSpPr>
           <p:spPr>
             <a:xfrm>
-              <a:off x="2912009" y="2437498"/>
-              <a:ext cx="2234144" cy="0"/>
+              <a:off x="2266155" y="2127106"/>
+              <a:ext cx="2720607" cy="0"/>
             </a:xfrm>
             <a:prstGeom prst="straightConnector1">
               <a:avLst/>
@@ -5702,7 +5942,7 @@
           </p:nvSpPr>
           <p:spPr>
             <a:xfrm>
-              <a:off x="2621581" y="2001467"/>
+              <a:off x="1655740" y="1691075"/>
               <a:ext cx="406764" cy="216807"/>
             </a:xfrm>
             <a:prstGeom prst="rect">
@@ -5732,7 +5972,7 @@
           </p:nvSpPr>
           <p:spPr>
             <a:xfrm>
-              <a:off x="2472782" y="2324258"/>
+              <a:off x="1646641" y="2013866"/>
               <a:ext cx="415296" cy="216807"/>
             </a:xfrm>
             <a:prstGeom prst="rect">
@@ -5762,7 +6002,7 @@
           </p:nvSpPr>
           <p:spPr>
             <a:xfrm>
-              <a:off x="5146156" y="2382693"/>
+              <a:off x="4986765" y="2072301"/>
               <a:ext cx="109612" cy="109612"/>
             </a:xfrm>
             <a:prstGeom prst="rect">
@@ -5802,7 +6042,7 @@
           </p:nvSpPr>
           <p:spPr>
             <a:xfrm>
-              <a:off x="5146155" y="3599706"/>
+              <a:off x="4986764" y="3289314"/>
               <a:ext cx="109612" cy="109612"/>
             </a:xfrm>
             <a:prstGeom prst="rect">
@@ -5842,7 +6082,7 @@
           </p:nvSpPr>
           <p:spPr>
             <a:xfrm>
-              <a:off x="6945079" y="2374630"/>
+              <a:off x="6785688" y="2064238"/>
               <a:ext cx="109612" cy="109612"/>
             </a:xfrm>
             <a:prstGeom prst="rect">
@@ -5882,7 +6122,7 @@
           </p:nvSpPr>
           <p:spPr>
             <a:xfrm>
-              <a:off x="6941856" y="3599705"/>
+              <a:off x="6782465" y="3289313"/>
               <a:ext cx="109612" cy="109612"/>
             </a:xfrm>
             <a:prstGeom prst="rect">
@@ -5922,7 +6162,7 @@
           </p:nvSpPr>
           <p:spPr>
             <a:xfrm>
-              <a:off x="3031293" y="2387525"/>
+              <a:off x="2871902" y="2077133"/>
               <a:ext cx="96717" cy="96717"/>
             </a:xfrm>
             <a:prstGeom prst="ellipse">
@@ -5964,7 +6204,7 @@
           </p:nvCxnSpPr>
           <p:spPr>
             <a:xfrm rot="16200000" flipH="1">
-              <a:off x="3527770" y="2036124"/>
+              <a:off x="3368379" y="1725732"/>
               <a:ext cx="1170268" cy="2066504"/>
             </a:xfrm>
             <a:prstGeom prst="bentConnector2">
@@ -6000,7 +6240,7 @@
           </p:nvCxnSpPr>
           <p:spPr>
             <a:xfrm rot="5400000">
-              <a:off x="4500721" y="2960426"/>
+              <a:off x="4341330" y="2650034"/>
               <a:ext cx="2546863" cy="1255992"/>
             </a:xfrm>
             <a:prstGeom prst="bentConnector4">
@@ -6039,7 +6279,7 @@
           </p:nvCxnSpPr>
           <p:spPr>
             <a:xfrm rot="5400000">
-              <a:off x="5004308" y="3688361"/>
+              <a:off x="4844917" y="3377969"/>
               <a:ext cx="1837609" cy="1553911"/>
             </a:xfrm>
             <a:prstGeom prst="bentConnector4">
@@ -6075,7 +6315,7 @@
           </p:nvSpPr>
           <p:spPr>
             <a:xfrm>
-              <a:off x="3036129" y="3606152"/>
+              <a:off x="2876738" y="3295760"/>
               <a:ext cx="96717" cy="96717"/>
             </a:xfrm>
             <a:prstGeom prst="ellipse">
@@ -6115,7 +6355,7 @@
           </p:nvSpPr>
           <p:spPr>
             <a:xfrm>
-              <a:off x="5146155" y="3283766"/>
+              <a:off x="4986764" y="2973374"/>
               <a:ext cx="109612" cy="109612"/>
             </a:xfrm>
             <a:prstGeom prst="rect">
@@ -6157,7 +6397,7 @@
           </p:nvCxnSpPr>
           <p:spPr>
             <a:xfrm flipV="1">
-              <a:off x="8021853" y="2266633"/>
+              <a:off x="7862462" y="1956241"/>
               <a:ext cx="799521" cy="1"/>
             </a:xfrm>
             <a:prstGeom prst="straightConnector1">
@@ -6190,7 +6430,7 @@
           </p:nvCxnSpPr>
           <p:spPr>
             <a:xfrm flipV="1">
-              <a:off x="8021853" y="3498153"/>
+              <a:off x="7862462" y="3187761"/>
               <a:ext cx="799521" cy="1"/>
             </a:xfrm>
             <a:prstGeom prst="straightConnector1">
@@ -6223,7 +6463,7 @@
           </p:nvSpPr>
           <p:spPr>
             <a:xfrm>
-              <a:off x="4449127" y="2092596"/>
+              <a:off x="4289736" y="1782204"/>
               <a:ext cx="96717" cy="96717"/>
             </a:xfrm>
             <a:prstGeom prst="ellipse">
@@ -6265,7 +6505,7 @@
           </p:nvCxnSpPr>
           <p:spPr>
             <a:xfrm rot="16200000" flipH="1">
-              <a:off x="4149567" y="2501565"/>
+              <a:off x="3983826" y="2191173"/>
               <a:ext cx="1337472" cy="655705"/>
             </a:xfrm>
             <a:prstGeom prst="bentConnector2">
@@ -6298,7 +6538,7 @@
           </p:nvSpPr>
           <p:spPr>
             <a:xfrm>
-              <a:off x="8848693" y="2157823"/>
+              <a:off x="8689302" y="1847431"/>
               <a:ext cx="501919" cy="216807"/>
             </a:xfrm>
             <a:prstGeom prst="rect">
@@ -6328,7 +6568,7 @@
           </p:nvSpPr>
           <p:spPr>
             <a:xfrm>
-              <a:off x="8821373" y="3371614"/>
+              <a:off x="8661982" y="3061222"/>
               <a:ext cx="501919" cy="216807"/>
             </a:xfrm>
             <a:prstGeom prst="rect">
@@ -6358,7 +6598,7 @@
           </p:nvSpPr>
           <p:spPr>
             <a:xfrm>
-              <a:off x="2520777" y="1538035"/>
+              <a:off x="2361386" y="1227643"/>
               <a:ext cx="1513433" cy="289076"/>
             </a:xfrm>
             <a:prstGeom prst="rect">
@@ -6387,7 +6627,7 @@
           </p:nvSpPr>
           <p:spPr>
             <a:xfrm>
-              <a:off x="7401842" y="4010517"/>
+              <a:off x="7242451" y="3700125"/>
               <a:ext cx="565204" cy="289076"/>
             </a:xfrm>
             <a:prstGeom prst="rect">
@@ -6418,7 +6658,7 @@
           </p:nvCxnSpPr>
           <p:spPr>
             <a:xfrm>
-              <a:off x="6222930" y="5118153"/>
+              <a:off x="6063539" y="4807761"/>
               <a:ext cx="722149" cy="0"/>
             </a:xfrm>
             <a:prstGeom prst="straightConnector1">
@@ -6451,7 +6691,7 @@
           </p:nvSpPr>
           <p:spPr>
             <a:xfrm>
-              <a:off x="7912241" y="4806242"/>
+              <a:off x="7752850" y="4495850"/>
               <a:ext cx="109612" cy="109612"/>
             </a:xfrm>
             <a:prstGeom prst="rect">
@@ -6491,7 +6731,7 @@
           </p:nvSpPr>
           <p:spPr>
             <a:xfrm>
-              <a:off x="7912241" y="5063346"/>
+              <a:off x="7752850" y="4752954"/>
               <a:ext cx="109612" cy="109612"/>
             </a:xfrm>
             <a:prstGeom prst="rect">
@@ -6531,7 +6771,7 @@
           </p:nvSpPr>
           <p:spPr>
             <a:xfrm>
-              <a:off x="7912240" y="5310778"/>
+              <a:off x="7752849" y="5000386"/>
               <a:ext cx="109612" cy="109612"/>
             </a:xfrm>
             <a:prstGeom prst="rect">
@@ -6571,7 +6811,7 @@
           </p:nvSpPr>
           <p:spPr>
             <a:xfrm>
-              <a:off x="6945079" y="4668421"/>
+              <a:off x="6785688" y="4358029"/>
               <a:ext cx="1076774" cy="899462"/>
             </a:xfrm>
             <a:prstGeom prst="rect">
@@ -6612,7 +6852,7 @@
           </p:nvCxnSpPr>
           <p:spPr>
             <a:xfrm flipV="1">
-              <a:off x="8021853" y="4861046"/>
+              <a:off x="7862462" y="4550654"/>
               <a:ext cx="799521" cy="1"/>
             </a:xfrm>
             <a:prstGeom prst="straightConnector1">
@@ -6645,7 +6885,7 @@
           </p:nvCxnSpPr>
           <p:spPr>
             <a:xfrm flipV="1">
-              <a:off x="8021852" y="5118151"/>
+              <a:off x="7862461" y="4807759"/>
               <a:ext cx="799521" cy="1"/>
             </a:xfrm>
             <a:prstGeom prst="straightConnector1">
@@ -6678,7 +6918,7 @@
           </p:nvCxnSpPr>
           <p:spPr>
             <a:xfrm flipV="1">
-              <a:off x="8021852" y="5363968"/>
+              <a:off x="7862461" y="5053576"/>
               <a:ext cx="799521" cy="1"/>
             </a:xfrm>
             <a:prstGeom prst="straightConnector1">
@@ -6711,7 +6951,7 @@
           </p:nvSpPr>
           <p:spPr>
             <a:xfrm>
-              <a:off x="8821372" y="4752642"/>
+              <a:off x="8661981" y="4442250"/>
               <a:ext cx="209781" cy="216807"/>
             </a:xfrm>
             <a:prstGeom prst="rect">
@@ -6740,7 +6980,7 @@
           </p:nvSpPr>
           <p:spPr>
             <a:xfrm>
-              <a:off x="8821372" y="5012163"/>
+              <a:off x="8661981" y="4701771"/>
               <a:ext cx="221074" cy="216807"/>
             </a:xfrm>
             <a:prstGeom prst="rect">
@@ -6769,7 +7009,7 @@
           </p:nvSpPr>
           <p:spPr>
             <a:xfrm>
-              <a:off x="8815726" y="5255564"/>
+              <a:off x="8656335" y="4945172"/>
               <a:ext cx="209781" cy="216807"/>
             </a:xfrm>
             <a:prstGeom prst="rect">
@@ -6798,7 +7038,7 @@
           </p:nvCxnSpPr>
           <p:spPr>
             <a:xfrm flipH="1">
-              <a:off x="8421612" y="4825583"/>
+              <a:off x="8262221" y="4515191"/>
               <a:ext cx="70925" cy="70925"/>
             </a:xfrm>
             <a:prstGeom prst="line">
@@ -6828,7 +7068,7 @@
           </p:nvCxnSpPr>
           <p:spPr>
             <a:xfrm flipH="1">
-              <a:off x="8421612" y="5071399"/>
+              <a:off x="8262221" y="4761007"/>
               <a:ext cx="70925" cy="70925"/>
             </a:xfrm>
             <a:prstGeom prst="line">
@@ -6858,7 +7098,7 @@
           </p:nvCxnSpPr>
           <p:spPr>
             <a:xfrm flipH="1">
-              <a:off x="8421612" y="5317215"/>
+              <a:off x="8262221" y="5006823"/>
               <a:ext cx="70925" cy="70925"/>
             </a:xfrm>
             <a:prstGeom prst="line">
@@ -6888,7 +7128,7 @@
           </p:nvSpPr>
           <p:spPr>
             <a:xfrm>
-              <a:off x="8259571" y="4619188"/>
+              <a:off x="8100180" y="4308796"/>
               <a:ext cx="209781" cy="216807"/>
             </a:xfrm>
             <a:prstGeom prst="rect">
@@ -6917,7 +7157,7 @@
           </p:nvSpPr>
           <p:spPr>
             <a:xfrm>
-              <a:off x="8261298" y="4883467"/>
+              <a:off x="8101907" y="4573075"/>
               <a:ext cx="209781" cy="216807"/>
             </a:xfrm>
             <a:prstGeom prst="rect">
@@ -6946,7 +7186,7 @@
           </p:nvSpPr>
           <p:spPr>
             <a:xfrm>
-              <a:off x="8262793" y="5130132"/>
+              <a:off x="8103402" y="4819740"/>
               <a:ext cx="209781" cy="216807"/>
             </a:xfrm>
             <a:prstGeom prst="rect">
@@ -6975,7 +7215,7 @@
           </p:nvSpPr>
           <p:spPr>
             <a:xfrm>
-              <a:off x="6189694" y="4915853"/>
+              <a:off x="6030303" y="4605461"/>
               <a:ext cx="798617" cy="246221"/>
             </a:xfrm>
             <a:prstGeom prst="rect">
@@ -7011,7 +7251,7 @@
           </p:nvCxnSpPr>
           <p:spPr>
             <a:xfrm flipV="1">
-              <a:off x="6222929" y="5567883"/>
+              <a:off x="6063538" y="5257491"/>
               <a:ext cx="1260537" cy="652031"/>
             </a:xfrm>
             <a:prstGeom prst="bentConnector2">
@@ -7044,8 +7284,8 @@
           </p:nvSpPr>
           <p:spPr>
             <a:xfrm>
-              <a:off x="6222929" y="6227972"/>
-              <a:ext cx="1990458" cy="216807"/>
+              <a:off x="6063538" y="5917580"/>
+              <a:ext cx="3421065" cy="276999"/>
             </a:xfrm>
             <a:prstGeom prst="rect">
               <a:avLst/>
@@ -7060,7 +7300,7 @@
             <a:p>
               <a:r>
                 <a:rPr lang="es-CR" sz="1200" dirty="0"/>
-                <a:t>Tono, Color de letra, Color de pantalla</a:t>
+                <a:t>Tono[7:0], Color de letra[2:0], Color de pantalla[2:0]</a:t>
               </a:r>
             </a:p>
           </p:txBody>
@@ -7073,7 +7313,7 @@
           </p:nvSpPr>
           <p:spPr>
             <a:xfrm>
-              <a:off x="5146155" y="5887350"/>
+              <a:off x="4986764" y="5576958"/>
               <a:ext cx="109612" cy="109612"/>
             </a:xfrm>
             <a:prstGeom prst="rect">
@@ -7113,7 +7353,7 @@
           </p:nvSpPr>
           <p:spPr>
             <a:xfrm>
-              <a:off x="5146155" y="6068895"/>
+              <a:off x="4986764" y="5758503"/>
               <a:ext cx="109612" cy="109612"/>
             </a:xfrm>
             <a:prstGeom prst="rect">
@@ -7153,7 +7393,7 @@
           </p:nvSpPr>
           <p:spPr>
             <a:xfrm>
-              <a:off x="5146155" y="6250440"/>
+              <a:off x="4986764" y="5940048"/>
               <a:ext cx="109612" cy="109612"/>
             </a:xfrm>
             <a:prstGeom prst="rect">
@@ -7193,7 +7433,7 @@
           </p:nvSpPr>
           <p:spPr>
             <a:xfrm>
-              <a:off x="5146155" y="6431583"/>
+              <a:off x="4986764" y="6121191"/>
               <a:ext cx="109612" cy="109612"/>
             </a:xfrm>
             <a:prstGeom prst="rect">
@@ -7227,79 +7467,13 @@
         </p:sp>
         <p:cxnSp>
           <p:nvCxnSpPr>
-            <p:cNvPr id="71" name="Conector recto de flecha 70"/>
-            <p:cNvCxnSpPr/>
-            <p:nvPr/>
-          </p:nvCxnSpPr>
-          <p:spPr>
-            <a:xfrm>
-              <a:off x="4714155" y="5942156"/>
-              <a:ext cx="431999" cy="0"/>
-            </a:xfrm>
-            <a:prstGeom prst="straightConnector1">
-              <a:avLst/>
-            </a:prstGeom>
-            <a:ln>
-              <a:tailEnd type="triangle"/>
-            </a:ln>
-          </p:spPr>
-          <p:style>
-            <a:lnRef idx="3">
-              <a:schemeClr val="dk1"/>
-            </a:lnRef>
-            <a:fillRef idx="0">
-              <a:schemeClr val="dk1"/>
-            </a:fillRef>
-            <a:effectRef idx="2">
-              <a:schemeClr val="dk1"/>
-            </a:effectRef>
-            <a:fontRef idx="minor">
-              <a:schemeClr val="tx1"/>
-            </a:fontRef>
-          </p:style>
-        </p:cxnSp>
-        <p:cxnSp>
-          <p:nvCxnSpPr>
-            <p:cNvPr id="72" name="Conector recto de flecha 71"/>
-            <p:cNvCxnSpPr/>
-            <p:nvPr/>
-          </p:nvCxnSpPr>
-          <p:spPr>
-            <a:xfrm>
-              <a:off x="4714155" y="6130149"/>
-              <a:ext cx="431999" cy="0"/>
-            </a:xfrm>
-            <a:prstGeom prst="straightConnector1">
-              <a:avLst/>
-            </a:prstGeom>
-            <a:ln>
-              <a:tailEnd type="triangle"/>
-            </a:ln>
-          </p:spPr>
-          <p:style>
-            <a:lnRef idx="3">
-              <a:schemeClr val="dk1"/>
-            </a:lnRef>
-            <a:fillRef idx="0">
-              <a:schemeClr val="dk1"/>
-            </a:fillRef>
-            <a:effectRef idx="2">
-              <a:schemeClr val="dk1"/>
-            </a:effectRef>
-            <a:fontRef idx="minor">
-              <a:schemeClr val="tx1"/>
-            </a:fontRef>
-          </p:style>
-        </p:cxnSp>
-        <p:cxnSp>
-          <p:nvCxnSpPr>
             <p:cNvPr id="73" name="Conector recto de flecha 72"/>
             <p:cNvCxnSpPr/>
             <p:nvPr/>
           </p:nvCxnSpPr>
           <p:spPr>
             <a:xfrm>
-              <a:off x="4714155" y="6311693"/>
+              <a:off x="4554764" y="6001301"/>
               <a:ext cx="431999" cy="0"/>
             </a:xfrm>
             <a:prstGeom prst="straightConnector1">
@@ -7332,7 +7506,7 @@
           </p:nvCxnSpPr>
           <p:spPr>
             <a:xfrm>
-              <a:off x="4714155" y="6486388"/>
+              <a:off x="4554764" y="6175996"/>
               <a:ext cx="431999" cy="0"/>
             </a:xfrm>
             <a:prstGeom prst="straightConnector1">
@@ -7365,7 +7539,7 @@
           </p:nvSpPr>
           <p:spPr>
             <a:xfrm>
-              <a:off x="4408904" y="5792617"/>
+              <a:off x="1771359" y="5179335"/>
               <a:ext cx="348172" cy="261610"/>
             </a:xfrm>
             <a:prstGeom prst="rect">
@@ -7394,7 +7568,7 @@
           </p:nvSpPr>
           <p:spPr>
             <a:xfrm>
-              <a:off x="4230604" y="6009655"/>
+              <a:off x="1623970" y="5563427"/>
               <a:ext cx="519694" cy="261610"/>
             </a:xfrm>
             <a:prstGeom prst="rect">
@@ -7424,7 +7598,7 @@
           </p:nvSpPr>
           <p:spPr>
             <a:xfrm>
-              <a:off x="4434187" y="6183745"/>
+              <a:off x="4274796" y="5873353"/>
               <a:ext cx="316112" cy="261610"/>
             </a:xfrm>
             <a:prstGeom prst="rect">
@@ -7454,7 +7628,7 @@
           </p:nvSpPr>
           <p:spPr>
             <a:xfrm>
-              <a:off x="4421361" y="6363577"/>
+              <a:off x="4261970" y="6053185"/>
               <a:ext cx="328936" cy="261610"/>
             </a:xfrm>
             <a:prstGeom prst="rect">
@@ -7484,7 +7658,7 @@
           </p:nvSpPr>
           <p:spPr>
             <a:xfrm>
-              <a:off x="5146155" y="5770183"/>
+              <a:off x="4986764" y="5459791"/>
               <a:ext cx="1076774" cy="899462"/>
             </a:xfrm>
             <a:prstGeom prst="rect">
@@ -7525,7 +7699,7 @@
           </p:nvSpPr>
           <p:spPr>
             <a:xfrm>
-              <a:off x="6945079" y="3201557"/>
+              <a:off x="6785688" y="2891165"/>
               <a:ext cx="1076774" cy="593193"/>
             </a:xfrm>
             <a:prstGeom prst="rect">
@@ -7566,7 +7740,7 @@
           </p:nvSpPr>
           <p:spPr>
             <a:xfrm>
-              <a:off x="6945079" y="1970037"/>
+              <a:off x="6785688" y="1659645"/>
               <a:ext cx="1076774" cy="593193"/>
             </a:xfrm>
             <a:prstGeom prst="rect">
@@ -7607,7 +7781,7 @@
           </p:nvSpPr>
           <p:spPr>
             <a:xfrm>
-              <a:off x="5146156" y="1970037"/>
+              <a:off x="4986765" y="1659645"/>
               <a:ext cx="1076774" cy="593193"/>
             </a:xfrm>
             <a:prstGeom prst="rect">
@@ -7648,7 +7822,7 @@
           </p:nvSpPr>
           <p:spPr>
             <a:xfrm>
-              <a:off x="5146156" y="3201557"/>
+              <a:off x="4980415" y="2891165"/>
               <a:ext cx="1076774" cy="593193"/>
             </a:xfrm>
             <a:prstGeom prst="rect">
@@ -7683,52 +7857,14 @@
         </p:sp>
         <p:cxnSp>
           <p:nvCxnSpPr>
-            <p:cNvPr id="146" name="Conector angular 145"/>
-            <p:cNvCxnSpPr>
-              <a:stCxn id="34" idx="4"/>
-              <a:endCxn id="81" idx="2"/>
-            </p:cNvCxnSpPr>
-            <p:nvPr/>
-          </p:nvCxnSpPr>
-          <p:spPr>
-            <a:xfrm rot="16200000" flipH="1">
-              <a:off x="2901127" y="3886230"/>
-              <a:ext cx="2966776" cy="2600054"/>
-            </a:xfrm>
-            <a:prstGeom prst="bentConnector3">
-              <a:avLst>
-                <a:gd name="adj1" fmla="val 107705"/>
-              </a:avLst>
-            </a:prstGeom>
-            <a:ln>
-              <a:tailEnd type="triangle"/>
-            </a:ln>
-          </p:spPr>
-          <p:style>
-            <a:lnRef idx="3">
-              <a:schemeClr val="dk1"/>
-            </a:lnRef>
-            <a:fillRef idx="0">
-              <a:schemeClr val="dk1"/>
-            </a:fillRef>
-            <a:effectRef idx="2">
-              <a:schemeClr val="dk1"/>
-            </a:effectRef>
-            <a:fontRef idx="minor">
-              <a:schemeClr val="tx1"/>
-            </a:fontRef>
-          </p:style>
-        </p:cxnSp>
-        <p:cxnSp>
-          <p:nvCxnSpPr>
             <p:cNvPr id="5" name="Straight Arrow Connector 4"/>
             <p:cNvCxnSpPr/>
             <p:nvPr/>
           </p:nvCxnSpPr>
           <p:spPr>
             <a:xfrm>
-              <a:off x="3128006" y="2135628"/>
-              <a:ext cx="2018147" cy="0"/>
+              <a:off x="2266155" y="1825236"/>
+              <a:ext cx="2720607" cy="0"/>
             </a:xfrm>
             <a:prstGeom prst="straightConnector1">
               <a:avLst/>
@@ -7760,7 +7896,7 @@
           </p:nvSpPr>
           <p:spPr>
             <a:xfrm>
-              <a:off x="6625255" y="2218274"/>
+              <a:off x="6465864" y="1907882"/>
               <a:ext cx="96717" cy="96717"/>
             </a:xfrm>
             <a:prstGeom prst="ellipse">
@@ -7796,20 +7932,21 @@
           <p:nvCxnSpPr>
             <p:cNvPr id="6" name="Conector: angular 5"/>
             <p:cNvCxnSpPr>
-              <a:stCxn id="80" idx="4"/>
+              <a:stCxn id="9" idx="3"/>
               <a:endCxn id="35" idx="1"/>
             </p:cNvCxnSpPr>
             <p:nvPr/>
           </p:nvCxnSpPr>
           <p:spPr>
-            <a:xfrm rot="5400000">
-              <a:off x="5385455" y="2068540"/>
-              <a:ext cx="1041708" cy="1534611"/>
-            </a:xfrm>
-            <a:prstGeom prst="bentConnector4">
+            <a:xfrm flipH="1">
+              <a:off x="4979612" y="2105273"/>
+              <a:ext cx="1081985" cy="941034"/>
+            </a:xfrm>
+            <a:prstGeom prst="bentConnector5">
               <a:avLst>
-                <a:gd name="adj1" fmla="val 47691"/>
-                <a:gd name="adj2" fmla="val 114896"/>
+                <a:gd name="adj1" fmla="val -53407"/>
+                <a:gd name="adj2" fmla="val 51120"/>
+                <a:gd name="adj3" fmla="val 121128"/>
               </a:avLst>
             </a:prstGeom>
             <a:ln>
@@ -7839,7 +7976,7 @@
           </p:nvSpPr>
           <p:spPr>
             <a:xfrm>
-              <a:off x="5146156" y="4668421"/>
+              <a:off x="4986765" y="4358029"/>
               <a:ext cx="1076774" cy="899462"/>
             </a:xfrm>
             <a:prstGeom prst="rect">
@@ -7880,7 +8017,7 @@
           </p:nvSpPr>
           <p:spPr>
             <a:xfrm>
-              <a:off x="9451152" y="4881856"/>
+              <a:off x="9291761" y="4571464"/>
               <a:ext cx="164095" cy="164095"/>
             </a:xfrm>
             <a:prstGeom prst="rect">
@@ -7918,7 +8055,7 @@
           </p:nvSpPr>
           <p:spPr>
             <a:xfrm>
-              <a:off x="9451151" y="5185421"/>
+              <a:off x="9291760" y="4875029"/>
               <a:ext cx="164095" cy="164095"/>
             </a:xfrm>
             <a:prstGeom prst="rect">
@@ -7956,7 +8093,7 @@
           </p:nvSpPr>
           <p:spPr>
             <a:xfrm>
-              <a:off x="9612133" y="4818569"/>
+              <a:off x="9467185" y="4513495"/>
               <a:ext cx="544060" cy="276999"/>
             </a:xfrm>
             <a:prstGeom prst="rect">
@@ -7985,7 +8122,7 @@
           </p:nvSpPr>
           <p:spPr>
             <a:xfrm>
-              <a:off x="9612133" y="5129482"/>
+              <a:off x="9452742" y="4819090"/>
               <a:ext cx="645626" cy="276999"/>
             </a:xfrm>
             <a:prstGeom prst="rect">
@@ -8006,6 +8143,1243 @@
             </a:p>
           </p:txBody>
         </p:sp>
+        <p:cxnSp>
+          <p:nvCxnSpPr>
+            <p:cNvPr id="85" name="Conector recto 84"/>
+            <p:cNvCxnSpPr/>
+            <p:nvPr/>
+          </p:nvCxnSpPr>
+          <p:spPr>
+            <a:xfrm flipH="1">
+              <a:off x="6077821" y="1918041"/>
+              <a:ext cx="70925" cy="70925"/>
+            </a:xfrm>
+            <a:prstGeom prst="line">
+              <a:avLst/>
+            </a:prstGeom>
+          </p:spPr>
+          <p:style>
+            <a:lnRef idx="3">
+              <a:schemeClr val="dk1"/>
+            </a:lnRef>
+            <a:fillRef idx="0">
+              <a:schemeClr val="dk1"/>
+            </a:fillRef>
+            <a:effectRef idx="2">
+              <a:schemeClr val="dk1"/>
+            </a:effectRef>
+            <a:fontRef idx="minor">
+              <a:schemeClr val="tx1"/>
+            </a:fontRef>
+          </p:style>
+        </p:cxnSp>
+        <p:sp>
+          <p:nvSpPr>
+            <p:cNvPr id="87" name="CuadroTexto 86"/>
+            <p:cNvSpPr txBox="1"/>
+            <p:nvPr/>
+          </p:nvSpPr>
+          <p:spPr>
+            <a:xfrm>
+              <a:off x="6043855" y="1673800"/>
+              <a:ext cx="341760" cy="276999"/>
+            </a:xfrm>
+            <a:prstGeom prst="rect">
+              <a:avLst/>
+            </a:prstGeom>
+            <a:noFill/>
+          </p:spPr>
+          <p:txBody>
+            <a:bodyPr wrap="none" rtlCol="0">
+              <a:spAutoFit/>
+            </a:bodyPr>
+            <a:lstStyle/>
+            <a:p>
+              <a:r>
+                <a:rPr lang="es-CR" sz="1200" dirty="0"/>
+                <a:t>10</a:t>
+              </a:r>
+            </a:p>
+          </p:txBody>
+        </p:sp>
+        <p:cxnSp>
+          <p:nvCxnSpPr>
+            <p:cNvPr id="88" name="Conector recto 87"/>
+            <p:cNvCxnSpPr/>
+            <p:nvPr/>
+          </p:nvCxnSpPr>
+          <p:spPr>
+            <a:xfrm flipH="1">
+              <a:off x="6211171" y="2273641"/>
+              <a:ext cx="70925" cy="70925"/>
+            </a:xfrm>
+            <a:prstGeom prst="line">
+              <a:avLst/>
+            </a:prstGeom>
+          </p:spPr>
+          <p:style>
+            <a:lnRef idx="3">
+              <a:schemeClr val="dk1"/>
+            </a:lnRef>
+            <a:fillRef idx="0">
+              <a:schemeClr val="dk1"/>
+            </a:fillRef>
+            <a:effectRef idx="2">
+              <a:schemeClr val="dk1"/>
+            </a:effectRef>
+            <a:fontRef idx="minor">
+              <a:schemeClr val="tx1"/>
+            </a:fontRef>
+          </p:style>
+        </p:cxnSp>
+        <p:sp>
+          <p:nvSpPr>
+            <p:cNvPr id="93" name="CuadroTexto 92"/>
+            <p:cNvSpPr txBox="1"/>
+            <p:nvPr/>
+          </p:nvSpPr>
+          <p:spPr>
+            <a:xfrm>
+              <a:off x="5961620" y="2247633"/>
+              <a:ext cx="341760" cy="276999"/>
+            </a:xfrm>
+            <a:prstGeom prst="rect">
+              <a:avLst/>
+            </a:prstGeom>
+            <a:noFill/>
+          </p:spPr>
+          <p:txBody>
+            <a:bodyPr wrap="none" rtlCol="0">
+              <a:spAutoFit/>
+            </a:bodyPr>
+            <a:lstStyle/>
+            <a:p>
+              <a:r>
+                <a:rPr lang="es-CR" sz="1200" dirty="0"/>
+                <a:t>10</a:t>
+              </a:r>
+            </a:p>
+          </p:txBody>
+        </p:sp>
+        <p:cxnSp>
+          <p:nvCxnSpPr>
+            <p:cNvPr id="95" name="Conector recto 94"/>
+            <p:cNvCxnSpPr/>
+            <p:nvPr/>
+          </p:nvCxnSpPr>
+          <p:spPr>
+            <a:xfrm flipH="1">
+              <a:off x="6338171" y="3149941"/>
+              <a:ext cx="70925" cy="70925"/>
+            </a:xfrm>
+            <a:prstGeom prst="line">
+              <a:avLst/>
+            </a:prstGeom>
+          </p:spPr>
+          <p:style>
+            <a:lnRef idx="3">
+              <a:schemeClr val="dk1"/>
+            </a:lnRef>
+            <a:fillRef idx="0">
+              <a:schemeClr val="dk1"/>
+            </a:fillRef>
+            <a:effectRef idx="2">
+              <a:schemeClr val="dk1"/>
+            </a:effectRef>
+            <a:fontRef idx="minor">
+              <a:schemeClr val="tx1"/>
+            </a:fontRef>
+          </p:style>
+        </p:cxnSp>
+        <p:cxnSp>
+          <p:nvCxnSpPr>
+            <p:cNvPr id="97" name="Conector recto 96"/>
+            <p:cNvCxnSpPr/>
+            <p:nvPr/>
+          </p:nvCxnSpPr>
+          <p:spPr>
+            <a:xfrm flipH="1">
+              <a:off x="6509621" y="3505541"/>
+              <a:ext cx="70925" cy="70925"/>
+            </a:xfrm>
+            <a:prstGeom prst="line">
+              <a:avLst/>
+            </a:prstGeom>
+          </p:spPr>
+          <p:style>
+            <a:lnRef idx="3">
+              <a:schemeClr val="dk1"/>
+            </a:lnRef>
+            <a:fillRef idx="0">
+              <a:schemeClr val="dk1"/>
+            </a:fillRef>
+            <a:effectRef idx="2">
+              <a:schemeClr val="dk1"/>
+            </a:effectRef>
+            <a:fontRef idx="minor">
+              <a:schemeClr val="tx1"/>
+            </a:fontRef>
+          </p:style>
+        </p:cxnSp>
+        <p:sp>
+          <p:nvSpPr>
+            <p:cNvPr id="101" name="CuadroTexto 100"/>
+            <p:cNvSpPr txBox="1"/>
+            <p:nvPr/>
+          </p:nvSpPr>
+          <p:spPr>
+            <a:xfrm>
+              <a:off x="6192610" y="2908915"/>
+              <a:ext cx="341760" cy="276999"/>
+            </a:xfrm>
+            <a:prstGeom prst="rect">
+              <a:avLst/>
+            </a:prstGeom>
+            <a:noFill/>
+          </p:spPr>
+          <p:txBody>
+            <a:bodyPr wrap="none" rtlCol="0">
+              <a:spAutoFit/>
+            </a:bodyPr>
+            <a:lstStyle/>
+            <a:p>
+              <a:r>
+                <a:rPr lang="es-CR" sz="1200" dirty="0"/>
+                <a:t>10</a:t>
+              </a:r>
+            </a:p>
+          </p:txBody>
+        </p:sp>
+        <p:sp>
+          <p:nvSpPr>
+            <p:cNvPr id="102" name="CuadroTexto 101"/>
+            <p:cNvSpPr txBox="1"/>
+            <p:nvPr/>
+          </p:nvSpPr>
+          <p:spPr>
+            <a:xfrm>
+              <a:off x="6491107" y="3505443"/>
+              <a:ext cx="341760" cy="276999"/>
+            </a:xfrm>
+            <a:prstGeom prst="rect">
+              <a:avLst/>
+            </a:prstGeom>
+            <a:noFill/>
+          </p:spPr>
+          <p:txBody>
+            <a:bodyPr wrap="none" rtlCol="0">
+              <a:spAutoFit/>
+            </a:bodyPr>
+            <a:lstStyle/>
+            <a:p>
+              <a:r>
+                <a:rPr lang="es-CR" sz="1200" dirty="0"/>
+                <a:t>10</a:t>
+              </a:r>
+            </a:p>
+          </p:txBody>
+        </p:sp>
+        <p:sp>
+          <p:nvSpPr>
+            <p:cNvPr id="103" name="CuadroTexto 102"/>
+            <p:cNvSpPr txBox="1"/>
+            <p:nvPr/>
+          </p:nvSpPr>
+          <p:spPr>
+            <a:xfrm>
+              <a:off x="6251778" y="1672112"/>
+              <a:ext cx="612668" cy="261610"/>
+            </a:xfrm>
+            <a:prstGeom prst="rect">
+              <a:avLst/>
+            </a:prstGeom>
+            <a:noFill/>
+          </p:spPr>
+          <p:txBody>
+            <a:bodyPr wrap="none" rtlCol="0">
+              <a:spAutoFit/>
+            </a:bodyPr>
+            <a:lstStyle/>
+            <a:p>
+              <a:r>
+                <a:rPr lang="es-CR" sz="1050" dirty="0" err="1"/>
+                <a:t>Cont_H</a:t>
+              </a:r>
+              <a:endParaRPr lang="es-CR" sz="1050" dirty="0"/>
+            </a:p>
+          </p:txBody>
+        </p:sp>
+        <p:sp>
+          <p:nvSpPr>
+            <p:cNvPr id="104" name="CuadroTexto 103"/>
+            <p:cNvSpPr txBox="1"/>
+            <p:nvPr/>
+          </p:nvSpPr>
+          <p:spPr>
+            <a:xfrm>
+              <a:off x="5289549" y="2333122"/>
+              <a:ext cx="550151" cy="253916"/>
+            </a:xfrm>
+            <a:prstGeom prst="rect">
+              <a:avLst/>
+            </a:prstGeom>
+            <a:noFill/>
+          </p:spPr>
+          <p:txBody>
+            <a:bodyPr wrap="none" rtlCol="0">
+              <a:spAutoFit/>
+            </a:bodyPr>
+            <a:lstStyle/>
+            <a:p>
+              <a:r>
+                <a:rPr lang="es-CR" sz="1050" dirty="0" err="1"/>
+                <a:t>V_Flag</a:t>
+              </a:r>
+              <a:endParaRPr lang="es-CR" sz="1050" dirty="0"/>
+            </a:p>
+          </p:txBody>
+        </p:sp>
+        <p:sp>
+          <p:nvSpPr>
+            <p:cNvPr id="105" name="CuadroTexto 104"/>
+            <p:cNvSpPr txBox="1"/>
+            <p:nvPr/>
+          </p:nvSpPr>
+          <p:spPr>
+            <a:xfrm>
+              <a:off x="4923125" y="2913922"/>
+              <a:ext cx="336952" cy="253916"/>
+            </a:xfrm>
+            <a:prstGeom prst="rect">
+              <a:avLst/>
+            </a:prstGeom>
+            <a:noFill/>
+          </p:spPr>
+          <p:txBody>
+            <a:bodyPr wrap="none" rtlCol="0">
+              <a:spAutoFit/>
+            </a:bodyPr>
+            <a:lstStyle/>
+            <a:p>
+              <a:r>
+                <a:rPr lang="es-CR" sz="1050" dirty="0"/>
+                <a:t>EN</a:t>
+              </a:r>
+            </a:p>
+          </p:txBody>
+        </p:sp>
+        <p:cxnSp>
+          <p:nvCxnSpPr>
+            <p:cNvPr id="106" name="Conector recto 105"/>
+            <p:cNvCxnSpPr/>
+            <p:nvPr/>
+          </p:nvCxnSpPr>
+          <p:spPr>
+            <a:xfrm flipH="1">
+              <a:off x="6420721" y="4781891"/>
+              <a:ext cx="70925" cy="70925"/>
+            </a:xfrm>
+            <a:prstGeom prst="line">
+              <a:avLst/>
+            </a:prstGeom>
+          </p:spPr>
+          <p:style>
+            <a:lnRef idx="3">
+              <a:schemeClr val="dk1"/>
+            </a:lnRef>
+            <a:fillRef idx="0">
+              <a:schemeClr val="dk1"/>
+            </a:fillRef>
+            <a:effectRef idx="2">
+              <a:schemeClr val="dk1"/>
+            </a:effectRef>
+            <a:fontRef idx="minor">
+              <a:schemeClr val="tx1"/>
+            </a:fontRef>
+          </p:style>
+        </p:cxnSp>
+        <p:sp>
+          <p:nvSpPr>
+            <p:cNvPr id="107" name="CuadroTexto 106"/>
+            <p:cNvSpPr txBox="1"/>
+            <p:nvPr/>
+          </p:nvSpPr>
+          <p:spPr>
+            <a:xfrm>
+              <a:off x="6289595" y="4843765"/>
+              <a:ext cx="263214" cy="276999"/>
+            </a:xfrm>
+            <a:prstGeom prst="rect">
+              <a:avLst/>
+            </a:prstGeom>
+            <a:noFill/>
+          </p:spPr>
+          <p:txBody>
+            <a:bodyPr wrap="none" rtlCol="0">
+              <a:spAutoFit/>
+            </a:bodyPr>
+            <a:lstStyle/>
+            <a:p>
+              <a:r>
+                <a:rPr lang="es-CR" sz="1200" dirty="0"/>
+                <a:t>2</a:t>
+              </a:r>
+            </a:p>
+          </p:txBody>
+        </p:sp>
+        <p:cxnSp>
+          <p:nvCxnSpPr>
+            <p:cNvPr id="108" name="Conector recto 107"/>
+            <p:cNvCxnSpPr/>
+            <p:nvPr/>
+          </p:nvCxnSpPr>
+          <p:spPr>
+            <a:xfrm flipH="1">
+              <a:off x="7290671" y="5423241"/>
+              <a:ext cx="70925" cy="70925"/>
+            </a:xfrm>
+            <a:prstGeom prst="line">
+              <a:avLst/>
+            </a:prstGeom>
+          </p:spPr>
+          <p:style>
+            <a:lnRef idx="3">
+              <a:schemeClr val="dk1"/>
+            </a:lnRef>
+            <a:fillRef idx="0">
+              <a:schemeClr val="dk1"/>
+            </a:fillRef>
+            <a:effectRef idx="2">
+              <a:schemeClr val="dk1"/>
+            </a:effectRef>
+            <a:fontRef idx="minor">
+              <a:schemeClr val="tx1"/>
+            </a:fontRef>
+          </p:style>
+        </p:cxnSp>
+        <p:sp>
+          <p:nvSpPr>
+            <p:cNvPr id="110" name="CuadroTexto 109"/>
+            <p:cNvSpPr txBox="1"/>
+            <p:nvPr/>
+          </p:nvSpPr>
+          <p:spPr>
+            <a:xfrm>
+              <a:off x="7011996" y="5336031"/>
+              <a:ext cx="341760" cy="276999"/>
+            </a:xfrm>
+            <a:prstGeom prst="rect">
+              <a:avLst/>
+            </a:prstGeom>
+            <a:noFill/>
+          </p:spPr>
+          <p:txBody>
+            <a:bodyPr wrap="none" rtlCol="0">
+              <a:spAutoFit/>
+            </a:bodyPr>
+            <a:lstStyle/>
+            <a:p>
+              <a:r>
+                <a:rPr lang="es-CR" sz="1200" dirty="0"/>
+                <a:t>14</a:t>
+              </a:r>
+            </a:p>
+          </p:txBody>
+        </p:sp>
+        <p:sp>
+          <p:nvSpPr>
+            <p:cNvPr id="111" name="Rectángulo 110"/>
+            <p:cNvSpPr/>
+            <p:nvPr/>
+          </p:nvSpPr>
+          <p:spPr>
+            <a:xfrm>
+              <a:off x="3118102" y="5061086"/>
+              <a:ext cx="991195" cy="362155"/>
+            </a:xfrm>
+            <a:prstGeom prst="rect">
+              <a:avLst/>
+            </a:prstGeom>
+          </p:spPr>
+          <p:style>
+            <a:lnRef idx="2">
+              <a:schemeClr val="dk1"/>
+            </a:lnRef>
+            <a:fillRef idx="1">
+              <a:schemeClr val="lt1"/>
+            </a:fillRef>
+            <a:effectRef idx="0">
+              <a:schemeClr val="dk1"/>
+            </a:effectRef>
+            <a:fontRef idx="minor">
+              <a:schemeClr val="dk1"/>
+            </a:fontRef>
+          </p:style>
+          <p:txBody>
+            <a:bodyPr rtlCol="0" anchor="ctr"/>
+            <a:lstStyle/>
+            <a:p>
+              <a:pPr algn="ctr"/>
+              <a:r>
+                <a:rPr lang="es-CR" sz="1100" dirty="0" err="1"/>
+                <a:t>Antirrebote</a:t>
+              </a:r>
+              <a:r>
+                <a:rPr lang="es-CR" sz="1100" dirty="0"/>
+                <a:t> &amp; Sincronizador</a:t>
+              </a:r>
+            </a:p>
+          </p:txBody>
+        </p:sp>
+        <p:sp>
+          <p:nvSpPr>
+            <p:cNvPr id="112" name="Rectángulo 111"/>
+            <p:cNvSpPr/>
+            <p:nvPr/>
+          </p:nvSpPr>
+          <p:spPr>
+            <a:xfrm>
+              <a:off x="3118102" y="5457602"/>
+              <a:ext cx="991195" cy="362155"/>
+            </a:xfrm>
+            <a:prstGeom prst="rect">
+              <a:avLst/>
+            </a:prstGeom>
+          </p:spPr>
+          <p:style>
+            <a:lnRef idx="2">
+              <a:schemeClr val="dk1"/>
+            </a:lnRef>
+            <a:fillRef idx="1">
+              <a:schemeClr val="lt1"/>
+            </a:fillRef>
+            <a:effectRef idx="0">
+              <a:schemeClr val="dk1"/>
+            </a:effectRef>
+            <a:fontRef idx="minor">
+              <a:schemeClr val="dk1"/>
+            </a:fontRef>
+          </p:style>
+          <p:txBody>
+            <a:bodyPr rtlCol="0" anchor="ctr"/>
+            <a:lstStyle/>
+            <a:p>
+              <a:pPr algn="ctr"/>
+              <a:r>
+                <a:rPr lang="es-CR" sz="1100" dirty="0" err="1"/>
+                <a:t>Antirrebote</a:t>
+              </a:r>
+              <a:r>
+                <a:rPr lang="es-CR" sz="1100" dirty="0"/>
+                <a:t> &amp; Sincronizador</a:t>
+              </a:r>
+            </a:p>
+          </p:txBody>
+        </p:sp>
+        <p:cxnSp>
+          <p:nvCxnSpPr>
+            <p:cNvPr id="41" name="Conector: angular 40"/>
+            <p:cNvCxnSpPr>
+              <a:stCxn id="111" idx="3"/>
+            </p:cNvCxnSpPr>
+            <p:nvPr/>
+          </p:nvCxnSpPr>
+          <p:spPr>
+            <a:xfrm>
+              <a:off x="4109297" y="5242164"/>
+              <a:ext cx="870315" cy="389600"/>
+            </a:xfrm>
+            <a:prstGeom prst="bentConnector3">
+              <a:avLst/>
+            </a:prstGeom>
+            <a:ln>
+              <a:tailEnd type="triangle"/>
+            </a:ln>
+          </p:spPr>
+          <p:style>
+            <a:lnRef idx="3">
+              <a:schemeClr val="dk1"/>
+            </a:lnRef>
+            <a:fillRef idx="0">
+              <a:schemeClr val="dk1"/>
+            </a:fillRef>
+            <a:effectRef idx="2">
+              <a:schemeClr val="dk1"/>
+            </a:effectRef>
+            <a:fontRef idx="minor">
+              <a:schemeClr val="tx1"/>
+            </a:fontRef>
+          </p:style>
+        </p:cxnSp>
+        <p:cxnSp>
+          <p:nvCxnSpPr>
+            <p:cNvPr id="75" name="Conector: angular 74"/>
+            <p:cNvCxnSpPr>
+              <a:stCxn id="112" idx="3"/>
+            </p:cNvCxnSpPr>
+            <p:nvPr/>
+          </p:nvCxnSpPr>
+          <p:spPr>
+            <a:xfrm>
+              <a:off x="4109297" y="5638680"/>
+              <a:ext cx="847786" cy="174629"/>
+            </a:xfrm>
+            <a:prstGeom prst="bentConnector3">
+              <a:avLst>
+                <a:gd name="adj1" fmla="val 41012"/>
+              </a:avLst>
+            </a:prstGeom>
+            <a:ln>
+              <a:tailEnd type="triangle"/>
+            </a:ln>
+          </p:spPr>
+          <p:style>
+            <a:lnRef idx="3">
+              <a:schemeClr val="dk1"/>
+            </a:lnRef>
+            <a:fillRef idx="0">
+              <a:schemeClr val="dk1"/>
+            </a:fillRef>
+            <a:effectRef idx="2">
+              <a:schemeClr val="dk1"/>
+            </a:effectRef>
+            <a:fontRef idx="minor">
+              <a:schemeClr val="tx1"/>
+            </a:fontRef>
+          </p:style>
+        </p:cxnSp>
+        <p:cxnSp>
+          <p:nvCxnSpPr>
+            <p:cNvPr id="117" name="Conector recto de flecha 116"/>
+            <p:cNvCxnSpPr/>
+            <p:nvPr/>
+          </p:nvCxnSpPr>
+          <p:spPr>
+            <a:xfrm>
+              <a:off x="2120900" y="5320991"/>
+              <a:ext cx="1008404" cy="0"/>
+            </a:xfrm>
+            <a:prstGeom prst="straightConnector1">
+              <a:avLst/>
+            </a:prstGeom>
+            <a:ln>
+              <a:tailEnd type="triangle"/>
+            </a:ln>
+          </p:spPr>
+          <p:style>
+            <a:lnRef idx="3">
+              <a:schemeClr val="dk1"/>
+            </a:lnRef>
+            <a:fillRef idx="0">
+              <a:schemeClr val="dk1"/>
+            </a:fillRef>
+            <a:effectRef idx="2">
+              <a:schemeClr val="dk1"/>
+            </a:effectRef>
+            <a:fontRef idx="minor">
+              <a:schemeClr val="tx1"/>
+            </a:fontRef>
+          </p:style>
+        </p:cxnSp>
+        <p:cxnSp>
+          <p:nvCxnSpPr>
+            <p:cNvPr id="119" name="Conector recto de flecha 118"/>
+            <p:cNvCxnSpPr/>
+            <p:nvPr/>
+          </p:nvCxnSpPr>
+          <p:spPr>
+            <a:xfrm>
+              <a:off x="2120900" y="5695264"/>
+              <a:ext cx="997202" cy="0"/>
+            </a:xfrm>
+            <a:prstGeom prst="straightConnector1">
+              <a:avLst/>
+            </a:prstGeom>
+            <a:ln>
+              <a:tailEnd type="triangle"/>
+            </a:ln>
+          </p:spPr>
+          <p:style>
+            <a:lnRef idx="3">
+              <a:schemeClr val="dk1"/>
+            </a:lnRef>
+            <a:fillRef idx="0">
+              <a:schemeClr val="dk1"/>
+            </a:fillRef>
+            <a:effectRef idx="2">
+              <a:schemeClr val="dk1"/>
+            </a:effectRef>
+            <a:fontRef idx="minor">
+              <a:schemeClr val="tx1"/>
+            </a:fontRef>
+          </p:style>
+        </p:cxnSp>
+        <p:cxnSp>
+          <p:nvCxnSpPr>
+            <p:cNvPr id="122" name="Conector recto de flecha 121"/>
+            <p:cNvCxnSpPr/>
+            <p:nvPr/>
+          </p:nvCxnSpPr>
+          <p:spPr>
+            <a:xfrm>
+              <a:off x="2920261" y="5241855"/>
+              <a:ext cx="211991" cy="0"/>
+            </a:xfrm>
+            <a:prstGeom prst="straightConnector1">
+              <a:avLst/>
+            </a:prstGeom>
+            <a:ln>
+              <a:tailEnd type="triangle"/>
+            </a:ln>
+          </p:spPr>
+          <p:style>
+            <a:lnRef idx="3">
+              <a:schemeClr val="dk1"/>
+            </a:lnRef>
+            <a:fillRef idx="0">
+              <a:schemeClr val="dk1"/>
+            </a:fillRef>
+            <a:effectRef idx="2">
+              <a:schemeClr val="dk1"/>
+            </a:effectRef>
+            <a:fontRef idx="minor">
+              <a:schemeClr val="tx1"/>
+            </a:fontRef>
+          </p:style>
+        </p:cxnSp>
+        <p:cxnSp>
+          <p:nvCxnSpPr>
+            <p:cNvPr id="123" name="Conector recto de flecha 122"/>
+            <p:cNvCxnSpPr/>
+            <p:nvPr/>
+          </p:nvCxnSpPr>
+          <p:spPr>
+            <a:xfrm>
+              <a:off x="2920261" y="5613030"/>
+              <a:ext cx="197841" cy="0"/>
+            </a:xfrm>
+            <a:prstGeom prst="straightConnector1">
+              <a:avLst/>
+            </a:prstGeom>
+            <a:ln>
+              <a:tailEnd type="triangle"/>
+            </a:ln>
+          </p:spPr>
+          <p:style>
+            <a:lnRef idx="3">
+              <a:schemeClr val="dk1"/>
+            </a:lnRef>
+            <a:fillRef idx="0">
+              <a:schemeClr val="dk1"/>
+            </a:fillRef>
+            <a:effectRef idx="2">
+              <a:schemeClr val="dk1"/>
+            </a:effectRef>
+            <a:fontRef idx="minor">
+              <a:schemeClr val="tx1"/>
+            </a:fontRef>
+          </p:style>
+        </p:cxnSp>
+        <p:sp>
+          <p:nvSpPr>
+            <p:cNvPr id="128" name="Elipse 127"/>
+            <p:cNvSpPr/>
+            <p:nvPr/>
+          </p:nvSpPr>
+          <p:spPr>
+            <a:xfrm>
+              <a:off x="2526002" y="1784777"/>
+              <a:ext cx="96717" cy="96717"/>
+            </a:xfrm>
+            <a:prstGeom prst="ellipse">
+              <a:avLst/>
+            </a:prstGeom>
+          </p:spPr>
+          <p:style>
+            <a:lnRef idx="2">
+              <a:schemeClr val="dk1">
+                <a:shade val="50000"/>
+              </a:schemeClr>
+            </a:lnRef>
+            <a:fillRef idx="1">
+              <a:schemeClr val="dk1"/>
+            </a:fillRef>
+            <a:effectRef idx="0">
+              <a:schemeClr val="dk1"/>
+            </a:effectRef>
+            <a:fontRef idx="minor">
+              <a:schemeClr val="lt1"/>
+            </a:fontRef>
+          </p:style>
+          <p:txBody>
+            <a:bodyPr rtlCol="0" anchor="ctr"/>
+            <a:lstStyle/>
+            <a:p>
+              <a:pPr algn="ctr"/>
+              <a:endParaRPr lang="es-CR"/>
+            </a:p>
+          </p:txBody>
+        </p:sp>
+        <p:cxnSp>
+          <p:nvCxnSpPr>
+            <p:cNvPr id="129" name="Conector: angular 128"/>
+            <p:cNvCxnSpPr>
+              <a:stCxn id="128" idx="4"/>
+              <a:endCxn id="125" idx="1"/>
+            </p:cNvCxnSpPr>
+            <p:nvPr/>
+          </p:nvCxnSpPr>
+          <p:spPr>
+            <a:xfrm rot="16200000" flipH="1">
+              <a:off x="1220863" y="3234991"/>
+              <a:ext cx="3261939" cy="554943"/>
+            </a:xfrm>
+            <a:prstGeom prst="bentConnector2">
+              <a:avLst/>
+            </a:prstGeom>
+            <a:ln>
+              <a:tailEnd type="triangle"/>
+            </a:ln>
+          </p:spPr>
+          <p:style>
+            <a:lnRef idx="3">
+              <a:schemeClr val="dk1"/>
+            </a:lnRef>
+            <a:fillRef idx="0">
+              <a:schemeClr val="dk1"/>
+            </a:fillRef>
+            <a:effectRef idx="2">
+              <a:schemeClr val="dk1"/>
+            </a:effectRef>
+            <a:fontRef idx="minor">
+              <a:schemeClr val="tx1"/>
+            </a:fontRef>
+          </p:style>
+        </p:cxnSp>
+        <p:sp>
+          <p:nvSpPr>
+            <p:cNvPr id="132" name="Elipse 131"/>
+            <p:cNvSpPr/>
+            <p:nvPr/>
+          </p:nvSpPr>
+          <p:spPr>
+            <a:xfrm>
+              <a:off x="2887900" y="5194482"/>
+              <a:ext cx="96717" cy="96717"/>
+            </a:xfrm>
+            <a:prstGeom prst="ellipse">
+              <a:avLst/>
+            </a:prstGeom>
+          </p:spPr>
+          <p:style>
+            <a:lnRef idx="2">
+              <a:schemeClr val="dk1">
+                <a:shade val="50000"/>
+              </a:schemeClr>
+            </a:lnRef>
+            <a:fillRef idx="1">
+              <a:schemeClr val="dk1"/>
+            </a:fillRef>
+            <a:effectRef idx="0">
+              <a:schemeClr val="dk1"/>
+            </a:effectRef>
+            <a:fontRef idx="minor">
+              <a:schemeClr val="lt1"/>
+            </a:fontRef>
+          </p:style>
+          <p:txBody>
+            <a:bodyPr rtlCol="0" anchor="ctr"/>
+            <a:lstStyle/>
+            <a:p>
+              <a:pPr algn="ctr"/>
+              <a:endParaRPr lang="es-CR"/>
+            </a:p>
+          </p:txBody>
+        </p:sp>
+        <p:sp>
+          <p:nvSpPr>
+            <p:cNvPr id="133" name="Elipse 132"/>
+            <p:cNvSpPr/>
+            <p:nvPr/>
+          </p:nvSpPr>
+          <p:spPr>
+            <a:xfrm>
+              <a:off x="2881550" y="5568754"/>
+              <a:ext cx="96717" cy="96717"/>
+            </a:xfrm>
+            <a:prstGeom prst="ellipse">
+              <a:avLst/>
+            </a:prstGeom>
+          </p:spPr>
+          <p:style>
+            <a:lnRef idx="2">
+              <a:schemeClr val="dk1">
+                <a:shade val="50000"/>
+              </a:schemeClr>
+            </a:lnRef>
+            <a:fillRef idx="1">
+              <a:schemeClr val="dk1"/>
+            </a:fillRef>
+            <a:effectRef idx="0">
+              <a:schemeClr val="dk1"/>
+            </a:effectRef>
+            <a:fontRef idx="minor">
+              <a:schemeClr val="lt1"/>
+            </a:fontRef>
+          </p:style>
+          <p:txBody>
+            <a:bodyPr rtlCol="0" anchor="ctr"/>
+            <a:lstStyle/>
+            <a:p>
+              <a:pPr algn="ctr"/>
+              <a:endParaRPr lang="es-CR"/>
+            </a:p>
+          </p:txBody>
+        </p:sp>
+        <p:sp>
+          <p:nvSpPr>
+            <p:cNvPr id="134" name="Elipse 133"/>
+            <p:cNvSpPr/>
+            <p:nvPr/>
+          </p:nvSpPr>
+          <p:spPr>
+            <a:xfrm>
+              <a:off x="2524983" y="5092537"/>
+              <a:ext cx="96717" cy="96717"/>
+            </a:xfrm>
+            <a:prstGeom prst="ellipse">
+              <a:avLst/>
+            </a:prstGeom>
+          </p:spPr>
+          <p:style>
+            <a:lnRef idx="2">
+              <a:schemeClr val="dk1">
+                <a:shade val="50000"/>
+              </a:schemeClr>
+            </a:lnRef>
+            <a:fillRef idx="1">
+              <a:schemeClr val="dk1"/>
+            </a:fillRef>
+            <a:effectRef idx="0">
+              <a:schemeClr val="dk1"/>
+            </a:effectRef>
+            <a:fontRef idx="minor">
+              <a:schemeClr val="lt1"/>
+            </a:fontRef>
+          </p:style>
+          <p:txBody>
+            <a:bodyPr rtlCol="0" anchor="ctr"/>
+            <a:lstStyle/>
+            <a:p>
+              <a:pPr algn="ctr"/>
+              <a:endParaRPr lang="es-CR"/>
+            </a:p>
+          </p:txBody>
+        </p:sp>
+        <p:cxnSp>
+          <p:nvCxnSpPr>
+            <p:cNvPr id="138" name="Conector: angular 137"/>
+            <p:cNvCxnSpPr>
+              <a:stCxn id="134" idx="4"/>
+              <a:endCxn id="127" idx="1"/>
+            </p:cNvCxnSpPr>
+            <p:nvPr/>
+          </p:nvCxnSpPr>
+          <p:spPr>
+            <a:xfrm rot="16200000" flipH="1">
+              <a:off x="2680112" y="5082484"/>
+              <a:ext cx="342423" cy="555962"/>
+            </a:xfrm>
+            <a:prstGeom prst="bentConnector2">
+              <a:avLst/>
+            </a:prstGeom>
+            <a:ln>
+              <a:tailEnd type="triangle"/>
+            </a:ln>
+          </p:spPr>
+          <p:style>
+            <a:lnRef idx="3">
+              <a:schemeClr val="dk1"/>
+            </a:lnRef>
+            <a:fillRef idx="0">
+              <a:schemeClr val="dk1"/>
+            </a:fillRef>
+            <a:effectRef idx="2">
+              <a:schemeClr val="dk1"/>
+            </a:effectRef>
+            <a:fontRef idx="minor">
+              <a:schemeClr val="tx1"/>
+            </a:fontRef>
+          </p:style>
+        </p:cxnSp>
+        <p:sp>
+          <p:nvSpPr>
+            <p:cNvPr id="142" name="Elipse 141"/>
+            <p:cNvSpPr/>
+            <p:nvPr/>
+          </p:nvSpPr>
+          <p:spPr>
+            <a:xfrm>
+              <a:off x="2524204" y="5477970"/>
+              <a:ext cx="96717" cy="96717"/>
+            </a:xfrm>
+            <a:prstGeom prst="ellipse">
+              <a:avLst/>
+            </a:prstGeom>
+          </p:spPr>
+          <p:style>
+            <a:lnRef idx="2">
+              <a:schemeClr val="dk1">
+                <a:shade val="50000"/>
+              </a:schemeClr>
+            </a:lnRef>
+            <a:fillRef idx="1">
+              <a:schemeClr val="dk1"/>
+            </a:fillRef>
+            <a:effectRef idx="0">
+              <a:schemeClr val="dk1"/>
+            </a:effectRef>
+            <a:fontRef idx="minor">
+              <a:schemeClr val="lt1"/>
+            </a:fontRef>
+          </p:style>
+          <p:txBody>
+            <a:bodyPr rtlCol="0" anchor="ctr"/>
+            <a:lstStyle/>
+            <a:p>
+              <a:pPr algn="ctr"/>
+              <a:endParaRPr lang="es-CR"/>
+            </a:p>
+          </p:txBody>
+        </p:sp>
+        <p:cxnSp>
+          <p:nvCxnSpPr>
+            <p:cNvPr id="148" name="Conector: angular 147"/>
+            <p:cNvCxnSpPr>
+              <a:stCxn id="142" idx="4"/>
+              <a:endCxn id="145" idx="2"/>
+            </p:cNvCxnSpPr>
+            <p:nvPr/>
+          </p:nvCxnSpPr>
+          <p:spPr>
+            <a:xfrm rot="16200000" flipH="1">
+              <a:off x="3488865" y="4658384"/>
+              <a:ext cx="784566" cy="2617171"/>
+            </a:xfrm>
+            <a:prstGeom prst="bentConnector3">
+              <a:avLst>
+                <a:gd name="adj1" fmla="val 129137"/>
+              </a:avLst>
+            </a:prstGeom>
+            <a:ln>
+              <a:tailEnd type="triangle"/>
+            </a:ln>
+          </p:spPr>
+          <p:style>
+            <a:lnRef idx="3">
+              <a:schemeClr val="dk1"/>
+            </a:lnRef>
+            <a:fillRef idx="0">
+              <a:schemeClr val="dk1"/>
+            </a:fillRef>
+            <a:effectRef idx="2">
+              <a:schemeClr val="dk1"/>
+            </a:effectRef>
+            <a:fontRef idx="minor">
+              <a:schemeClr val="tx1"/>
+            </a:fontRef>
+          </p:style>
+        </p:cxnSp>
+        <p:cxnSp>
+          <p:nvCxnSpPr>
+            <p:cNvPr id="150" name="Conector: angular 149"/>
+            <p:cNvCxnSpPr>
+              <a:stCxn id="34" idx="4"/>
+              <a:endCxn id="147" idx="2"/>
+            </p:cNvCxnSpPr>
+            <p:nvPr/>
+          </p:nvCxnSpPr>
+          <p:spPr>
+            <a:xfrm rot="16200000" flipH="1">
+              <a:off x="2905597" y="3411976"/>
+              <a:ext cx="2966776" cy="2927777"/>
+            </a:xfrm>
+            <a:prstGeom prst="bentConnector3">
+              <a:avLst>
+                <a:gd name="adj1" fmla="val 115043"/>
+              </a:avLst>
+            </a:prstGeom>
+            <a:ln>
+              <a:tailEnd type="triangle"/>
+            </a:ln>
+          </p:spPr>
+          <p:style>
+            <a:lnRef idx="3">
+              <a:schemeClr val="dk1"/>
+            </a:lnRef>
+            <a:fillRef idx="0">
+              <a:schemeClr val="dk1"/>
+            </a:fillRef>
+            <a:effectRef idx="2">
+              <a:schemeClr val="dk1"/>
+            </a:effectRef>
+            <a:fontRef idx="minor">
+              <a:schemeClr val="tx1"/>
+            </a:fontRef>
+          </p:style>
+        </p:cxnSp>
+        <p:sp>
+          <p:nvSpPr>
+            <p:cNvPr id="155" name="Elipse 154"/>
+            <p:cNvSpPr/>
+            <p:nvPr/>
+          </p:nvSpPr>
+          <p:spPr>
+            <a:xfrm>
+              <a:off x="2524204" y="4761007"/>
+              <a:ext cx="96717" cy="96717"/>
+            </a:xfrm>
+            <a:prstGeom prst="ellipse">
+              <a:avLst/>
+            </a:prstGeom>
+          </p:spPr>
+          <p:style>
+            <a:lnRef idx="2">
+              <a:schemeClr val="dk1">
+                <a:shade val="50000"/>
+              </a:schemeClr>
+            </a:lnRef>
+            <a:fillRef idx="1">
+              <a:schemeClr val="dk1"/>
+            </a:fillRef>
+            <a:effectRef idx="0">
+              <a:schemeClr val="dk1"/>
+            </a:effectRef>
+            <a:fontRef idx="minor">
+              <a:schemeClr val="lt1"/>
+            </a:fontRef>
+          </p:style>
+          <p:txBody>
+            <a:bodyPr rtlCol="0" anchor="ctr"/>
+            <a:lstStyle/>
+            <a:p>
+              <a:pPr algn="ctr"/>
+              <a:endParaRPr lang="es-CR"/>
+            </a:p>
+          </p:txBody>
+        </p:sp>
+        <p:cxnSp>
+          <p:nvCxnSpPr>
+            <p:cNvPr id="157" name="Conector recto de flecha 156"/>
+            <p:cNvCxnSpPr>
+              <a:stCxn id="155" idx="6"/>
+              <a:endCxn id="96" idx="1"/>
+            </p:cNvCxnSpPr>
+            <p:nvPr/>
+          </p:nvCxnSpPr>
+          <p:spPr>
+            <a:xfrm flipV="1">
+              <a:off x="2620921" y="4807760"/>
+              <a:ext cx="2365844" cy="1606"/>
+            </a:xfrm>
+            <a:prstGeom prst="straightConnector1">
+              <a:avLst/>
+            </a:prstGeom>
+            <a:ln>
+              <a:tailEnd type="triangle"/>
+            </a:ln>
+          </p:spPr>
+          <p:style>
+            <a:lnRef idx="3">
+              <a:schemeClr val="dk1"/>
+            </a:lnRef>
+            <a:fillRef idx="0">
+              <a:schemeClr val="dk1"/>
+            </a:fillRef>
+            <a:effectRef idx="2">
+              <a:schemeClr val="dk1"/>
+            </a:effectRef>
+            <a:fontRef idx="minor">
+              <a:schemeClr val="tx1"/>
+            </a:fontRef>
+          </p:style>
+        </p:cxnSp>
+        <p:sp>
+          <p:nvSpPr>
+            <p:cNvPr id="158" name="Elipse 157"/>
+            <p:cNvSpPr/>
+            <p:nvPr/>
+          </p:nvSpPr>
+          <p:spPr>
+            <a:xfrm>
+              <a:off x="5139736" y="6530612"/>
+              <a:ext cx="96717" cy="96717"/>
+            </a:xfrm>
+            <a:prstGeom prst="ellipse">
+              <a:avLst/>
+            </a:prstGeom>
+          </p:spPr>
+          <p:style>
+            <a:lnRef idx="2">
+              <a:schemeClr val="dk1">
+                <a:shade val="50000"/>
+              </a:schemeClr>
+            </a:lnRef>
+            <a:fillRef idx="1">
+              <a:schemeClr val="dk1"/>
+            </a:fillRef>
+            <a:effectRef idx="0">
+              <a:schemeClr val="dk1"/>
+            </a:effectRef>
+            <a:fontRef idx="minor">
+              <a:schemeClr val="lt1"/>
+            </a:fontRef>
+          </p:style>
+          <p:txBody>
+            <a:bodyPr rtlCol="0" anchor="ctr"/>
+            <a:lstStyle/>
+            <a:p>
+              <a:pPr algn="ctr"/>
+              <a:endParaRPr lang="es-CR"/>
+            </a:p>
+          </p:txBody>
+        </p:sp>
+        <p:cxnSp>
+          <p:nvCxnSpPr>
+            <p:cNvPr id="161" name="Conector: angular 160"/>
+            <p:cNvCxnSpPr>
+              <a:stCxn id="158" idx="6"/>
+              <a:endCxn id="159" idx="2"/>
+            </p:cNvCxnSpPr>
+            <p:nvPr/>
+          </p:nvCxnSpPr>
+          <p:spPr>
+            <a:xfrm flipV="1">
+              <a:off x="5236453" y="5263411"/>
+              <a:ext cx="2430075" cy="1315560"/>
+            </a:xfrm>
+            <a:prstGeom prst="bentConnector2">
+              <a:avLst/>
+            </a:prstGeom>
+            <a:ln>
+              <a:tailEnd type="triangle"/>
+            </a:ln>
+          </p:spPr>
+          <p:style>
+            <a:lnRef idx="3">
+              <a:schemeClr val="dk1"/>
+            </a:lnRef>
+            <a:fillRef idx="0">
+              <a:schemeClr val="dk1"/>
+            </a:fillRef>
+            <a:effectRef idx="2">
+              <a:schemeClr val="dk1"/>
+            </a:effectRef>
+            <a:fontRef idx="minor">
+              <a:schemeClr val="tx1"/>
+            </a:fontRef>
+          </p:style>
+        </p:cxnSp>
       </p:grpSp>
     </p:spTree>
     <p:extLst>
